--- a/Báo cáo.pptx
+++ b/Báo cáo.pptx
@@ -114,6 +114,11 @@
       </a:defRPr>
     </a:lvl9pPr>
   </p:defaultTextStyle>
+  <p:extLst>
+    <p:ext uri="{EFAFB233-063F-42B5-8137-9DF3F51BA10A}">
+      <p15:sldGuideLst xmlns:p15="http://schemas.microsoft.com/office/powerpoint/2012/main"/>
+    </p:ext>
+  </p:extLst>
 </p:presentation>
 </file>
 
@@ -3331,6 +3336,53 @@
           <a:chExt cx="0" cy="0"/>
         </a:xfrm>
       </p:grpSpPr>
+      <p:pic>
+        <p:nvPicPr>
+          <p:cNvPr id="1026" name="Picture 2" descr="Dog Logo | Illustrator Templates ~ Creative Market">
+            <a:extLst>
+              <a:ext uri="{FF2B5EF4-FFF2-40B4-BE49-F238E27FC236}">
+                <a16:creationId xmlns:a16="http://schemas.microsoft.com/office/drawing/2014/main" id="{E86AA9FF-B9B0-4C4B-A0D5-C6DC50E8CD27}"/>
+              </a:ext>
+            </a:extLst>
+          </p:cNvPr>
+          <p:cNvPicPr>
+            <a:picLocks noChangeAspect="1" noChangeArrowheads="1"/>
+          </p:cNvPicPr>
+          <p:nvPr/>
+        </p:nvPicPr>
+        <p:blipFill>
+          <a:blip r:embed="rId2">
+            <a:extLst>
+              <a:ext uri="{28A0092B-C50C-407E-A947-70E740481C1C}">
+                <a14:useLocalDpi xmlns:a14="http://schemas.microsoft.com/office/drawing/2010/main" val="0"/>
+              </a:ext>
+            </a:extLst>
+          </a:blip>
+          <a:srcRect/>
+          <a:stretch>
+            <a:fillRect/>
+          </a:stretch>
+        </p:blipFill>
+        <p:spPr bwMode="auto">
+          <a:xfrm>
+            <a:off x="0" y="0"/>
+            <a:ext cx="12192000" cy="6858000"/>
+          </a:xfrm>
+          <a:prstGeom prst="rect">
+            <a:avLst/>
+          </a:prstGeom>
+          <a:noFill/>
+          <a:extLst>
+            <a:ext uri="{909E8E84-426E-40DD-AFC4-6F175D3DCCD1}">
+              <a14:hiddenFill xmlns:a14="http://schemas.microsoft.com/office/drawing/2010/main">
+                <a:solidFill>
+                  <a:srgbClr val="FFFFFF"/>
+                </a:solidFill>
+              </a14:hiddenFill>
+            </a:ext>
+          </a:extLst>
+        </p:spPr>
+      </p:pic>
       <p:sp>
         <p:nvSpPr>
           <p:cNvPr id="2" name="Title 1">
@@ -3347,7 +3399,26 @@
             <p:ph type="ctrTitle"/>
           </p:nvPr>
         </p:nvSpPr>
-        <p:spPr/>
+        <p:spPr>
+          <a:xfrm>
+            <a:off x="1562098" y="2820772"/>
+            <a:ext cx="9067800" cy="1003830"/>
+          </a:xfrm>
+        </p:spPr>
+        <p:style>
+          <a:lnRef idx="2">
+            <a:schemeClr val="dk1"/>
+          </a:lnRef>
+          <a:fillRef idx="1">
+            <a:schemeClr val="lt1"/>
+          </a:fillRef>
+          <a:effectRef idx="0">
+            <a:schemeClr val="dk1"/>
+          </a:effectRef>
+          <a:fontRef idx="minor">
+            <a:schemeClr val="dk1"/>
+          </a:fontRef>
+        </p:style>
         <p:txBody>
           <a:bodyPr/>
           <a:lstStyle/>
@@ -3416,16 +3487,36 @@
             <p:ph type="subTitle" idx="1"/>
           </p:nvPr>
         </p:nvSpPr>
-        <p:spPr/>
+        <p:spPr>
+          <a:xfrm>
+            <a:off x="5329765" y="4130405"/>
+            <a:ext cx="1532467" cy="402695"/>
+          </a:xfrm>
+        </p:spPr>
+        <p:style>
+          <a:lnRef idx="2">
+            <a:schemeClr val="accent6"/>
+          </a:lnRef>
+          <a:fillRef idx="1">
+            <a:schemeClr val="lt1"/>
+          </a:fillRef>
+          <a:effectRef idx="0">
+            <a:schemeClr val="accent6"/>
+          </a:effectRef>
+          <a:fontRef idx="minor">
+            <a:schemeClr val="dk1"/>
+          </a:fontRef>
+        </p:style>
         <p:txBody>
-          <a:bodyPr/>
+          <a:bodyPr>
+            <a:normAutofit lnSpcReduction="10000"/>
+          </a:bodyPr>
           <a:lstStyle/>
           <a:p>
             <a:r>
-              <a:rPr lang="en-US"/>
+              <a:rPr lang="en-US" b="1" dirty="0"/>
               <a:t>WINFORM</a:t>
             </a:r>
-            <a:endParaRPr lang="en-US" dirty="0"/>
           </a:p>
         </p:txBody>
       </p:sp>
@@ -3733,120 +3824,136 @@
       </p:grpSpPr>
       <p:sp>
         <p:nvSpPr>
-          <p:cNvPr id="2" name="Title 1">
-            <a:extLst>
-              <a:ext uri="{FF2B5EF4-FFF2-40B4-BE49-F238E27FC236}">
-                <a16:creationId xmlns:a16="http://schemas.microsoft.com/office/drawing/2014/main" id="{171626A0-6119-4E39-87E8-797391823D05}"/>
-              </a:ext>
-            </a:extLst>
-          </p:cNvPr>
-          <p:cNvSpPr>
-            <a:spLocks noGrp="1"/>
-          </p:cNvSpPr>
-          <p:nvPr>
-            <p:ph type="title"/>
-          </p:nvPr>
+          <p:cNvPr id="4" name="Rectangles 3"/>
+          <p:cNvSpPr/>
+          <p:nvPr/>
         </p:nvSpPr>
         <p:spPr>
           <a:xfrm>
-            <a:off x="4054215" y="365125"/>
-            <a:ext cx="3733800" cy="1325563"/>
+            <a:off x="4087495" y="242570"/>
+            <a:ext cx="4017010" cy="517525"/>
           </a:xfrm>
+          <a:prstGeom prst="rect">
+            <a:avLst/>
+          </a:prstGeom>
         </p:spPr>
+        <p:style>
+          <a:lnRef idx="1">
+            <a:schemeClr val="accent4"/>
+          </a:lnRef>
+          <a:fillRef idx="2">
+            <a:schemeClr val="accent4"/>
+          </a:fillRef>
+          <a:effectRef idx="1">
+            <a:schemeClr val="accent4"/>
+          </a:effectRef>
+          <a:fontRef idx="minor">
+            <a:schemeClr val="dk1"/>
+          </a:fontRef>
+        </p:style>
         <p:txBody>
-          <a:bodyPr/>
+          <a:bodyPr rtlCol="0" anchor="ctr"/>
           <a:lstStyle/>
           <a:p>
-            <a:r>
-              <a:rPr lang="en-US" b="1" dirty="0" err="1">
+            <a:pPr algn="ctr"/>
+            <a:r>
+              <a:rPr lang="en-US" sz="3600" b="1" dirty="0" err="1">
                 <a:solidFill>
                   <a:srgbClr val="FF0000"/>
                 </a:solidFill>
+                <a:sym typeface="+mn-ea"/>
               </a:rPr>
               <a:t>Nhiệm</a:t>
             </a:r>
             <a:r>
-              <a:rPr lang="en-US" b="1" dirty="0">
+              <a:rPr lang="en-US" sz="3600" b="1" dirty="0">
                 <a:solidFill>
                   <a:srgbClr val="FF0000"/>
                 </a:solidFill>
-              </a:rPr>
-              <a:t> </a:t>
-            </a:r>
-            <a:r>
-              <a:rPr lang="en-US" b="1" dirty="0" err="1">
+                <a:sym typeface="+mn-ea"/>
+              </a:rPr>
+              <a:t> </a:t>
+            </a:r>
+            <a:r>
+              <a:rPr lang="en-US" sz="3600" b="1" dirty="0" err="1">
                 <a:solidFill>
                   <a:srgbClr val="FF0000"/>
                 </a:solidFill>
+                <a:sym typeface="+mn-ea"/>
               </a:rPr>
               <a:t>vụ</a:t>
             </a:r>
             <a:r>
-              <a:rPr lang="en-US" b="1" dirty="0">
+              <a:rPr lang="en-US" sz="3600" b="1" dirty="0">
                 <a:solidFill>
                   <a:srgbClr val="FF0000"/>
                 </a:solidFill>
-              </a:rPr>
-              <a:t> </a:t>
-            </a:r>
-            <a:r>
-              <a:rPr lang="en-US" b="1" dirty="0" err="1">
+                <a:sym typeface="+mn-ea"/>
+              </a:rPr>
+              <a:t> </a:t>
+            </a:r>
+            <a:r>
+              <a:rPr lang="en-US" sz="3600" b="1" dirty="0" err="1">
                 <a:solidFill>
                   <a:srgbClr val="FF0000"/>
                 </a:solidFill>
+                <a:sym typeface="+mn-ea"/>
               </a:rPr>
               <a:t>đề</a:t>
             </a:r>
             <a:r>
-              <a:rPr lang="en-US" b="1" dirty="0">
+              <a:rPr lang="en-US" sz="3600" b="1" dirty="0">
                 <a:solidFill>
                   <a:srgbClr val="FF0000"/>
                 </a:solidFill>
-              </a:rPr>
-              <a:t> </a:t>
-            </a:r>
-            <a:r>
-              <a:rPr lang="en-US" b="1" dirty="0" err="1">
+                <a:sym typeface="+mn-ea"/>
+              </a:rPr>
+              <a:t> </a:t>
+            </a:r>
+            <a:r>
+              <a:rPr lang="en-US" sz="3600" b="1" dirty="0" err="1">
                 <a:solidFill>
                   <a:srgbClr val="FF0000"/>
                 </a:solidFill>
+                <a:sym typeface="+mn-ea"/>
               </a:rPr>
               <a:t>tài</a:t>
             </a:r>
-            <a:endParaRPr lang="en-US" b="1" dirty="0">
-              <a:solidFill>
-                <a:srgbClr val="FF0000"/>
-              </a:solidFill>
-            </a:endParaRPr>
+            <a:endParaRPr lang="en-US" sz="3600"/>
           </a:p>
         </p:txBody>
       </p:sp>
       <p:sp>
         <p:nvSpPr>
-          <p:cNvPr id="3" name="Content Placeholder 2">
-            <a:extLst>
-              <a:ext uri="{FF2B5EF4-FFF2-40B4-BE49-F238E27FC236}">
-                <a16:creationId xmlns:a16="http://schemas.microsoft.com/office/drawing/2014/main" id="{713BD7DC-AF1E-4D80-8CFB-C5CD9DCE362D}"/>
-              </a:ext>
-            </a:extLst>
-          </p:cNvPr>
-          <p:cNvSpPr>
-            <a:spLocks noGrp="1"/>
-          </p:cNvSpPr>
-          <p:nvPr>
-            <p:ph idx="1"/>
-          </p:nvPr>
+          <p:cNvPr id="9" name="Rounded Rectangle 8"/>
+          <p:cNvSpPr/>
+          <p:nvPr/>
         </p:nvSpPr>
         <p:spPr>
           <a:xfrm>
-            <a:off x="224853" y="1722802"/>
-            <a:ext cx="11392524" cy="4963878"/>
+            <a:off x="806450" y="902335"/>
+            <a:ext cx="10579100" cy="5497830"/>
           </a:xfrm>
+          <a:prstGeom prst="roundRect">
+            <a:avLst/>
+          </a:prstGeom>
         </p:spPr>
+        <p:style>
+          <a:lnRef idx="1">
+            <a:schemeClr val="accent3"/>
+          </a:lnRef>
+          <a:fillRef idx="2">
+            <a:schemeClr val="accent3"/>
+          </a:fillRef>
+          <a:effectRef idx="1">
+            <a:schemeClr val="accent3"/>
+          </a:effectRef>
+          <a:fontRef idx="minor">
+            <a:schemeClr val="dk1"/>
+          </a:fontRef>
+        </p:style>
         <p:txBody>
-          <a:bodyPr>
-            <a:normAutofit/>
-          </a:bodyPr>
+          <a:bodyPr rtlCol="0" anchor="ctr"/>
           <a:lstStyle/>
           <a:p>
             <a:pPr marL="342900" marR="104775" lvl="0" indent="-342900" algn="just">
@@ -3867,598 +3974,672 @@
               </a:tabLst>
             </a:pPr>
             <a:r>
-              <a:rPr lang="en-US" sz="1800" dirty="0" err="1">
-                <a:effectLst/>
-                <a:latin typeface="Times New Roman" panose="02020603050405020304" pitchFamily="18" charset="0"/>
-                <a:ea typeface="Times New Roman" panose="02020603050405020304" pitchFamily="18" charset="0"/>
+              <a:rPr lang="en-US" sz="2000" dirty="0" err="1">
+                <a:effectLst/>
+                <a:latin typeface="Times New Roman" panose="02020603050405020304" pitchFamily="18" charset="0"/>
+                <a:ea typeface="Times New Roman" panose="02020603050405020304" pitchFamily="18" charset="0"/>
+                <a:sym typeface="+mn-ea"/>
               </a:rPr>
               <a:t>Xây</a:t>
             </a:r>
             <a:r>
-              <a:rPr lang="en-US" sz="1800" dirty="0">
-                <a:effectLst/>
-                <a:latin typeface="Times New Roman" panose="02020603050405020304" pitchFamily="18" charset="0"/>
-                <a:ea typeface="Times New Roman" panose="02020603050405020304" pitchFamily="18" charset="0"/>
-              </a:rPr>
-              <a:t> </a:t>
-            </a:r>
-            <a:r>
-              <a:rPr lang="en-US" sz="1800" dirty="0" err="1">
-                <a:effectLst/>
-                <a:latin typeface="Times New Roman" panose="02020603050405020304" pitchFamily="18" charset="0"/>
-                <a:ea typeface="Times New Roman" panose="02020603050405020304" pitchFamily="18" charset="0"/>
+              <a:rPr lang="en-US" sz="2000" dirty="0">
+                <a:effectLst/>
+                <a:latin typeface="Times New Roman" panose="02020603050405020304" pitchFamily="18" charset="0"/>
+                <a:ea typeface="Times New Roman" panose="02020603050405020304" pitchFamily="18" charset="0"/>
+                <a:sym typeface="+mn-ea"/>
+              </a:rPr>
+              <a:t> </a:t>
+            </a:r>
+            <a:r>
+              <a:rPr lang="en-US" sz="2000" dirty="0" err="1">
+                <a:effectLst/>
+                <a:latin typeface="Times New Roman" panose="02020603050405020304" pitchFamily="18" charset="0"/>
+                <a:ea typeface="Times New Roman" panose="02020603050405020304" pitchFamily="18" charset="0"/>
+                <a:sym typeface="+mn-ea"/>
               </a:rPr>
               <a:t>dựng</a:t>
             </a:r>
             <a:r>
-              <a:rPr lang="en-US" sz="1800" dirty="0">
-                <a:effectLst/>
-                <a:latin typeface="Times New Roman" panose="02020603050405020304" pitchFamily="18" charset="0"/>
-                <a:ea typeface="Times New Roman" panose="02020603050405020304" pitchFamily="18" charset="0"/>
-              </a:rPr>
-              <a:t> </a:t>
-            </a:r>
-            <a:r>
-              <a:rPr lang="en-US" sz="1800" dirty="0" err="1">
-                <a:effectLst/>
-                <a:latin typeface="Times New Roman" panose="02020603050405020304" pitchFamily="18" charset="0"/>
-                <a:ea typeface="Times New Roman" panose="02020603050405020304" pitchFamily="18" charset="0"/>
+              <a:rPr lang="en-US" sz="2000" dirty="0">
+                <a:effectLst/>
+                <a:latin typeface="Times New Roman" panose="02020603050405020304" pitchFamily="18" charset="0"/>
+                <a:ea typeface="Times New Roman" panose="02020603050405020304" pitchFamily="18" charset="0"/>
+                <a:sym typeface="+mn-ea"/>
+              </a:rPr>
+              <a:t> </a:t>
+            </a:r>
+            <a:r>
+              <a:rPr lang="en-US" sz="2000" dirty="0" err="1">
+                <a:effectLst/>
+                <a:latin typeface="Times New Roman" panose="02020603050405020304" pitchFamily="18" charset="0"/>
+                <a:ea typeface="Times New Roman" panose="02020603050405020304" pitchFamily="18" charset="0"/>
+                <a:sym typeface="+mn-ea"/>
               </a:rPr>
               <a:t>một</a:t>
             </a:r>
             <a:r>
-              <a:rPr lang="en-US" sz="1800" dirty="0">
-                <a:effectLst/>
-                <a:latin typeface="Times New Roman" panose="02020603050405020304" pitchFamily="18" charset="0"/>
-                <a:ea typeface="Times New Roman" panose="02020603050405020304" pitchFamily="18" charset="0"/>
-              </a:rPr>
-              <a:t> </a:t>
-            </a:r>
-            <a:r>
-              <a:rPr lang="en-US" sz="1800" dirty="0" err="1">
-                <a:effectLst/>
-                <a:latin typeface="Times New Roman" panose="02020603050405020304" pitchFamily="18" charset="0"/>
-                <a:ea typeface="Times New Roman" panose="02020603050405020304" pitchFamily="18" charset="0"/>
+              <a:rPr lang="en-US" sz="2000" dirty="0">
+                <a:effectLst/>
+                <a:latin typeface="Times New Roman" panose="02020603050405020304" pitchFamily="18" charset="0"/>
+                <a:ea typeface="Times New Roman" panose="02020603050405020304" pitchFamily="18" charset="0"/>
+                <a:sym typeface="+mn-ea"/>
+              </a:rPr>
+              <a:t> </a:t>
+            </a:r>
+            <a:r>
+              <a:rPr lang="en-US" sz="2000" dirty="0" err="1">
+                <a:effectLst/>
+                <a:latin typeface="Times New Roman" panose="02020603050405020304" pitchFamily="18" charset="0"/>
+                <a:ea typeface="Times New Roman" panose="02020603050405020304" pitchFamily="18" charset="0"/>
+                <a:sym typeface="+mn-ea"/>
               </a:rPr>
               <a:t>phần</a:t>
             </a:r>
             <a:r>
-              <a:rPr lang="en-US" sz="1800" dirty="0">
-                <a:effectLst/>
-                <a:latin typeface="Times New Roman" panose="02020603050405020304" pitchFamily="18" charset="0"/>
-                <a:ea typeface="Times New Roman" panose="02020603050405020304" pitchFamily="18" charset="0"/>
-              </a:rPr>
-              <a:t> </a:t>
-            </a:r>
-            <a:r>
-              <a:rPr lang="en-US" sz="1800" dirty="0" err="1">
-                <a:effectLst/>
-                <a:latin typeface="Times New Roman" panose="02020603050405020304" pitchFamily="18" charset="0"/>
-                <a:ea typeface="Times New Roman" panose="02020603050405020304" pitchFamily="18" charset="0"/>
+              <a:rPr lang="en-US" sz="2000" dirty="0">
+                <a:effectLst/>
+                <a:latin typeface="Times New Roman" panose="02020603050405020304" pitchFamily="18" charset="0"/>
+                <a:ea typeface="Times New Roman" panose="02020603050405020304" pitchFamily="18" charset="0"/>
+                <a:sym typeface="+mn-ea"/>
+              </a:rPr>
+              <a:t> </a:t>
+            </a:r>
+            <a:r>
+              <a:rPr lang="en-US" sz="2000" dirty="0" err="1">
+                <a:effectLst/>
+                <a:latin typeface="Times New Roman" panose="02020603050405020304" pitchFamily="18" charset="0"/>
+                <a:ea typeface="Times New Roman" panose="02020603050405020304" pitchFamily="18" charset="0"/>
+                <a:sym typeface="+mn-ea"/>
               </a:rPr>
               <a:t>mềm</a:t>
             </a:r>
             <a:r>
-              <a:rPr lang="en-US" sz="1800" dirty="0">
-                <a:effectLst/>
-                <a:latin typeface="Times New Roman" panose="02020603050405020304" pitchFamily="18" charset="0"/>
-                <a:ea typeface="Times New Roman" panose="02020603050405020304" pitchFamily="18" charset="0"/>
-              </a:rPr>
-              <a:t> </a:t>
-            </a:r>
-            <a:r>
-              <a:rPr lang="en-US" sz="1800" dirty="0" err="1">
-                <a:effectLst/>
-                <a:latin typeface="Times New Roman" panose="02020603050405020304" pitchFamily="18" charset="0"/>
-                <a:ea typeface="Times New Roman" panose="02020603050405020304" pitchFamily="18" charset="0"/>
+              <a:rPr lang="en-US" sz="2000" dirty="0">
+                <a:effectLst/>
+                <a:latin typeface="Times New Roman" panose="02020603050405020304" pitchFamily="18" charset="0"/>
+                <a:ea typeface="Times New Roman" panose="02020603050405020304" pitchFamily="18" charset="0"/>
+                <a:sym typeface="+mn-ea"/>
+              </a:rPr>
+              <a:t> </a:t>
+            </a:r>
+            <a:r>
+              <a:rPr lang="en-US" sz="2000" dirty="0" err="1">
+                <a:effectLst/>
+                <a:latin typeface="Times New Roman" panose="02020603050405020304" pitchFamily="18" charset="0"/>
+                <a:ea typeface="Times New Roman" panose="02020603050405020304" pitchFamily="18" charset="0"/>
+                <a:sym typeface="+mn-ea"/>
               </a:rPr>
               <a:t>hỗ</a:t>
             </a:r>
             <a:r>
-              <a:rPr lang="en-US" sz="1800" dirty="0">
-                <a:effectLst/>
-                <a:latin typeface="Times New Roman" panose="02020603050405020304" pitchFamily="18" charset="0"/>
-                <a:ea typeface="Times New Roman" panose="02020603050405020304" pitchFamily="18" charset="0"/>
-              </a:rPr>
-              <a:t> </a:t>
-            </a:r>
-            <a:r>
-              <a:rPr lang="en-US" sz="1800" dirty="0" err="1">
-                <a:effectLst/>
-                <a:latin typeface="Times New Roman" panose="02020603050405020304" pitchFamily="18" charset="0"/>
-                <a:ea typeface="Times New Roman" panose="02020603050405020304" pitchFamily="18" charset="0"/>
+              <a:rPr lang="en-US" sz="2000" dirty="0">
+                <a:effectLst/>
+                <a:latin typeface="Times New Roman" panose="02020603050405020304" pitchFamily="18" charset="0"/>
+                <a:ea typeface="Times New Roman" panose="02020603050405020304" pitchFamily="18" charset="0"/>
+                <a:sym typeface="+mn-ea"/>
+              </a:rPr>
+              <a:t> </a:t>
+            </a:r>
+            <a:r>
+              <a:rPr lang="en-US" sz="2000" dirty="0" err="1">
+                <a:effectLst/>
+                <a:latin typeface="Times New Roman" panose="02020603050405020304" pitchFamily="18" charset="0"/>
+                <a:ea typeface="Times New Roman" panose="02020603050405020304" pitchFamily="18" charset="0"/>
+                <a:sym typeface="+mn-ea"/>
               </a:rPr>
               <a:t>trợ</a:t>
             </a:r>
             <a:r>
-              <a:rPr lang="en-US" sz="1800" dirty="0">
-                <a:effectLst/>
-                <a:latin typeface="Times New Roman" panose="02020603050405020304" pitchFamily="18" charset="0"/>
-                <a:ea typeface="Times New Roman" panose="02020603050405020304" pitchFamily="18" charset="0"/>
-              </a:rPr>
-              <a:t> </a:t>
-            </a:r>
-            <a:r>
-              <a:rPr lang="en-US" sz="1800" dirty="0" err="1">
-                <a:effectLst/>
-                <a:latin typeface="Times New Roman" panose="02020603050405020304" pitchFamily="18" charset="0"/>
-                <a:ea typeface="Times New Roman" panose="02020603050405020304" pitchFamily="18" charset="0"/>
+              <a:rPr lang="en-US" sz="2000" dirty="0">
+                <a:effectLst/>
+                <a:latin typeface="Times New Roman" panose="02020603050405020304" pitchFamily="18" charset="0"/>
+                <a:ea typeface="Times New Roman" panose="02020603050405020304" pitchFamily="18" charset="0"/>
+                <a:sym typeface="+mn-ea"/>
+              </a:rPr>
+              <a:t> </a:t>
+            </a:r>
+            <a:r>
+              <a:rPr lang="en-US" sz="2000" dirty="0" err="1">
+                <a:effectLst/>
+                <a:latin typeface="Times New Roman" panose="02020603050405020304" pitchFamily="18" charset="0"/>
+                <a:ea typeface="Times New Roman" panose="02020603050405020304" pitchFamily="18" charset="0"/>
+                <a:sym typeface="+mn-ea"/>
               </a:rPr>
               <a:t>hỗ</a:t>
             </a:r>
             <a:r>
-              <a:rPr lang="en-US" sz="1800" dirty="0">
-                <a:effectLst/>
-                <a:latin typeface="Times New Roman" panose="02020603050405020304" pitchFamily="18" charset="0"/>
-                <a:ea typeface="Times New Roman" panose="02020603050405020304" pitchFamily="18" charset="0"/>
-              </a:rPr>
-              <a:t> </a:t>
-            </a:r>
-            <a:r>
-              <a:rPr lang="en-US" sz="1800" dirty="0" err="1">
-                <a:effectLst/>
-                <a:latin typeface="Times New Roman" panose="02020603050405020304" pitchFamily="18" charset="0"/>
-                <a:ea typeface="Times New Roman" panose="02020603050405020304" pitchFamily="18" charset="0"/>
+              <a:rPr lang="en-US" sz="2000" dirty="0">
+                <a:effectLst/>
+                <a:latin typeface="Times New Roman" panose="02020603050405020304" pitchFamily="18" charset="0"/>
+                <a:ea typeface="Times New Roman" panose="02020603050405020304" pitchFamily="18" charset="0"/>
+                <a:sym typeface="+mn-ea"/>
+              </a:rPr>
+              <a:t> </a:t>
+            </a:r>
+            <a:r>
+              <a:rPr lang="en-US" sz="2000" dirty="0" err="1">
+                <a:effectLst/>
+                <a:latin typeface="Times New Roman" panose="02020603050405020304" pitchFamily="18" charset="0"/>
+                <a:ea typeface="Times New Roman" panose="02020603050405020304" pitchFamily="18" charset="0"/>
+                <a:sym typeface="+mn-ea"/>
               </a:rPr>
               <a:t>trợ</a:t>
             </a:r>
             <a:r>
-              <a:rPr lang="en-US" sz="1800" dirty="0">
-                <a:effectLst/>
-                <a:latin typeface="Times New Roman" panose="02020603050405020304" pitchFamily="18" charset="0"/>
-                <a:ea typeface="Times New Roman" panose="02020603050405020304" pitchFamily="18" charset="0"/>
-              </a:rPr>
-              <a:t> </a:t>
-            </a:r>
-            <a:r>
-              <a:rPr lang="en-US" sz="1800" dirty="0" err="1">
-                <a:effectLst/>
-                <a:latin typeface="Times New Roman" panose="02020603050405020304" pitchFamily="18" charset="0"/>
-                <a:ea typeface="Times New Roman" panose="02020603050405020304" pitchFamily="18" charset="0"/>
+              <a:rPr lang="en-US" sz="2000" dirty="0">
+                <a:effectLst/>
+                <a:latin typeface="Times New Roman" panose="02020603050405020304" pitchFamily="18" charset="0"/>
+                <a:ea typeface="Times New Roman" panose="02020603050405020304" pitchFamily="18" charset="0"/>
+                <a:sym typeface="+mn-ea"/>
+              </a:rPr>
+              <a:t> </a:t>
+            </a:r>
+            <a:r>
+              <a:rPr lang="en-US" sz="2000" dirty="0" err="1">
+                <a:effectLst/>
+                <a:latin typeface="Times New Roman" panose="02020603050405020304" pitchFamily="18" charset="0"/>
+                <a:ea typeface="Times New Roman" panose="02020603050405020304" pitchFamily="18" charset="0"/>
+                <a:sym typeface="+mn-ea"/>
               </a:rPr>
               <a:t>quản</a:t>
             </a:r>
             <a:r>
-              <a:rPr lang="en-US" sz="1800" dirty="0">
-                <a:effectLst/>
-                <a:latin typeface="Times New Roman" panose="02020603050405020304" pitchFamily="18" charset="0"/>
-                <a:ea typeface="Times New Roman" panose="02020603050405020304" pitchFamily="18" charset="0"/>
-              </a:rPr>
-              <a:t> </a:t>
-            </a:r>
-            <a:r>
-              <a:rPr lang="en-US" sz="1800" dirty="0" err="1">
-                <a:effectLst/>
-                <a:latin typeface="Times New Roman" panose="02020603050405020304" pitchFamily="18" charset="0"/>
-                <a:ea typeface="Times New Roman" panose="02020603050405020304" pitchFamily="18" charset="0"/>
+              <a:rPr lang="en-US" sz="2000" dirty="0">
+                <a:effectLst/>
+                <a:latin typeface="Times New Roman" panose="02020603050405020304" pitchFamily="18" charset="0"/>
+                <a:ea typeface="Times New Roman" panose="02020603050405020304" pitchFamily="18" charset="0"/>
+                <a:sym typeface="+mn-ea"/>
+              </a:rPr>
+              <a:t> </a:t>
+            </a:r>
+            <a:r>
+              <a:rPr lang="en-US" sz="2000" dirty="0" err="1">
+                <a:effectLst/>
+                <a:latin typeface="Times New Roman" panose="02020603050405020304" pitchFamily="18" charset="0"/>
+                <a:ea typeface="Times New Roman" panose="02020603050405020304" pitchFamily="18" charset="0"/>
+                <a:sym typeface="+mn-ea"/>
               </a:rPr>
               <a:t>lý</a:t>
             </a:r>
             <a:r>
-              <a:rPr lang="en-US" sz="1800" dirty="0">
-                <a:effectLst/>
-                <a:latin typeface="Times New Roman" panose="02020603050405020304" pitchFamily="18" charset="0"/>
-                <a:ea typeface="Times New Roman" panose="02020603050405020304" pitchFamily="18" charset="0"/>
-              </a:rPr>
-              <a:t> </a:t>
-            </a:r>
-            <a:r>
-              <a:rPr lang="en-US" sz="1800" dirty="0" err="1">
-                <a:effectLst/>
-                <a:latin typeface="Times New Roman" panose="02020603050405020304" pitchFamily="18" charset="0"/>
-                <a:ea typeface="Times New Roman" panose="02020603050405020304" pitchFamily="18" charset="0"/>
+              <a:rPr lang="en-US" sz="2000" dirty="0">
+                <a:effectLst/>
+                <a:latin typeface="Times New Roman" panose="02020603050405020304" pitchFamily="18" charset="0"/>
+                <a:ea typeface="Times New Roman" panose="02020603050405020304" pitchFamily="18" charset="0"/>
+                <a:sym typeface="+mn-ea"/>
+              </a:rPr>
+              <a:t> </a:t>
+            </a:r>
+            <a:r>
+              <a:rPr lang="en-US" sz="2000" dirty="0" err="1">
+                <a:effectLst/>
+                <a:latin typeface="Times New Roman" panose="02020603050405020304" pitchFamily="18" charset="0"/>
+                <a:ea typeface="Times New Roman" panose="02020603050405020304" pitchFamily="18" charset="0"/>
+                <a:sym typeface="+mn-ea"/>
               </a:rPr>
               <a:t>các</a:t>
             </a:r>
             <a:r>
-              <a:rPr lang="en-US" sz="1800" dirty="0">
-                <a:effectLst/>
-                <a:latin typeface="Times New Roman" panose="02020603050405020304" pitchFamily="18" charset="0"/>
-                <a:ea typeface="Times New Roman" panose="02020603050405020304" pitchFamily="18" charset="0"/>
-              </a:rPr>
-              <a:t> </a:t>
-            </a:r>
-            <a:r>
-              <a:rPr lang="en-US" sz="1800" dirty="0" err="1">
-                <a:effectLst/>
-                <a:latin typeface="Times New Roman" panose="02020603050405020304" pitchFamily="18" charset="0"/>
-                <a:ea typeface="Times New Roman" panose="02020603050405020304" pitchFamily="18" charset="0"/>
+              <a:rPr lang="en-US" sz="2000" dirty="0">
+                <a:effectLst/>
+                <a:latin typeface="Times New Roman" panose="02020603050405020304" pitchFamily="18" charset="0"/>
+                <a:ea typeface="Times New Roman" panose="02020603050405020304" pitchFamily="18" charset="0"/>
+                <a:sym typeface="+mn-ea"/>
+              </a:rPr>
+              <a:t> </a:t>
+            </a:r>
+            <a:r>
+              <a:rPr lang="en-US" sz="2000" dirty="0" err="1">
+                <a:effectLst/>
+                <a:latin typeface="Times New Roman" panose="02020603050405020304" pitchFamily="18" charset="0"/>
+                <a:ea typeface="Times New Roman" panose="02020603050405020304" pitchFamily="18" charset="0"/>
+                <a:sym typeface="+mn-ea"/>
               </a:rPr>
               <a:t>công</a:t>
             </a:r>
             <a:r>
-              <a:rPr lang="en-US" sz="1800" dirty="0">
-                <a:effectLst/>
-                <a:latin typeface="Times New Roman" panose="02020603050405020304" pitchFamily="18" charset="0"/>
-                <a:ea typeface="Times New Roman" panose="02020603050405020304" pitchFamily="18" charset="0"/>
-              </a:rPr>
-              <a:t> </a:t>
-            </a:r>
-            <a:r>
-              <a:rPr lang="en-US" sz="1800" dirty="0" err="1">
-                <a:effectLst/>
-                <a:latin typeface="Times New Roman" panose="02020603050405020304" pitchFamily="18" charset="0"/>
-                <a:ea typeface="Times New Roman" panose="02020603050405020304" pitchFamily="18" charset="0"/>
+              <a:rPr lang="en-US" sz="2000" dirty="0">
+                <a:effectLst/>
+                <a:latin typeface="Times New Roman" panose="02020603050405020304" pitchFamily="18" charset="0"/>
+                <a:ea typeface="Times New Roman" panose="02020603050405020304" pitchFamily="18" charset="0"/>
+                <a:sym typeface="+mn-ea"/>
+              </a:rPr>
+              <a:t> </a:t>
+            </a:r>
+            <a:r>
+              <a:rPr lang="en-US" sz="2000" dirty="0" err="1">
+                <a:effectLst/>
+                <a:latin typeface="Times New Roman" panose="02020603050405020304" pitchFamily="18" charset="0"/>
+                <a:ea typeface="Times New Roman" panose="02020603050405020304" pitchFamily="18" charset="0"/>
+                <a:sym typeface="+mn-ea"/>
               </a:rPr>
               <a:t>việc</a:t>
             </a:r>
             <a:r>
-              <a:rPr lang="en-US" sz="1800" dirty="0">
-                <a:effectLst/>
-                <a:latin typeface="Times New Roman" panose="02020603050405020304" pitchFamily="18" charset="0"/>
-                <a:ea typeface="Times New Roman" panose="02020603050405020304" pitchFamily="18" charset="0"/>
-              </a:rPr>
-              <a:t> </a:t>
-            </a:r>
-            <a:r>
-              <a:rPr lang="en-US" sz="1800" dirty="0" err="1">
-                <a:effectLst/>
-                <a:latin typeface="Times New Roman" panose="02020603050405020304" pitchFamily="18" charset="0"/>
-                <a:ea typeface="Times New Roman" panose="02020603050405020304" pitchFamily="18" charset="0"/>
+              <a:rPr lang="en-US" sz="2000" dirty="0">
+                <a:effectLst/>
+                <a:latin typeface="Times New Roman" panose="02020603050405020304" pitchFamily="18" charset="0"/>
+                <a:ea typeface="Times New Roman" panose="02020603050405020304" pitchFamily="18" charset="0"/>
+                <a:sym typeface="+mn-ea"/>
+              </a:rPr>
+              <a:t> </a:t>
+            </a:r>
+            <a:r>
+              <a:rPr lang="en-US" sz="2000" dirty="0" err="1">
+                <a:effectLst/>
+                <a:latin typeface="Times New Roman" panose="02020603050405020304" pitchFamily="18" charset="0"/>
+                <a:ea typeface="Times New Roman" panose="02020603050405020304" pitchFamily="18" charset="0"/>
+                <a:sym typeface="+mn-ea"/>
               </a:rPr>
               <a:t>quản</a:t>
             </a:r>
             <a:r>
-              <a:rPr lang="en-US" sz="1800" dirty="0">
-                <a:effectLst/>
-                <a:latin typeface="Times New Roman" panose="02020603050405020304" pitchFamily="18" charset="0"/>
-                <a:ea typeface="Times New Roman" panose="02020603050405020304" pitchFamily="18" charset="0"/>
-              </a:rPr>
-              <a:t> </a:t>
-            </a:r>
-            <a:r>
-              <a:rPr lang="en-US" sz="1800" dirty="0" err="1">
-                <a:effectLst/>
-                <a:latin typeface="Times New Roman" panose="02020603050405020304" pitchFamily="18" charset="0"/>
-                <a:ea typeface="Times New Roman" panose="02020603050405020304" pitchFamily="18" charset="0"/>
+              <a:rPr lang="en-US" sz="2000" dirty="0">
+                <a:effectLst/>
+                <a:latin typeface="Times New Roman" panose="02020603050405020304" pitchFamily="18" charset="0"/>
+                <a:ea typeface="Times New Roman" panose="02020603050405020304" pitchFamily="18" charset="0"/>
+                <a:sym typeface="+mn-ea"/>
+              </a:rPr>
+              <a:t> </a:t>
+            </a:r>
+            <a:r>
+              <a:rPr lang="en-US" sz="2000" dirty="0" err="1">
+                <a:effectLst/>
+                <a:latin typeface="Times New Roman" panose="02020603050405020304" pitchFamily="18" charset="0"/>
+                <a:ea typeface="Times New Roman" panose="02020603050405020304" pitchFamily="18" charset="0"/>
+                <a:sym typeface="+mn-ea"/>
               </a:rPr>
               <a:t>lí</a:t>
             </a:r>
             <a:r>
-              <a:rPr lang="en-US" sz="1800" dirty="0">
-                <a:effectLst/>
-                <a:latin typeface="Times New Roman" panose="02020603050405020304" pitchFamily="18" charset="0"/>
-                <a:ea typeface="Times New Roman" panose="02020603050405020304" pitchFamily="18" charset="0"/>
-              </a:rPr>
-              <a:t> </a:t>
-            </a:r>
-            <a:r>
-              <a:rPr lang="en-US" sz="1800" dirty="0" err="1">
-                <a:effectLst/>
-                <a:latin typeface="Times New Roman" panose="02020603050405020304" pitchFamily="18" charset="0"/>
-                <a:ea typeface="Times New Roman" panose="02020603050405020304" pitchFamily="18" charset="0"/>
+              <a:rPr lang="en-US" sz="2000" dirty="0">
+                <a:effectLst/>
+                <a:latin typeface="Times New Roman" panose="02020603050405020304" pitchFamily="18" charset="0"/>
+                <a:ea typeface="Times New Roman" panose="02020603050405020304" pitchFamily="18" charset="0"/>
+                <a:sym typeface="+mn-ea"/>
+              </a:rPr>
+              <a:t> </a:t>
+            </a:r>
+            <a:r>
+              <a:rPr lang="en-US" sz="2000" dirty="0" err="1">
+                <a:effectLst/>
+                <a:latin typeface="Times New Roman" panose="02020603050405020304" pitchFamily="18" charset="0"/>
+                <a:ea typeface="Times New Roman" panose="02020603050405020304" pitchFamily="18" charset="0"/>
+                <a:sym typeface="+mn-ea"/>
               </a:rPr>
               <a:t>giống</a:t>
             </a:r>
             <a:r>
-              <a:rPr lang="en-US" sz="1800" dirty="0">
-                <a:effectLst/>
-                <a:latin typeface="Times New Roman" panose="02020603050405020304" pitchFamily="18" charset="0"/>
-                <a:ea typeface="Times New Roman" panose="02020603050405020304" pitchFamily="18" charset="0"/>
-              </a:rPr>
-              <a:t> </a:t>
-            </a:r>
-            <a:r>
-              <a:rPr lang="en-US" sz="1800" dirty="0" err="1">
-                <a:effectLst/>
-                <a:latin typeface="Times New Roman" panose="02020603050405020304" pitchFamily="18" charset="0"/>
-                <a:ea typeface="Times New Roman" panose="02020603050405020304" pitchFamily="18" charset="0"/>
+              <a:rPr lang="en-US" sz="2000" dirty="0">
+                <a:effectLst/>
+                <a:latin typeface="Times New Roman" panose="02020603050405020304" pitchFamily="18" charset="0"/>
+                <a:ea typeface="Times New Roman" panose="02020603050405020304" pitchFamily="18" charset="0"/>
+                <a:sym typeface="+mn-ea"/>
+              </a:rPr>
+              <a:t> </a:t>
+            </a:r>
+            <a:r>
+              <a:rPr lang="en-US" sz="2000" dirty="0" err="1">
+                <a:effectLst/>
+                <a:latin typeface="Times New Roman" panose="02020603050405020304" pitchFamily="18" charset="0"/>
+                <a:ea typeface="Times New Roman" panose="02020603050405020304" pitchFamily="18" charset="0"/>
+                <a:sym typeface="+mn-ea"/>
               </a:rPr>
               <a:t>chó</a:t>
             </a:r>
             <a:r>
-              <a:rPr lang="en-US" sz="1800" dirty="0">
-                <a:effectLst/>
-                <a:latin typeface="Times New Roman" panose="02020603050405020304" pitchFamily="18" charset="0"/>
-                <a:ea typeface="Times New Roman" panose="02020603050405020304" pitchFamily="18" charset="0"/>
-              </a:rPr>
-              <a:t> </a:t>
-            </a:r>
-            <a:r>
-              <a:rPr lang="en-US" sz="1800" dirty="0" err="1">
-                <a:effectLst/>
-                <a:latin typeface="Times New Roman" panose="02020603050405020304" pitchFamily="18" charset="0"/>
-                <a:ea typeface="Times New Roman" panose="02020603050405020304" pitchFamily="18" charset="0"/>
+              <a:rPr lang="en-US" sz="2000" dirty="0">
+                <a:effectLst/>
+                <a:latin typeface="Times New Roman" panose="02020603050405020304" pitchFamily="18" charset="0"/>
+                <a:ea typeface="Times New Roman" panose="02020603050405020304" pitchFamily="18" charset="0"/>
+                <a:sym typeface="+mn-ea"/>
+              </a:rPr>
+              <a:t> </a:t>
+            </a:r>
+            <a:r>
+              <a:rPr lang="en-US" sz="2000" dirty="0" err="1">
+                <a:effectLst/>
+                <a:latin typeface="Times New Roman" panose="02020603050405020304" pitchFamily="18" charset="0"/>
+                <a:ea typeface="Times New Roman" panose="02020603050405020304" pitchFamily="18" charset="0"/>
+                <a:sym typeface="+mn-ea"/>
               </a:rPr>
               <a:t>nuôi</a:t>
             </a:r>
             <a:r>
-              <a:rPr lang="en-US" sz="1800" dirty="0">
-                <a:effectLst/>
-                <a:latin typeface="Times New Roman" panose="02020603050405020304" pitchFamily="18" charset="0"/>
-                <a:ea typeface="Times New Roman" panose="02020603050405020304" pitchFamily="18" charset="0"/>
-              </a:rPr>
-              <a:t>   </a:t>
-            </a:r>
-            <a:r>
-              <a:rPr lang="en-US" sz="1800" dirty="0" err="1">
-                <a:effectLst/>
-                <a:latin typeface="Times New Roman" panose="02020603050405020304" pitchFamily="18" charset="0"/>
-                <a:ea typeface="Times New Roman" panose="02020603050405020304" pitchFamily="18" charset="0"/>
+              <a:rPr lang="en-US" sz="2000" dirty="0">
+                <a:effectLst/>
+                <a:latin typeface="Times New Roman" panose="02020603050405020304" pitchFamily="18" charset="0"/>
+                <a:ea typeface="Times New Roman" panose="02020603050405020304" pitchFamily="18" charset="0"/>
+                <a:sym typeface="+mn-ea"/>
+              </a:rPr>
+              <a:t> </a:t>
+            </a:r>
+            <a:r>
+              <a:rPr lang="en-US" sz="2000" dirty="0" err="1">
+                <a:effectLst/>
+                <a:latin typeface="Times New Roman" panose="02020603050405020304" pitchFamily="18" charset="0"/>
+                <a:ea typeface="Times New Roman" panose="02020603050405020304" pitchFamily="18" charset="0"/>
+                <a:sym typeface="+mn-ea"/>
               </a:rPr>
               <a:t>để</a:t>
             </a:r>
             <a:r>
-              <a:rPr lang="en-US" sz="1800" dirty="0">
-                <a:effectLst/>
-                <a:latin typeface="Times New Roman" panose="02020603050405020304" pitchFamily="18" charset="0"/>
-                <a:ea typeface="Times New Roman" panose="02020603050405020304" pitchFamily="18" charset="0"/>
-              </a:rPr>
-              <a:t> </a:t>
-            </a:r>
-            <a:r>
-              <a:rPr lang="en-US" sz="1800" dirty="0" err="1">
-                <a:effectLst/>
-                <a:latin typeface="Times New Roman" panose="02020603050405020304" pitchFamily="18" charset="0"/>
-                <a:ea typeface="Times New Roman" panose="02020603050405020304" pitchFamily="18" charset="0"/>
+              <a:rPr lang="en-US" sz="2000" dirty="0">
+                <a:effectLst/>
+                <a:latin typeface="Times New Roman" panose="02020603050405020304" pitchFamily="18" charset="0"/>
+                <a:ea typeface="Times New Roman" panose="02020603050405020304" pitchFamily="18" charset="0"/>
+                <a:sym typeface="+mn-ea"/>
+              </a:rPr>
+              <a:t> </a:t>
+            </a:r>
+            <a:r>
+              <a:rPr lang="en-US" sz="2000" dirty="0" err="1">
+                <a:effectLst/>
+                <a:latin typeface="Times New Roman" panose="02020603050405020304" pitchFamily="18" charset="0"/>
+                <a:ea typeface="Times New Roman" panose="02020603050405020304" pitchFamily="18" charset="0"/>
+                <a:sym typeface="+mn-ea"/>
               </a:rPr>
               <a:t>giúp</a:t>
             </a:r>
             <a:r>
-              <a:rPr lang="en-US" sz="1800" dirty="0">
-                <a:effectLst/>
-                <a:latin typeface="Times New Roman" panose="02020603050405020304" pitchFamily="18" charset="0"/>
-                <a:ea typeface="Times New Roman" panose="02020603050405020304" pitchFamily="18" charset="0"/>
-              </a:rPr>
-              <a:t> </a:t>
-            </a:r>
-            <a:r>
-              <a:rPr lang="en-US" sz="1800" dirty="0" err="1">
-                <a:effectLst/>
-                <a:latin typeface="Times New Roman" panose="02020603050405020304" pitchFamily="18" charset="0"/>
-                <a:ea typeface="Times New Roman" panose="02020603050405020304" pitchFamily="18" charset="0"/>
+              <a:rPr lang="en-US" sz="2000" dirty="0">
+                <a:effectLst/>
+                <a:latin typeface="Times New Roman" panose="02020603050405020304" pitchFamily="18" charset="0"/>
+                <a:ea typeface="Times New Roman" panose="02020603050405020304" pitchFamily="18" charset="0"/>
+                <a:sym typeface="+mn-ea"/>
+              </a:rPr>
+              <a:t> </a:t>
+            </a:r>
+            <a:r>
+              <a:rPr lang="en-US" sz="2000" dirty="0" err="1">
+                <a:effectLst/>
+                <a:latin typeface="Times New Roman" panose="02020603050405020304" pitchFamily="18" charset="0"/>
+                <a:ea typeface="Times New Roman" panose="02020603050405020304" pitchFamily="18" charset="0"/>
+                <a:sym typeface="+mn-ea"/>
               </a:rPr>
               <a:t>người</a:t>
             </a:r>
             <a:r>
-              <a:rPr lang="en-US" sz="1800" dirty="0">
-                <a:effectLst/>
-                <a:latin typeface="Times New Roman" panose="02020603050405020304" pitchFamily="18" charset="0"/>
-                <a:ea typeface="Times New Roman" panose="02020603050405020304" pitchFamily="18" charset="0"/>
-              </a:rPr>
-              <a:t> </a:t>
-            </a:r>
-            <a:r>
-              <a:rPr lang="en-US" sz="1800" dirty="0" err="1">
-                <a:effectLst/>
-                <a:latin typeface="Times New Roman" panose="02020603050405020304" pitchFamily="18" charset="0"/>
-                <a:ea typeface="Times New Roman" panose="02020603050405020304" pitchFamily="18" charset="0"/>
+              <a:rPr lang="en-US" sz="2000" dirty="0">
+                <a:effectLst/>
+                <a:latin typeface="Times New Roman" panose="02020603050405020304" pitchFamily="18" charset="0"/>
+                <a:ea typeface="Times New Roman" panose="02020603050405020304" pitchFamily="18" charset="0"/>
+                <a:sym typeface="+mn-ea"/>
+              </a:rPr>
+              <a:t> </a:t>
+            </a:r>
+            <a:r>
+              <a:rPr lang="en-US" sz="2000" dirty="0" err="1">
+                <a:effectLst/>
+                <a:latin typeface="Times New Roman" panose="02020603050405020304" pitchFamily="18" charset="0"/>
+                <a:ea typeface="Times New Roman" panose="02020603050405020304" pitchFamily="18" charset="0"/>
+                <a:sym typeface="+mn-ea"/>
               </a:rPr>
               <a:t>quản</a:t>
             </a:r>
             <a:r>
-              <a:rPr lang="en-US" sz="1800" dirty="0">
-                <a:effectLst/>
-                <a:latin typeface="Times New Roman" panose="02020603050405020304" pitchFamily="18" charset="0"/>
-                <a:ea typeface="Times New Roman" panose="02020603050405020304" pitchFamily="18" charset="0"/>
-              </a:rPr>
-              <a:t> </a:t>
-            </a:r>
-            <a:r>
-              <a:rPr lang="en-US" sz="1800" dirty="0" err="1">
-                <a:effectLst/>
-                <a:latin typeface="Times New Roman" panose="02020603050405020304" pitchFamily="18" charset="0"/>
-                <a:ea typeface="Times New Roman" panose="02020603050405020304" pitchFamily="18" charset="0"/>
+              <a:rPr lang="en-US" sz="2000" dirty="0">
+                <a:effectLst/>
+                <a:latin typeface="Times New Roman" panose="02020603050405020304" pitchFamily="18" charset="0"/>
+                <a:ea typeface="Times New Roman" panose="02020603050405020304" pitchFamily="18" charset="0"/>
+                <a:sym typeface="+mn-ea"/>
+              </a:rPr>
+              <a:t> </a:t>
+            </a:r>
+            <a:r>
+              <a:rPr lang="en-US" sz="2000" dirty="0" err="1">
+                <a:effectLst/>
+                <a:latin typeface="Times New Roman" panose="02020603050405020304" pitchFamily="18" charset="0"/>
+                <a:ea typeface="Times New Roman" panose="02020603050405020304" pitchFamily="18" charset="0"/>
+                <a:sym typeface="+mn-ea"/>
               </a:rPr>
               <a:t>lý</a:t>
             </a:r>
             <a:r>
-              <a:rPr lang="en-US" sz="1800" dirty="0">
-                <a:effectLst/>
-                <a:latin typeface="Times New Roman" panose="02020603050405020304" pitchFamily="18" charset="0"/>
-                <a:ea typeface="Times New Roman" panose="02020603050405020304" pitchFamily="18" charset="0"/>
-              </a:rPr>
-              <a:t> </a:t>
-            </a:r>
-            <a:r>
-              <a:rPr lang="en-US" sz="1800" dirty="0" err="1">
-                <a:effectLst/>
-                <a:latin typeface="Times New Roman" panose="02020603050405020304" pitchFamily="18" charset="0"/>
-                <a:ea typeface="Times New Roman" panose="02020603050405020304" pitchFamily="18" charset="0"/>
+              <a:rPr lang="en-US" sz="2000" dirty="0">
+                <a:effectLst/>
+                <a:latin typeface="Times New Roman" panose="02020603050405020304" pitchFamily="18" charset="0"/>
+                <a:ea typeface="Times New Roman" panose="02020603050405020304" pitchFamily="18" charset="0"/>
+                <a:sym typeface="+mn-ea"/>
+              </a:rPr>
+              <a:t> </a:t>
+            </a:r>
+            <a:r>
+              <a:rPr lang="en-US" sz="2000" dirty="0" err="1">
+                <a:effectLst/>
+                <a:latin typeface="Times New Roman" panose="02020603050405020304" pitchFamily="18" charset="0"/>
+                <a:ea typeface="Times New Roman" panose="02020603050405020304" pitchFamily="18" charset="0"/>
+                <a:sym typeface="+mn-ea"/>
               </a:rPr>
               <a:t>có</a:t>
             </a:r>
             <a:r>
-              <a:rPr lang="en-US" sz="1800" dirty="0">
-                <a:effectLst/>
-                <a:latin typeface="Times New Roman" panose="02020603050405020304" pitchFamily="18" charset="0"/>
-                <a:ea typeface="Times New Roman" panose="02020603050405020304" pitchFamily="18" charset="0"/>
-              </a:rPr>
-              <a:t> </a:t>
-            </a:r>
-            <a:r>
-              <a:rPr lang="en-US" sz="1800" dirty="0" err="1">
-                <a:effectLst/>
-                <a:latin typeface="Times New Roman" panose="02020603050405020304" pitchFamily="18" charset="0"/>
-                <a:ea typeface="Times New Roman" panose="02020603050405020304" pitchFamily="18" charset="0"/>
+              <a:rPr lang="en-US" sz="2000" dirty="0">
+                <a:effectLst/>
+                <a:latin typeface="Times New Roman" panose="02020603050405020304" pitchFamily="18" charset="0"/>
+                <a:ea typeface="Times New Roman" panose="02020603050405020304" pitchFamily="18" charset="0"/>
+                <a:sym typeface="+mn-ea"/>
+              </a:rPr>
+              <a:t> </a:t>
+            </a:r>
+            <a:r>
+              <a:rPr lang="en-US" sz="2000" dirty="0" err="1">
+                <a:effectLst/>
+                <a:latin typeface="Times New Roman" panose="02020603050405020304" pitchFamily="18" charset="0"/>
+                <a:ea typeface="Times New Roman" panose="02020603050405020304" pitchFamily="18" charset="0"/>
+                <a:sym typeface="+mn-ea"/>
               </a:rPr>
               <a:t>thể</a:t>
             </a:r>
             <a:r>
-              <a:rPr lang="en-US" sz="1800" dirty="0">
-                <a:effectLst/>
-                <a:latin typeface="Times New Roman" panose="02020603050405020304" pitchFamily="18" charset="0"/>
-                <a:ea typeface="Times New Roman" panose="02020603050405020304" pitchFamily="18" charset="0"/>
-              </a:rPr>
-              <a:t> </a:t>
-            </a:r>
-            <a:r>
-              <a:rPr lang="en-US" sz="1800" dirty="0" err="1">
-                <a:effectLst/>
-                <a:latin typeface="Times New Roman" panose="02020603050405020304" pitchFamily="18" charset="0"/>
-                <a:ea typeface="Times New Roman" panose="02020603050405020304" pitchFamily="18" charset="0"/>
+              <a:rPr lang="en-US" sz="2000" dirty="0">
+                <a:effectLst/>
+                <a:latin typeface="Times New Roman" panose="02020603050405020304" pitchFamily="18" charset="0"/>
+                <a:ea typeface="Times New Roman" panose="02020603050405020304" pitchFamily="18" charset="0"/>
+                <a:sym typeface="+mn-ea"/>
+              </a:rPr>
+              <a:t> </a:t>
+            </a:r>
+            <a:r>
+              <a:rPr lang="en-US" sz="2000" dirty="0" err="1">
+                <a:effectLst/>
+                <a:latin typeface="Times New Roman" panose="02020603050405020304" pitchFamily="18" charset="0"/>
+                <a:ea typeface="Times New Roman" panose="02020603050405020304" pitchFamily="18" charset="0"/>
+                <a:sym typeface="+mn-ea"/>
               </a:rPr>
               <a:t>quản</a:t>
             </a:r>
             <a:r>
-              <a:rPr lang="en-US" sz="1800" dirty="0">
-                <a:effectLst/>
-                <a:latin typeface="Times New Roman" panose="02020603050405020304" pitchFamily="18" charset="0"/>
-                <a:ea typeface="Times New Roman" panose="02020603050405020304" pitchFamily="18" charset="0"/>
-              </a:rPr>
-              <a:t> </a:t>
-            </a:r>
-            <a:r>
-              <a:rPr lang="en-US" sz="1800" dirty="0" err="1">
-                <a:effectLst/>
-                <a:latin typeface="Times New Roman" panose="02020603050405020304" pitchFamily="18" charset="0"/>
-                <a:ea typeface="Times New Roman" panose="02020603050405020304" pitchFamily="18" charset="0"/>
+              <a:rPr lang="en-US" sz="2000" dirty="0">
+                <a:effectLst/>
+                <a:latin typeface="Times New Roman" panose="02020603050405020304" pitchFamily="18" charset="0"/>
+                <a:ea typeface="Times New Roman" panose="02020603050405020304" pitchFamily="18" charset="0"/>
+                <a:sym typeface="+mn-ea"/>
+              </a:rPr>
+              <a:t> </a:t>
+            </a:r>
+            <a:r>
+              <a:rPr lang="en-US" sz="2000" dirty="0" err="1">
+                <a:effectLst/>
+                <a:latin typeface="Times New Roman" panose="02020603050405020304" pitchFamily="18" charset="0"/>
+                <a:ea typeface="Times New Roman" panose="02020603050405020304" pitchFamily="18" charset="0"/>
+                <a:sym typeface="+mn-ea"/>
               </a:rPr>
               <a:t>lý</a:t>
             </a:r>
             <a:r>
-              <a:rPr lang="en-US" sz="1800" dirty="0">
-                <a:effectLst/>
-                <a:latin typeface="Times New Roman" panose="02020603050405020304" pitchFamily="18" charset="0"/>
-                <a:ea typeface="Times New Roman" panose="02020603050405020304" pitchFamily="18" charset="0"/>
-              </a:rPr>
-              <a:t> </a:t>
-            </a:r>
-            <a:r>
-              <a:rPr lang="en-US" sz="1800" dirty="0" err="1">
-                <a:effectLst/>
-                <a:latin typeface="Times New Roman" panose="02020603050405020304" pitchFamily="18" charset="0"/>
-                <a:ea typeface="Times New Roman" panose="02020603050405020304" pitchFamily="18" charset="0"/>
+              <a:rPr lang="en-US" sz="2000" dirty="0">
+                <a:effectLst/>
+                <a:latin typeface="Times New Roman" panose="02020603050405020304" pitchFamily="18" charset="0"/>
+                <a:ea typeface="Times New Roman" panose="02020603050405020304" pitchFamily="18" charset="0"/>
+                <a:sym typeface="+mn-ea"/>
+              </a:rPr>
+              <a:t> </a:t>
+            </a:r>
+            <a:r>
+              <a:rPr lang="en-US" sz="2000" dirty="0" err="1">
+                <a:effectLst/>
+                <a:latin typeface="Times New Roman" panose="02020603050405020304" pitchFamily="18" charset="0"/>
+                <a:ea typeface="Times New Roman" panose="02020603050405020304" pitchFamily="18" charset="0"/>
+                <a:sym typeface="+mn-ea"/>
               </a:rPr>
               <a:t>tốt</a:t>
             </a:r>
             <a:r>
-              <a:rPr lang="en-US" sz="1800" dirty="0">
-                <a:effectLst/>
-                <a:latin typeface="Times New Roman" panose="02020603050405020304" pitchFamily="18" charset="0"/>
-                <a:ea typeface="Times New Roman" panose="02020603050405020304" pitchFamily="18" charset="0"/>
-              </a:rPr>
-              <a:t> </a:t>
-            </a:r>
-            <a:r>
-              <a:rPr lang="en-US" sz="1800" dirty="0" err="1">
-                <a:effectLst/>
-                <a:latin typeface="Times New Roman" panose="02020603050405020304" pitchFamily="18" charset="0"/>
-                <a:ea typeface="Times New Roman" panose="02020603050405020304" pitchFamily="18" charset="0"/>
+              <a:rPr lang="en-US" sz="2000" dirty="0">
+                <a:effectLst/>
+                <a:latin typeface="Times New Roman" panose="02020603050405020304" pitchFamily="18" charset="0"/>
+                <a:ea typeface="Times New Roman" panose="02020603050405020304" pitchFamily="18" charset="0"/>
+                <a:sym typeface="+mn-ea"/>
+              </a:rPr>
+              <a:t> </a:t>
+            </a:r>
+            <a:r>
+              <a:rPr lang="en-US" sz="2000" dirty="0" err="1">
+                <a:effectLst/>
+                <a:latin typeface="Times New Roman" panose="02020603050405020304" pitchFamily="18" charset="0"/>
+                <a:ea typeface="Times New Roman" panose="02020603050405020304" pitchFamily="18" charset="0"/>
+                <a:sym typeface="+mn-ea"/>
               </a:rPr>
               <a:t>và</a:t>
             </a:r>
             <a:r>
-              <a:rPr lang="en-US" sz="1800" dirty="0">
-                <a:effectLst/>
-                <a:latin typeface="Times New Roman" panose="02020603050405020304" pitchFamily="18" charset="0"/>
-                <a:ea typeface="Times New Roman" panose="02020603050405020304" pitchFamily="18" charset="0"/>
-              </a:rPr>
-              <a:t> </a:t>
-            </a:r>
-            <a:r>
-              <a:rPr lang="en-US" sz="1800" dirty="0" err="1">
-                <a:effectLst/>
-                <a:latin typeface="Times New Roman" panose="02020603050405020304" pitchFamily="18" charset="0"/>
-                <a:ea typeface="Times New Roman" panose="02020603050405020304" pitchFamily="18" charset="0"/>
+              <a:rPr lang="en-US" sz="2000" dirty="0">
+                <a:effectLst/>
+                <a:latin typeface="Times New Roman" panose="02020603050405020304" pitchFamily="18" charset="0"/>
+                <a:ea typeface="Times New Roman" panose="02020603050405020304" pitchFamily="18" charset="0"/>
+                <a:sym typeface="+mn-ea"/>
+              </a:rPr>
+              <a:t> </a:t>
+            </a:r>
+            <a:r>
+              <a:rPr lang="en-US" sz="2000" dirty="0" err="1">
+                <a:effectLst/>
+                <a:latin typeface="Times New Roman" panose="02020603050405020304" pitchFamily="18" charset="0"/>
+                <a:ea typeface="Times New Roman" panose="02020603050405020304" pitchFamily="18" charset="0"/>
+                <a:sym typeface="+mn-ea"/>
               </a:rPr>
               <a:t>đạt</a:t>
             </a:r>
             <a:r>
-              <a:rPr lang="en-US" sz="1800" dirty="0">
-                <a:effectLst/>
-                <a:latin typeface="Times New Roman" panose="02020603050405020304" pitchFamily="18" charset="0"/>
-                <a:ea typeface="Times New Roman" panose="02020603050405020304" pitchFamily="18" charset="0"/>
-              </a:rPr>
-              <a:t> </a:t>
-            </a:r>
-            <a:r>
-              <a:rPr lang="en-US" sz="1800" dirty="0" err="1">
-                <a:effectLst/>
-                <a:latin typeface="Times New Roman" panose="02020603050405020304" pitchFamily="18" charset="0"/>
-                <a:ea typeface="Times New Roman" panose="02020603050405020304" pitchFamily="18" charset="0"/>
+              <a:rPr lang="en-US" sz="2000" dirty="0">
+                <a:effectLst/>
+                <a:latin typeface="Times New Roman" panose="02020603050405020304" pitchFamily="18" charset="0"/>
+                <a:ea typeface="Times New Roman" panose="02020603050405020304" pitchFamily="18" charset="0"/>
+                <a:sym typeface="+mn-ea"/>
+              </a:rPr>
+              <a:t> </a:t>
+            </a:r>
+            <a:r>
+              <a:rPr lang="en-US" sz="2000" dirty="0" err="1">
+                <a:effectLst/>
+                <a:latin typeface="Times New Roman" panose="02020603050405020304" pitchFamily="18" charset="0"/>
+                <a:ea typeface="Times New Roman" panose="02020603050405020304" pitchFamily="18" charset="0"/>
+                <a:sym typeface="+mn-ea"/>
               </a:rPr>
               <a:t>hiệu</a:t>
             </a:r>
             <a:r>
-              <a:rPr lang="en-US" sz="1800" dirty="0">
-                <a:effectLst/>
-                <a:latin typeface="Times New Roman" panose="02020603050405020304" pitchFamily="18" charset="0"/>
-                <a:ea typeface="Times New Roman" panose="02020603050405020304" pitchFamily="18" charset="0"/>
-              </a:rPr>
-              <a:t> </a:t>
-            </a:r>
-            <a:r>
-              <a:rPr lang="en-US" sz="1800" dirty="0" err="1">
-                <a:effectLst/>
-                <a:latin typeface="Times New Roman" panose="02020603050405020304" pitchFamily="18" charset="0"/>
-                <a:ea typeface="Times New Roman" panose="02020603050405020304" pitchFamily="18" charset="0"/>
+              <a:rPr lang="en-US" sz="2000" dirty="0">
+                <a:effectLst/>
+                <a:latin typeface="Times New Roman" panose="02020603050405020304" pitchFamily="18" charset="0"/>
+                <a:ea typeface="Times New Roman" panose="02020603050405020304" pitchFamily="18" charset="0"/>
+                <a:sym typeface="+mn-ea"/>
+              </a:rPr>
+              <a:t> </a:t>
+            </a:r>
+            <a:r>
+              <a:rPr lang="en-US" sz="2000" dirty="0" err="1">
+                <a:effectLst/>
+                <a:latin typeface="Times New Roman" panose="02020603050405020304" pitchFamily="18" charset="0"/>
+                <a:ea typeface="Times New Roman" panose="02020603050405020304" pitchFamily="18" charset="0"/>
+                <a:sym typeface="+mn-ea"/>
               </a:rPr>
               <a:t>quả</a:t>
             </a:r>
             <a:r>
-              <a:rPr lang="en-US" sz="1800" dirty="0">
-                <a:effectLst/>
-                <a:latin typeface="Times New Roman" panose="02020603050405020304" pitchFamily="18" charset="0"/>
-                <a:ea typeface="Times New Roman" panose="02020603050405020304" pitchFamily="18" charset="0"/>
-              </a:rPr>
-              <a:t> </a:t>
-            </a:r>
-            <a:r>
-              <a:rPr lang="en-US" sz="1800" dirty="0" err="1">
-                <a:effectLst/>
-                <a:latin typeface="Times New Roman" panose="02020603050405020304" pitchFamily="18" charset="0"/>
-                <a:ea typeface="Times New Roman" panose="02020603050405020304" pitchFamily="18" charset="0"/>
+              <a:rPr lang="en-US" sz="2000" dirty="0">
+                <a:effectLst/>
+                <a:latin typeface="Times New Roman" panose="02020603050405020304" pitchFamily="18" charset="0"/>
+                <a:ea typeface="Times New Roman" panose="02020603050405020304" pitchFamily="18" charset="0"/>
+                <a:sym typeface="+mn-ea"/>
+              </a:rPr>
+              <a:t> </a:t>
+            </a:r>
+            <a:r>
+              <a:rPr lang="en-US" sz="2000" dirty="0" err="1">
+                <a:effectLst/>
+                <a:latin typeface="Times New Roman" panose="02020603050405020304" pitchFamily="18" charset="0"/>
+                <a:ea typeface="Times New Roman" panose="02020603050405020304" pitchFamily="18" charset="0"/>
+                <a:sym typeface="+mn-ea"/>
               </a:rPr>
               <a:t>trong</a:t>
             </a:r>
             <a:r>
-              <a:rPr lang="en-US" sz="1800" dirty="0">
-                <a:effectLst/>
-                <a:latin typeface="Times New Roman" panose="02020603050405020304" pitchFamily="18" charset="0"/>
-                <a:ea typeface="Times New Roman" panose="02020603050405020304" pitchFamily="18" charset="0"/>
-              </a:rPr>
-              <a:t> </a:t>
-            </a:r>
-            <a:r>
-              <a:rPr lang="en-US" sz="1800" dirty="0" err="1">
-                <a:effectLst/>
-                <a:latin typeface="Times New Roman" panose="02020603050405020304" pitchFamily="18" charset="0"/>
-                <a:ea typeface="Times New Roman" panose="02020603050405020304" pitchFamily="18" charset="0"/>
+              <a:rPr lang="en-US" sz="2000" dirty="0">
+                <a:effectLst/>
+                <a:latin typeface="Times New Roman" panose="02020603050405020304" pitchFamily="18" charset="0"/>
+                <a:ea typeface="Times New Roman" panose="02020603050405020304" pitchFamily="18" charset="0"/>
+                <a:sym typeface="+mn-ea"/>
+              </a:rPr>
+              <a:t> </a:t>
+            </a:r>
+            <a:r>
+              <a:rPr lang="en-US" sz="2000" dirty="0" err="1">
+                <a:effectLst/>
+                <a:latin typeface="Times New Roman" panose="02020603050405020304" pitchFamily="18" charset="0"/>
+                <a:ea typeface="Times New Roman" panose="02020603050405020304" pitchFamily="18" charset="0"/>
+                <a:sym typeface="+mn-ea"/>
               </a:rPr>
               <a:t>các</a:t>
             </a:r>
             <a:r>
-              <a:rPr lang="en-US" sz="1800" dirty="0">
-                <a:effectLst/>
-                <a:latin typeface="Times New Roman" panose="02020603050405020304" pitchFamily="18" charset="0"/>
-                <a:ea typeface="Times New Roman" panose="02020603050405020304" pitchFamily="18" charset="0"/>
-              </a:rPr>
-              <a:t> </a:t>
-            </a:r>
-            <a:r>
-              <a:rPr lang="en-US" sz="1800" dirty="0" err="1">
-                <a:effectLst/>
-                <a:latin typeface="Times New Roman" panose="02020603050405020304" pitchFamily="18" charset="0"/>
-                <a:ea typeface="Times New Roman" panose="02020603050405020304" pitchFamily="18" charset="0"/>
+              <a:rPr lang="en-US" sz="2000" dirty="0">
+                <a:effectLst/>
+                <a:latin typeface="Times New Roman" panose="02020603050405020304" pitchFamily="18" charset="0"/>
+                <a:ea typeface="Times New Roman" panose="02020603050405020304" pitchFamily="18" charset="0"/>
+                <a:sym typeface="+mn-ea"/>
+              </a:rPr>
+              <a:t> </a:t>
+            </a:r>
+            <a:r>
+              <a:rPr lang="en-US" sz="2000" dirty="0" err="1">
+                <a:effectLst/>
+                <a:latin typeface="Times New Roman" panose="02020603050405020304" pitchFamily="18" charset="0"/>
+                <a:ea typeface="Times New Roman" panose="02020603050405020304" pitchFamily="18" charset="0"/>
+                <a:sym typeface="+mn-ea"/>
               </a:rPr>
               <a:t>công</a:t>
             </a:r>
             <a:r>
-              <a:rPr lang="en-US" sz="1800" dirty="0">
-                <a:effectLst/>
-                <a:latin typeface="Times New Roman" panose="02020603050405020304" pitchFamily="18" charset="0"/>
-                <a:ea typeface="Times New Roman" panose="02020603050405020304" pitchFamily="18" charset="0"/>
-              </a:rPr>
-              <a:t> </a:t>
-            </a:r>
-            <a:r>
-              <a:rPr lang="en-US" sz="1800" dirty="0" err="1">
-                <a:effectLst/>
-                <a:latin typeface="Times New Roman" panose="02020603050405020304" pitchFamily="18" charset="0"/>
-                <a:ea typeface="Times New Roman" panose="02020603050405020304" pitchFamily="18" charset="0"/>
+              <a:rPr lang="en-US" sz="2000" dirty="0">
+                <a:effectLst/>
+                <a:latin typeface="Times New Roman" panose="02020603050405020304" pitchFamily="18" charset="0"/>
+                <a:ea typeface="Times New Roman" panose="02020603050405020304" pitchFamily="18" charset="0"/>
+                <a:sym typeface="+mn-ea"/>
+              </a:rPr>
+              <a:t> </a:t>
+            </a:r>
+            <a:r>
+              <a:rPr lang="en-US" sz="2000" dirty="0" err="1">
+                <a:effectLst/>
+                <a:latin typeface="Times New Roman" panose="02020603050405020304" pitchFamily="18" charset="0"/>
+                <a:ea typeface="Times New Roman" panose="02020603050405020304" pitchFamily="18" charset="0"/>
+                <a:sym typeface="+mn-ea"/>
               </a:rPr>
               <a:t>việc</a:t>
             </a:r>
             <a:r>
-              <a:rPr lang="en-US" sz="1800" dirty="0">
-                <a:effectLst/>
-                <a:latin typeface="Times New Roman" panose="02020603050405020304" pitchFamily="18" charset="0"/>
-                <a:ea typeface="Times New Roman" panose="02020603050405020304" pitchFamily="18" charset="0"/>
+              <a:rPr lang="en-US" sz="2000" dirty="0">
+                <a:effectLst/>
+                <a:latin typeface="Times New Roman" panose="02020603050405020304" pitchFamily="18" charset="0"/>
+                <a:ea typeface="Times New Roman" panose="02020603050405020304" pitchFamily="18" charset="0"/>
+                <a:sym typeface="+mn-ea"/>
               </a:rPr>
               <a:t>:</a:t>
             </a:r>
-            <a:endParaRPr lang="en-US" sz="1600" dirty="0">
+            <a:endParaRPr lang="en-US" sz="2000" dirty="0">
               <a:effectLst/>
               <a:latin typeface="Times New Roman" panose="02020603050405020304" pitchFamily="18" charset="0"/>
               <a:ea typeface="Times New Roman" panose="02020603050405020304" pitchFamily="18" charset="0"/>
@@ -4484,330 +4665,366 @@
               </a:tabLst>
             </a:pPr>
             <a:r>
-              <a:rPr lang="en-US" sz="1800" b="1" dirty="0" err="1">
-                <a:effectLst/>
-                <a:latin typeface="Times New Roman" panose="02020603050405020304" pitchFamily="18" charset="0"/>
-                <a:ea typeface="Symbol" panose="05050102010706020507" pitchFamily="18" charset="2"/>
-                <a:cs typeface="Symbol" panose="05050102010706020507" pitchFamily="18" charset="2"/>
+              <a:rPr lang="en-US" sz="2000" b="1" dirty="0" err="1">
+                <a:effectLst/>
+                <a:latin typeface="Times New Roman" panose="02020603050405020304" pitchFamily="18" charset="0"/>
+                <a:ea typeface="Symbol" panose="05050102010706020507" pitchFamily="18" charset="2"/>
+                <a:cs typeface="Symbol" panose="05050102010706020507" pitchFamily="18" charset="2"/>
+                <a:sym typeface="+mn-ea"/>
               </a:rPr>
               <a:t>Quản</a:t>
             </a:r>
             <a:r>
-              <a:rPr lang="en-US" sz="1800" b="1" dirty="0">
-                <a:effectLst/>
-                <a:latin typeface="Times New Roman" panose="02020603050405020304" pitchFamily="18" charset="0"/>
-                <a:ea typeface="Symbol" panose="05050102010706020507" pitchFamily="18" charset="2"/>
-                <a:cs typeface="Symbol" panose="05050102010706020507" pitchFamily="18" charset="2"/>
-              </a:rPr>
-              <a:t> </a:t>
-            </a:r>
-            <a:r>
-              <a:rPr lang="en-US" sz="1800" b="1" dirty="0" err="1">
-                <a:effectLst/>
-                <a:latin typeface="Times New Roman" panose="02020603050405020304" pitchFamily="18" charset="0"/>
-                <a:ea typeface="Symbol" panose="05050102010706020507" pitchFamily="18" charset="2"/>
-                <a:cs typeface="Symbol" panose="05050102010706020507" pitchFamily="18" charset="2"/>
+              <a:rPr lang="en-US" sz="2000" b="1" dirty="0">
+                <a:effectLst/>
+                <a:latin typeface="Times New Roman" panose="02020603050405020304" pitchFamily="18" charset="0"/>
+                <a:ea typeface="Symbol" panose="05050102010706020507" pitchFamily="18" charset="2"/>
+                <a:cs typeface="Symbol" panose="05050102010706020507" pitchFamily="18" charset="2"/>
+                <a:sym typeface="+mn-ea"/>
+              </a:rPr>
+              <a:t> </a:t>
+            </a:r>
+            <a:r>
+              <a:rPr lang="en-US" sz="2000" b="1" dirty="0" err="1">
+                <a:effectLst/>
+                <a:latin typeface="Times New Roman" panose="02020603050405020304" pitchFamily="18" charset="0"/>
+                <a:ea typeface="Symbol" panose="05050102010706020507" pitchFamily="18" charset="2"/>
+                <a:cs typeface="Symbol" panose="05050102010706020507" pitchFamily="18" charset="2"/>
+                <a:sym typeface="+mn-ea"/>
               </a:rPr>
               <a:t>lý</a:t>
             </a:r>
             <a:r>
-              <a:rPr lang="en-US" sz="1800" b="1" dirty="0">
-                <a:effectLst/>
-                <a:latin typeface="Times New Roman" panose="02020603050405020304" pitchFamily="18" charset="0"/>
-                <a:ea typeface="Symbol" panose="05050102010706020507" pitchFamily="18" charset="2"/>
-                <a:cs typeface="Symbol" panose="05050102010706020507" pitchFamily="18" charset="2"/>
-              </a:rPr>
-              <a:t> </a:t>
-            </a:r>
-            <a:r>
-              <a:rPr lang="en-US" sz="1800" b="1" dirty="0" err="1">
-                <a:effectLst/>
-                <a:latin typeface="Times New Roman" panose="02020603050405020304" pitchFamily="18" charset="0"/>
-                <a:ea typeface="Symbol" panose="05050102010706020507" pitchFamily="18" charset="2"/>
-                <a:cs typeface="Symbol" panose="05050102010706020507" pitchFamily="18" charset="2"/>
+              <a:rPr lang="en-US" sz="2000" b="1" dirty="0">
+                <a:effectLst/>
+                <a:latin typeface="Times New Roman" panose="02020603050405020304" pitchFamily="18" charset="0"/>
+                <a:ea typeface="Symbol" panose="05050102010706020507" pitchFamily="18" charset="2"/>
+                <a:cs typeface="Symbol" panose="05050102010706020507" pitchFamily="18" charset="2"/>
+                <a:sym typeface="+mn-ea"/>
+              </a:rPr>
+              <a:t> </a:t>
+            </a:r>
+            <a:r>
+              <a:rPr lang="en-US" sz="2000" b="1" dirty="0" err="1">
+                <a:effectLst/>
+                <a:latin typeface="Times New Roman" panose="02020603050405020304" pitchFamily="18" charset="0"/>
+                <a:ea typeface="Symbol" panose="05050102010706020507" pitchFamily="18" charset="2"/>
+                <a:cs typeface="Symbol" panose="05050102010706020507" pitchFamily="18" charset="2"/>
+                <a:sym typeface="+mn-ea"/>
               </a:rPr>
               <a:t>được</a:t>
             </a:r>
             <a:r>
-              <a:rPr lang="en-US" sz="1800" b="1" dirty="0">
-                <a:effectLst/>
-                <a:latin typeface="Times New Roman" panose="02020603050405020304" pitchFamily="18" charset="0"/>
-                <a:ea typeface="Symbol" panose="05050102010706020507" pitchFamily="18" charset="2"/>
-                <a:cs typeface="Symbol" panose="05050102010706020507" pitchFamily="18" charset="2"/>
-              </a:rPr>
-              <a:t> </a:t>
-            </a:r>
-            <a:r>
-              <a:rPr lang="en-US" sz="1800" b="1" dirty="0" err="1">
-                <a:effectLst/>
-                <a:latin typeface="Times New Roman" panose="02020603050405020304" pitchFamily="18" charset="0"/>
-                <a:ea typeface="Symbol" panose="05050102010706020507" pitchFamily="18" charset="2"/>
-                <a:cs typeface="Symbol" panose="05050102010706020507" pitchFamily="18" charset="2"/>
+              <a:rPr lang="en-US" sz="2000" b="1" dirty="0">
+                <a:effectLst/>
+                <a:latin typeface="Times New Roman" panose="02020603050405020304" pitchFamily="18" charset="0"/>
+                <a:ea typeface="Symbol" panose="05050102010706020507" pitchFamily="18" charset="2"/>
+                <a:cs typeface="Symbol" panose="05050102010706020507" pitchFamily="18" charset="2"/>
+                <a:sym typeface="+mn-ea"/>
+              </a:rPr>
+              <a:t> </a:t>
+            </a:r>
+            <a:r>
+              <a:rPr lang="en-US" sz="2000" b="1" dirty="0" err="1">
+                <a:effectLst/>
+                <a:latin typeface="Times New Roman" panose="02020603050405020304" pitchFamily="18" charset="0"/>
+                <a:ea typeface="Symbol" panose="05050102010706020507" pitchFamily="18" charset="2"/>
+                <a:cs typeface="Symbol" panose="05050102010706020507" pitchFamily="18" charset="2"/>
+                <a:sym typeface="+mn-ea"/>
               </a:rPr>
               <a:t>danh</a:t>
             </a:r>
             <a:r>
-              <a:rPr lang="en-US" sz="1800" b="1" dirty="0">
-                <a:effectLst/>
-                <a:latin typeface="Times New Roman" panose="02020603050405020304" pitchFamily="18" charset="0"/>
-                <a:ea typeface="Symbol" panose="05050102010706020507" pitchFamily="18" charset="2"/>
-                <a:cs typeface="Symbol" panose="05050102010706020507" pitchFamily="18" charset="2"/>
-              </a:rPr>
-              <a:t> </a:t>
-            </a:r>
-            <a:r>
-              <a:rPr lang="en-US" sz="1800" b="1" dirty="0" err="1">
-                <a:effectLst/>
-                <a:latin typeface="Times New Roman" panose="02020603050405020304" pitchFamily="18" charset="0"/>
-                <a:ea typeface="Symbol" panose="05050102010706020507" pitchFamily="18" charset="2"/>
-                <a:cs typeface="Symbol" panose="05050102010706020507" pitchFamily="18" charset="2"/>
+              <a:rPr lang="en-US" sz="2000" b="1" dirty="0">
+                <a:effectLst/>
+                <a:latin typeface="Times New Roman" panose="02020603050405020304" pitchFamily="18" charset="0"/>
+                <a:ea typeface="Symbol" panose="05050102010706020507" pitchFamily="18" charset="2"/>
+                <a:cs typeface="Symbol" panose="05050102010706020507" pitchFamily="18" charset="2"/>
+                <a:sym typeface="+mn-ea"/>
+              </a:rPr>
+              <a:t> </a:t>
+            </a:r>
+            <a:r>
+              <a:rPr lang="en-US" sz="2000" b="1" dirty="0" err="1">
+                <a:effectLst/>
+                <a:latin typeface="Times New Roman" panose="02020603050405020304" pitchFamily="18" charset="0"/>
+                <a:ea typeface="Symbol" panose="05050102010706020507" pitchFamily="18" charset="2"/>
+                <a:cs typeface="Symbol" panose="05050102010706020507" pitchFamily="18" charset="2"/>
+                <a:sym typeface="+mn-ea"/>
               </a:rPr>
               <a:t>sách</a:t>
             </a:r>
             <a:r>
-              <a:rPr lang="en-US" sz="1800" b="1" dirty="0">
-                <a:effectLst/>
-                <a:latin typeface="Times New Roman" panose="02020603050405020304" pitchFamily="18" charset="0"/>
-                <a:ea typeface="Symbol" panose="05050102010706020507" pitchFamily="18" charset="2"/>
-                <a:cs typeface="Symbol" panose="05050102010706020507" pitchFamily="18" charset="2"/>
-              </a:rPr>
-              <a:t> </a:t>
-            </a:r>
-            <a:r>
-              <a:rPr lang="en-US" sz="1800" b="1" dirty="0" err="1">
-                <a:effectLst/>
-                <a:latin typeface="Times New Roman" panose="02020603050405020304" pitchFamily="18" charset="0"/>
-                <a:ea typeface="Symbol" panose="05050102010706020507" pitchFamily="18" charset="2"/>
-                <a:cs typeface="Symbol" panose="05050102010706020507" pitchFamily="18" charset="2"/>
+              <a:rPr lang="en-US" sz="2000" b="1" dirty="0">
+                <a:effectLst/>
+                <a:latin typeface="Times New Roman" panose="02020603050405020304" pitchFamily="18" charset="0"/>
+                <a:ea typeface="Symbol" panose="05050102010706020507" pitchFamily="18" charset="2"/>
+                <a:cs typeface="Symbol" panose="05050102010706020507" pitchFamily="18" charset="2"/>
+                <a:sym typeface="+mn-ea"/>
+              </a:rPr>
+              <a:t> </a:t>
+            </a:r>
+            <a:r>
+              <a:rPr lang="en-US" sz="2000" b="1" dirty="0" err="1">
+                <a:effectLst/>
+                <a:latin typeface="Times New Roman" panose="02020603050405020304" pitchFamily="18" charset="0"/>
+                <a:ea typeface="Symbol" panose="05050102010706020507" pitchFamily="18" charset="2"/>
+                <a:cs typeface="Symbol" panose="05050102010706020507" pitchFamily="18" charset="2"/>
+                <a:sym typeface="+mn-ea"/>
               </a:rPr>
               <a:t>các</a:t>
             </a:r>
             <a:r>
-              <a:rPr lang="en-US" sz="1800" b="1" dirty="0">
-                <a:effectLst/>
-                <a:latin typeface="Times New Roman" panose="02020603050405020304" pitchFamily="18" charset="0"/>
-                <a:ea typeface="Symbol" panose="05050102010706020507" pitchFamily="18" charset="2"/>
-                <a:cs typeface="Symbol" panose="05050102010706020507" pitchFamily="18" charset="2"/>
-              </a:rPr>
-              <a:t> </a:t>
-            </a:r>
-            <a:r>
-              <a:rPr lang="en-US" sz="1800" b="1" dirty="0" err="1">
-                <a:effectLst/>
-                <a:latin typeface="Times New Roman" panose="02020603050405020304" pitchFamily="18" charset="0"/>
-                <a:ea typeface="Symbol" panose="05050102010706020507" pitchFamily="18" charset="2"/>
-                <a:cs typeface="Symbol" panose="05050102010706020507" pitchFamily="18" charset="2"/>
+              <a:rPr lang="en-US" sz="2000" b="1" dirty="0">
+                <a:effectLst/>
+                <a:latin typeface="Times New Roman" panose="02020603050405020304" pitchFamily="18" charset="0"/>
+                <a:ea typeface="Symbol" panose="05050102010706020507" pitchFamily="18" charset="2"/>
+                <a:cs typeface="Symbol" panose="05050102010706020507" pitchFamily="18" charset="2"/>
+                <a:sym typeface="+mn-ea"/>
+              </a:rPr>
+              <a:t> </a:t>
+            </a:r>
+            <a:r>
+              <a:rPr lang="en-US" sz="2000" b="1" dirty="0" err="1">
+                <a:effectLst/>
+                <a:latin typeface="Times New Roman" panose="02020603050405020304" pitchFamily="18" charset="0"/>
+                <a:ea typeface="Symbol" panose="05050102010706020507" pitchFamily="18" charset="2"/>
+                <a:cs typeface="Symbol" panose="05050102010706020507" pitchFamily="18" charset="2"/>
+                <a:sym typeface="+mn-ea"/>
               </a:rPr>
               <a:t>chú</a:t>
             </a:r>
             <a:r>
-              <a:rPr lang="en-US" sz="1800" b="1" dirty="0">
-                <a:effectLst/>
-                <a:latin typeface="Times New Roman" panose="02020603050405020304" pitchFamily="18" charset="0"/>
-                <a:ea typeface="Symbol" panose="05050102010706020507" pitchFamily="18" charset="2"/>
-                <a:cs typeface="Symbol" panose="05050102010706020507" pitchFamily="18" charset="2"/>
-              </a:rPr>
-              <a:t> </a:t>
-            </a:r>
-            <a:r>
-              <a:rPr lang="en-US" sz="1800" b="1" dirty="0" err="1">
-                <a:effectLst/>
-                <a:latin typeface="Times New Roman" panose="02020603050405020304" pitchFamily="18" charset="0"/>
-                <a:ea typeface="Symbol" panose="05050102010706020507" pitchFamily="18" charset="2"/>
-                <a:cs typeface="Symbol" panose="05050102010706020507" pitchFamily="18" charset="2"/>
+              <a:rPr lang="en-US" sz="2000" b="1" dirty="0">
+                <a:effectLst/>
+                <a:latin typeface="Times New Roman" panose="02020603050405020304" pitchFamily="18" charset="0"/>
+                <a:ea typeface="Symbol" panose="05050102010706020507" pitchFamily="18" charset="2"/>
+                <a:cs typeface="Symbol" panose="05050102010706020507" pitchFamily="18" charset="2"/>
+                <a:sym typeface="+mn-ea"/>
+              </a:rPr>
+              <a:t> </a:t>
+            </a:r>
+            <a:r>
+              <a:rPr lang="en-US" sz="2000" b="1" dirty="0" err="1">
+                <a:effectLst/>
+                <a:latin typeface="Times New Roman" panose="02020603050405020304" pitchFamily="18" charset="0"/>
+                <a:ea typeface="Symbol" panose="05050102010706020507" pitchFamily="18" charset="2"/>
+                <a:cs typeface="Symbol" panose="05050102010706020507" pitchFamily="18" charset="2"/>
+                <a:sym typeface="+mn-ea"/>
               </a:rPr>
               <a:t>chó</a:t>
             </a:r>
             <a:r>
-              <a:rPr lang="en-US" sz="1800" b="1" dirty="0">
-                <a:effectLst/>
-                <a:latin typeface="Times New Roman" panose="02020603050405020304" pitchFamily="18" charset="0"/>
-                <a:ea typeface="Symbol" panose="05050102010706020507" pitchFamily="18" charset="2"/>
-                <a:cs typeface="Symbol" panose="05050102010706020507" pitchFamily="18" charset="2"/>
-              </a:rPr>
-              <a:t> </a:t>
-            </a:r>
-            <a:r>
-              <a:rPr lang="en-US" sz="1800" b="1" dirty="0" err="1">
-                <a:effectLst/>
-                <a:latin typeface="Times New Roman" panose="02020603050405020304" pitchFamily="18" charset="0"/>
-                <a:ea typeface="Symbol" panose="05050102010706020507" pitchFamily="18" charset="2"/>
-                <a:cs typeface="Symbol" panose="05050102010706020507" pitchFamily="18" charset="2"/>
+              <a:rPr lang="en-US" sz="2000" b="1" dirty="0">
+                <a:effectLst/>
+                <a:latin typeface="Times New Roman" panose="02020603050405020304" pitchFamily="18" charset="0"/>
+                <a:ea typeface="Symbol" panose="05050102010706020507" pitchFamily="18" charset="2"/>
+                <a:cs typeface="Symbol" panose="05050102010706020507" pitchFamily="18" charset="2"/>
+                <a:sym typeface="+mn-ea"/>
+              </a:rPr>
+              <a:t> </a:t>
+            </a:r>
+            <a:r>
+              <a:rPr lang="en-US" sz="2000" b="1" dirty="0" err="1">
+                <a:effectLst/>
+                <a:latin typeface="Times New Roman" panose="02020603050405020304" pitchFamily="18" charset="0"/>
+                <a:ea typeface="Symbol" panose="05050102010706020507" pitchFamily="18" charset="2"/>
+                <a:cs typeface="Symbol" panose="05050102010706020507" pitchFamily="18" charset="2"/>
+                <a:sym typeface="+mn-ea"/>
               </a:rPr>
               <a:t>có</a:t>
             </a:r>
             <a:r>
-              <a:rPr lang="en-US" sz="1800" b="1" dirty="0">
-                <a:effectLst/>
-                <a:latin typeface="Times New Roman" panose="02020603050405020304" pitchFamily="18" charset="0"/>
-                <a:ea typeface="Symbol" panose="05050102010706020507" pitchFamily="18" charset="2"/>
-                <a:cs typeface="Symbol" panose="05050102010706020507" pitchFamily="18" charset="2"/>
-              </a:rPr>
-              <a:t> </a:t>
-            </a:r>
-            <a:r>
-              <a:rPr lang="en-US" sz="1800" b="1" dirty="0" err="1">
-                <a:effectLst/>
-                <a:latin typeface="Times New Roman" panose="02020603050405020304" pitchFamily="18" charset="0"/>
-                <a:ea typeface="Symbol" panose="05050102010706020507" pitchFamily="18" charset="2"/>
-                <a:cs typeface="Symbol" panose="05050102010706020507" pitchFamily="18" charset="2"/>
+              <a:rPr lang="en-US" sz="2000" b="1" dirty="0">
+                <a:effectLst/>
+                <a:latin typeface="Times New Roman" panose="02020603050405020304" pitchFamily="18" charset="0"/>
+                <a:ea typeface="Symbol" panose="05050102010706020507" pitchFamily="18" charset="2"/>
+                <a:cs typeface="Symbol" panose="05050102010706020507" pitchFamily="18" charset="2"/>
+                <a:sym typeface="+mn-ea"/>
+              </a:rPr>
+              <a:t> </a:t>
+            </a:r>
+            <a:r>
+              <a:rPr lang="en-US" sz="2000" b="1" dirty="0" err="1">
+                <a:effectLst/>
+                <a:latin typeface="Times New Roman" panose="02020603050405020304" pitchFamily="18" charset="0"/>
+                <a:ea typeface="Symbol" panose="05050102010706020507" pitchFamily="18" charset="2"/>
+                <a:cs typeface="Symbol" panose="05050102010706020507" pitchFamily="18" charset="2"/>
+                <a:sym typeface="+mn-ea"/>
               </a:rPr>
               <a:t>trong</a:t>
             </a:r>
             <a:r>
-              <a:rPr lang="en-US" sz="1800" b="1" dirty="0">
-                <a:effectLst/>
-                <a:latin typeface="Times New Roman" panose="02020603050405020304" pitchFamily="18" charset="0"/>
-                <a:ea typeface="Symbol" panose="05050102010706020507" pitchFamily="18" charset="2"/>
-                <a:cs typeface="Symbol" panose="05050102010706020507" pitchFamily="18" charset="2"/>
-              </a:rPr>
-              <a:t> </a:t>
-            </a:r>
-            <a:r>
-              <a:rPr lang="en-US" sz="1800" b="1" dirty="0" err="1">
-                <a:effectLst/>
-                <a:latin typeface="Times New Roman" panose="02020603050405020304" pitchFamily="18" charset="0"/>
-                <a:ea typeface="Symbol" panose="05050102010706020507" pitchFamily="18" charset="2"/>
-                <a:cs typeface="Symbol" panose="05050102010706020507" pitchFamily="18" charset="2"/>
+              <a:rPr lang="en-US" sz="2000" b="1" dirty="0">
+                <a:effectLst/>
+                <a:latin typeface="Times New Roman" panose="02020603050405020304" pitchFamily="18" charset="0"/>
+                <a:ea typeface="Symbol" panose="05050102010706020507" pitchFamily="18" charset="2"/>
+                <a:cs typeface="Symbol" panose="05050102010706020507" pitchFamily="18" charset="2"/>
+                <a:sym typeface="+mn-ea"/>
+              </a:rPr>
+              <a:t> </a:t>
+            </a:r>
+            <a:r>
+              <a:rPr lang="en-US" sz="2000" b="1" dirty="0" err="1">
+                <a:effectLst/>
+                <a:latin typeface="Times New Roman" panose="02020603050405020304" pitchFamily="18" charset="0"/>
+                <a:ea typeface="Symbol" panose="05050102010706020507" pitchFamily="18" charset="2"/>
+                <a:cs typeface="Symbol" panose="05050102010706020507" pitchFamily="18" charset="2"/>
+                <a:sym typeface="+mn-ea"/>
               </a:rPr>
               <a:t>trang</a:t>
             </a:r>
             <a:r>
-              <a:rPr lang="en-US" sz="1800" b="1" dirty="0">
-                <a:effectLst/>
-                <a:latin typeface="Times New Roman" panose="02020603050405020304" pitchFamily="18" charset="0"/>
-                <a:ea typeface="Symbol" panose="05050102010706020507" pitchFamily="18" charset="2"/>
-                <a:cs typeface="Symbol" panose="05050102010706020507" pitchFamily="18" charset="2"/>
-              </a:rPr>
-              <a:t> </a:t>
-            </a:r>
-            <a:r>
-              <a:rPr lang="en-US" sz="1800" b="1" dirty="0" err="1">
-                <a:effectLst/>
-                <a:latin typeface="Times New Roman" panose="02020603050405020304" pitchFamily="18" charset="0"/>
-                <a:ea typeface="Symbol" panose="05050102010706020507" pitchFamily="18" charset="2"/>
-                <a:cs typeface="Symbol" panose="05050102010706020507" pitchFamily="18" charset="2"/>
+              <a:rPr lang="en-US" sz="2000" b="1" dirty="0">
+                <a:effectLst/>
+                <a:latin typeface="Times New Roman" panose="02020603050405020304" pitchFamily="18" charset="0"/>
+                <a:ea typeface="Symbol" panose="05050102010706020507" pitchFamily="18" charset="2"/>
+                <a:cs typeface="Symbol" panose="05050102010706020507" pitchFamily="18" charset="2"/>
+                <a:sym typeface="+mn-ea"/>
+              </a:rPr>
+              <a:t> </a:t>
+            </a:r>
+            <a:r>
+              <a:rPr lang="en-US" sz="2000" b="1" dirty="0" err="1">
+                <a:effectLst/>
+                <a:latin typeface="Times New Roman" panose="02020603050405020304" pitchFamily="18" charset="0"/>
+                <a:ea typeface="Symbol" panose="05050102010706020507" pitchFamily="18" charset="2"/>
+                <a:cs typeface="Symbol" panose="05050102010706020507" pitchFamily="18" charset="2"/>
+                <a:sym typeface="+mn-ea"/>
               </a:rPr>
               <a:t>trại</a:t>
             </a:r>
             <a:r>
-              <a:rPr lang="en-US" sz="1800" b="1" dirty="0">
-                <a:effectLst/>
-                <a:latin typeface="Times New Roman" panose="02020603050405020304" pitchFamily="18" charset="0"/>
-                <a:ea typeface="Symbol" panose="05050102010706020507" pitchFamily="18" charset="2"/>
-                <a:cs typeface="Symbol" panose="05050102010706020507" pitchFamily="18" charset="2"/>
-              </a:rPr>
-              <a:t> </a:t>
-            </a:r>
-            <a:r>
-              <a:rPr lang="en-US" sz="1800" b="1" dirty="0" err="1">
-                <a:effectLst/>
-                <a:latin typeface="Times New Roman" panose="02020603050405020304" pitchFamily="18" charset="0"/>
-                <a:ea typeface="Symbol" panose="05050102010706020507" pitchFamily="18" charset="2"/>
-                <a:cs typeface="Symbol" panose="05050102010706020507" pitchFamily="18" charset="2"/>
+              <a:rPr lang="en-US" sz="2000" b="1" dirty="0">
+                <a:effectLst/>
+                <a:latin typeface="Times New Roman" panose="02020603050405020304" pitchFamily="18" charset="0"/>
+                <a:ea typeface="Symbol" panose="05050102010706020507" pitchFamily="18" charset="2"/>
+                <a:cs typeface="Symbol" panose="05050102010706020507" pitchFamily="18" charset="2"/>
+                <a:sym typeface="+mn-ea"/>
+              </a:rPr>
+              <a:t> </a:t>
+            </a:r>
+            <a:r>
+              <a:rPr lang="en-US" sz="2000" b="1" dirty="0" err="1">
+                <a:effectLst/>
+                <a:latin typeface="Times New Roman" panose="02020603050405020304" pitchFamily="18" charset="0"/>
+                <a:ea typeface="Symbol" panose="05050102010706020507" pitchFamily="18" charset="2"/>
+                <a:cs typeface="Symbol" panose="05050102010706020507" pitchFamily="18" charset="2"/>
+                <a:sym typeface="+mn-ea"/>
               </a:rPr>
               <a:t>thuận</a:t>
             </a:r>
             <a:r>
-              <a:rPr lang="en-US" sz="1800" b="1" dirty="0">
-                <a:effectLst/>
-                <a:latin typeface="Times New Roman" panose="02020603050405020304" pitchFamily="18" charset="0"/>
-                <a:ea typeface="Symbol" panose="05050102010706020507" pitchFamily="18" charset="2"/>
-                <a:cs typeface="Symbol" panose="05050102010706020507" pitchFamily="18" charset="2"/>
-              </a:rPr>
-              <a:t> </a:t>
-            </a:r>
-            <a:r>
-              <a:rPr lang="en-US" sz="1800" b="1" dirty="0" err="1">
-                <a:effectLst/>
-                <a:latin typeface="Times New Roman" panose="02020603050405020304" pitchFamily="18" charset="0"/>
-                <a:ea typeface="Symbol" panose="05050102010706020507" pitchFamily="18" charset="2"/>
-                <a:cs typeface="Symbol" panose="05050102010706020507" pitchFamily="18" charset="2"/>
+              <a:rPr lang="en-US" sz="2000" b="1" dirty="0">
+                <a:effectLst/>
+                <a:latin typeface="Times New Roman" panose="02020603050405020304" pitchFamily="18" charset="0"/>
+                <a:ea typeface="Symbol" panose="05050102010706020507" pitchFamily="18" charset="2"/>
+                <a:cs typeface="Symbol" panose="05050102010706020507" pitchFamily="18" charset="2"/>
+                <a:sym typeface="+mn-ea"/>
+              </a:rPr>
+              <a:t> </a:t>
+            </a:r>
+            <a:r>
+              <a:rPr lang="en-US" sz="2000" b="1" dirty="0" err="1">
+                <a:effectLst/>
+                <a:latin typeface="Times New Roman" panose="02020603050405020304" pitchFamily="18" charset="0"/>
+                <a:ea typeface="Symbol" panose="05050102010706020507" pitchFamily="18" charset="2"/>
+                <a:cs typeface="Symbol" panose="05050102010706020507" pitchFamily="18" charset="2"/>
+                <a:sym typeface="+mn-ea"/>
               </a:rPr>
               <a:t>tiện</a:t>
             </a:r>
             <a:r>
-              <a:rPr lang="en-US" sz="1800" b="1" dirty="0">
-                <a:effectLst/>
-                <a:latin typeface="Times New Roman" panose="02020603050405020304" pitchFamily="18" charset="0"/>
-                <a:ea typeface="Symbol" panose="05050102010706020507" pitchFamily="18" charset="2"/>
-                <a:cs typeface="Symbol" panose="05050102010706020507" pitchFamily="18" charset="2"/>
-              </a:rPr>
-              <a:t> </a:t>
-            </a:r>
-            <a:r>
-              <a:rPr lang="en-US" sz="1800" b="1" dirty="0" err="1">
-                <a:effectLst/>
-                <a:latin typeface="Times New Roman" panose="02020603050405020304" pitchFamily="18" charset="0"/>
-                <a:ea typeface="Symbol" panose="05050102010706020507" pitchFamily="18" charset="2"/>
-                <a:cs typeface="Symbol" panose="05050102010706020507" pitchFamily="18" charset="2"/>
+              <a:rPr lang="en-US" sz="2000" b="1" dirty="0">
+                <a:effectLst/>
+                <a:latin typeface="Times New Roman" panose="02020603050405020304" pitchFamily="18" charset="0"/>
+                <a:ea typeface="Symbol" panose="05050102010706020507" pitchFamily="18" charset="2"/>
+                <a:cs typeface="Symbol" panose="05050102010706020507" pitchFamily="18" charset="2"/>
+                <a:sym typeface="+mn-ea"/>
+              </a:rPr>
+              <a:t> </a:t>
+            </a:r>
+            <a:r>
+              <a:rPr lang="en-US" sz="2000" b="1" dirty="0" err="1">
+                <a:effectLst/>
+                <a:latin typeface="Times New Roman" panose="02020603050405020304" pitchFamily="18" charset="0"/>
+                <a:ea typeface="Symbol" panose="05050102010706020507" pitchFamily="18" charset="2"/>
+                <a:cs typeface="Symbol" panose="05050102010706020507" pitchFamily="18" charset="2"/>
+                <a:sym typeface="+mn-ea"/>
               </a:rPr>
               <a:t>cho</a:t>
             </a:r>
             <a:r>
-              <a:rPr lang="en-US" sz="1800" b="1" dirty="0">
-                <a:effectLst/>
-                <a:latin typeface="Times New Roman" panose="02020603050405020304" pitchFamily="18" charset="0"/>
-                <a:ea typeface="Symbol" panose="05050102010706020507" pitchFamily="18" charset="2"/>
-                <a:cs typeface="Symbol" panose="05050102010706020507" pitchFamily="18" charset="2"/>
-              </a:rPr>
-              <a:t> </a:t>
-            </a:r>
-            <a:r>
-              <a:rPr lang="en-US" sz="1800" b="1" dirty="0" err="1">
-                <a:effectLst/>
-                <a:latin typeface="Times New Roman" panose="02020603050405020304" pitchFamily="18" charset="0"/>
-                <a:ea typeface="Symbol" panose="05050102010706020507" pitchFamily="18" charset="2"/>
-                <a:cs typeface="Symbol" panose="05050102010706020507" pitchFamily="18" charset="2"/>
+              <a:rPr lang="en-US" sz="2000" b="1" dirty="0">
+                <a:effectLst/>
+                <a:latin typeface="Times New Roman" panose="02020603050405020304" pitchFamily="18" charset="0"/>
+                <a:ea typeface="Symbol" panose="05050102010706020507" pitchFamily="18" charset="2"/>
+                <a:cs typeface="Symbol" panose="05050102010706020507" pitchFamily="18" charset="2"/>
+                <a:sym typeface="+mn-ea"/>
+              </a:rPr>
+              <a:t> </a:t>
+            </a:r>
+            <a:r>
+              <a:rPr lang="en-US" sz="2000" b="1" dirty="0" err="1">
+                <a:effectLst/>
+                <a:latin typeface="Times New Roman" panose="02020603050405020304" pitchFamily="18" charset="0"/>
+                <a:ea typeface="Symbol" panose="05050102010706020507" pitchFamily="18" charset="2"/>
+                <a:cs typeface="Symbol" panose="05050102010706020507" pitchFamily="18" charset="2"/>
+                <a:sym typeface="+mn-ea"/>
               </a:rPr>
               <a:t>việc</a:t>
             </a:r>
             <a:r>
-              <a:rPr lang="en-US" sz="1800" b="1" dirty="0">
-                <a:effectLst/>
-                <a:latin typeface="Times New Roman" panose="02020603050405020304" pitchFamily="18" charset="0"/>
-                <a:ea typeface="Symbol" panose="05050102010706020507" pitchFamily="18" charset="2"/>
-                <a:cs typeface="Symbol" panose="05050102010706020507" pitchFamily="18" charset="2"/>
-              </a:rPr>
-              <a:t> </a:t>
-            </a:r>
-            <a:r>
-              <a:rPr lang="en-US" sz="1800" b="1" dirty="0" err="1">
-                <a:effectLst/>
-                <a:latin typeface="Times New Roman" panose="02020603050405020304" pitchFamily="18" charset="0"/>
-                <a:ea typeface="Symbol" panose="05050102010706020507" pitchFamily="18" charset="2"/>
-                <a:cs typeface="Symbol" panose="05050102010706020507" pitchFamily="18" charset="2"/>
+              <a:rPr lang="en-US" sz="2000" b="1" dirty="0">
+                <a:effectLst/>
+                <a:latin typeface="Times New Roman" panose="02020603050405020304" pitchFamily="18" charset="0"/>
+                <a:ea typeface="Symbol" panose="05050102010706020507" pitchFamily="18" charset="2"/>
+                <a:cs typeface="Symbol" panose="05050102010706020507" pitchFamily="18" charset="2"/>
+                <a:sym typeface="+mn-ea"/>
+              </a:rPr>
+              <a:t> </a:t>
+            </a:r>
+            <a:r>
+              <a:rPr lang="en-US" sz="2000" b="1" dirty="0" err="1">
+                <a:effectLst/>
+                <a:latin typeface="Times New Roman" panose="02020603050405020304" pitchFamily="18" charset="0"/>
+                <a:ea typeface="Symbol" panose="05050102010706020507" pitchFamily="18" charset="2"/>
+                <a:cs typeface="Symbol" panose="05050102010706020507" pitchFamily="18" charset="2"/>
+                <a:sym typeface="+mn-ea"/>
               </a:rPr>
               <a:t>quản</a:t>
             </a:r>
             <a:r>
-              <a:rPr lang="en-US" sz="1800" b="1" dirty="0">
-                <a:effectLst/>
-                <a:latin typeface="Times New Roman" panose="02020603050405020304" pitchFamily="18" charset="0"/>
-                <a:ea typeface="Symbol" panose="05050102010706020507" pitchFamily="18" charset="2"/>
-                <a:cs typeface="Symbol" panose="05050102010706020507" pitchFamily="18" charset="2"/>
-              </a:rPr>
-              <a:t> </a:t>
-            </a:r>
-            <a:r>
-              <a:rPr lang="en-US" sz="1800" b="1" dirty="0" err="1">
-                <a:effectLst/>
-                <a:latin typeface="Times New Roman" panose="02020603050405020304" pitchFamily="18" charset="0"/>
-                <a:ea typeface="Symbol" panose="05050102010706020507" pitchFamily="18" charset="2"/>
-                <a:cs typeface="Symbol" panose="05050102010706020507" pitchFamily="18" charset="2"/>
+              <a:rPr lang="en-US" sz="2000" b="1" dirty="0">
+                <a:effectLst/>
+                <a:latin typeface="Times New Roman" panose="02020603050405020304" pitchFamily="18" charset="0"/>
+                <a:ea typeface="Symbol" panose="05050102010706020507" pitchFamily="18" charset="2"/>
+                <a:cs typeface="Symbol" panose="05050102010706020507" pitchFamily="18" charset="2"/>
+                <a:sym typeface="+mn-ea"/>
+              </a:rPr>
+              <a:t> </a:t>
+            </a:r>
+            <a:r>
+              <a:rPr lang="en-US" sz="2000" b="1" dirty="0" err="1">
+                <a:effectLst/>
+                <a:latin typeface="Times New Roman" panose="02020603050405020304" pitchFamily="18" charset="0"/>
+                <a:ea typeface="Symbol" panose="05050102010706020507" pitchFamily="18" charset="2"/>
+                <a:cs typeface="Symbol" panose="05050102010706020507" pitchFamily="18" charset="2"/>
+                <a:sym typeface="+mn-ea"/>
               </a:rPr>
               <a:t>lý</a:t>
             </a:r>
             <a:r>
-              <a:rPr lang="en-US" sz="1800" b="1" dirty="0">
-                <a:effectLst/>
-                <a:latin typeface="Times New Roman" panose="02020603050405020304" pitchFamily="18" charset="0"/>
-                <a:ea typeface="Symbol" panose="05050102010706020507" pitchFamily="18" charset="2"/>
-                <a:cs typeface="Symbol" panose="05050102010706020507" pitchFamily="18" charset="2"/>
+              <a:rPr lang="en-US" sz="2000" b="1" dirty="0">
+                <a:effectLst/>
+                <a:latin typeface="Times New Roman" panose="02020603050405020304" pitchFamily="18" charset="0"/>
+                <a:ea typeface="Symbol" panose="05050102010706020507" pitchFamily="18" charset="2"/>
+                <a:cs typeface="Symbol" panose="05050102010706020507" pitchFamily="18" charset="2"/>
+                <a:sym typeface="+mn-ea"/>
               </a:rPr>
               <a:t>.</a:t>
             </a:r>
-            <a:endParaRPr lang="en-US" sz="1600" b="1" dirty="0">
+            <a:endParaRPr lang="en-US" sz="2000" b="1" dirty="0">
               <a:effectLst/>
               <a:latin typeface="Times New Roman" panose="02020603050405020304" pitchFamily="18" charset="0"/>
               <a:ea typeface="Symbol" panose="05050102010706020507" pitchFamily="18" charset="2"/>
@@ -4834,159 +5051,176 @@
               </a:tabLst>
             </a:pPr>
             <a:r>
-              <a:rPr lang="en-US" sz="1800" b="1" dirty="0">
-                <a:effectLst/>
-                <a:latin typeface="Times New Roman" panose="02020603050405020304" pitchFamily="18" charset="0"/>
-                <a:ea typeface="Symbol" panose="05050102010706020507" pitchFamily="18" charset="2"/>
-                <a:cs typeface="Symbol" panose="05050102010706020507" pitchFamily="18" charset="2"/>
+              <a:rPr lang="en-US" sz="2000" b="1" dirty="0">
+                <a:effectLst/>
+                <a:latin typeface="Times New Roman" panose="02020603050405020304" pitchFamily="18" charset="0"/>
+                <a:ea typeface="Symbol" panose="05050102010706020507" pitchFamily="18" charset="2"/>
+                <a:cs typeface="Symbol" panose="05050102010706020507" pitchFamily="18" charset="2"/>
+                <a:sym typeface="+mn-ea"/>
               </a:rPr>
               <a:t>Theo </a:t>
             </a:r>
             <a:r>
-              <a:rPr lang="en-US" sz="1800" b="1" dirty="0" err="1">
-                <a:effectLst/>
-                <a:latin typeface="Times New Roman" panose="02020603050405020304" pitchFamily="18" charset="0"/>
-                <a:ea typeface="Symbol" panose="05050102010706020507" pitchFamily="18" charset="2"/>
-                <a:cs typeface="Symbol" panose="05050102010706020507" pitchFamily="18" charset="2"/>
+              <a:rPr lang="en-US" sz="2000" b="1" dirty="0" err="1">
+                <a:effectLst/>
+                <a:latin typeface="Times New Roman" panose="02020603050405020304" pitchFamily="18" charset="0"/>
+                <a:ea typeface="Symbol" panose="05050102010706020507" pitchFamily="18" charset="2"/>
+                <a:cs typeface="Symbol" panose="05050102010706020507" pitchFamily="18" charset="2"/>
+                <a:sym typeface="+mn-ea"/>
               </a:rPr>
               <a:t>dõi</a:t>
             </a:r>
             <a:r>
-              <a:rPr lang="en-US" sz="1800" b="1" dirty="0">
-                <a:effectLst/>
-                <a:latin typeface="Times New Roman" panose="02020603050405020304" pitchFamily="18" charset="0"/>
-                <a:ea typeface="Symbol" panose="05050102010706020507" pitchFamily="18" charset="2"/>
-                <a:cs typeface="Symbol" panose="05050102010706020507" pitchFamily="18" charset="2"/>
-              </a:rPr>
-              <a:t> </a:t>
-            </a:r>
-            <a:r>
-              <a:rPr lang="en-US" sz="1800" b="1" dirty="0" err="1">
-                <a:effectLst/>
-                <a:latin typeface="Times New Roman" panose="02020603050405020304" pitchFamily="18" charset="0"/>
-                <a:ea typeface="Symbol" panose="05050102010706020507" pitchFamily="18" charset="2"/>
-                <a:cs typeface="Symbol" panose="05050102010706020507" pitchFamily="18" charset="2"/>
+              <a:rPr lang="en-US" sz="2000" b="1" dirty="0">
+                <a:effectLst/>
+                <a:latin typeface="Times New Roman" panose="02020603050405020304" pitchFamily="18" charset="0"/>
+                <a:ea typeface="Symbol" panose="05050102010706020507" pitchFamily="18" charset="2"/>
+                <a:cs typeface="Symbol" panose="05050102010706020507" pitchFamily="18" charset="2"/>
+                <a:sym typeface="+mn-ea"/>
+              </a:rPr>
+              <a:t> </a:t>
+            </a:r>
+            <a:r>
+              <a:rPr lang="en-US" sz="2000" b="1" dirty="0" err="1">
+                <a:effectLst/>
+                <a:latin typeface="Times New Roman" panose="02020603050405020304" pitchFamily="18" charset="0"/>
+                <a:ea typeface="Symbol" panose="05050102010706020507" pitchFamily="18" charset="2"/>
+                <a:cs typeface="Symbol" panose="05050102010706020507" pitchFamily="18" charset="2"/>
+                <a:sym typeface="+mn-ea"/>
               </a:rPr>
               <a:t>sức</a:t>
             </a:r>
             <a:r>
-              <a:rPr lang="en-US" sz="1800" b="1" dirty="0">
-                <a:effectLst/>
-                <a:latin typeface="Times New Roman" panose="02020603050405020304" pitchFamily="18" charset="0"/>
-                <a:ea typeface="Symbol" panose="05050102010706020507" pitchFamily="18" charset="2"/>
-                <a:cs typeface="Symbol" panose="05050102010706020507" pitchFamily="18" charset="2"/>
-              </a:rPr>
-              <a:t> </a:t>
-            </a:r>
-            <a:r>
-              <a:rPr lang="en-US" sz="1800" b="1" dirty="0" err="1">
-                <a:effectLst/>
-                <a:latin typeface="Times New Roman" panose="02020603050405020304" pitchFamily="18" charset="0"/>
-                <a:ea typeface="Symbol" panose="05050102010706020507" pitchFamily="18" charset="2"/>
-                <a:cs typeface="Symbol" panose="05050102010706020507" pitchFamily="18" charset="2"/>
+              <a:rPr lang="en-US" sz="2000" b="1" dirty="0">
+                <a:effectLst/>
+                <a:latin typeface="Times New Roman" panose="02020603050405020304" pitchFamily="18" charset="0"/>
+                <a:ea typeface="Symbol" panose="05050102010706020507" pitchFamily="18" charset="2"/>
+                <a:cs typeface="Symbol" panose="05050102010706020507" pitchFamily="18" charset="2"/>
+                <a:sym typeface="+mn-ea"/>
+              </a:rPr>
+              <a:t> </a:t>
+            </a:r>
+            <a:r>
+              <a:rPr lang="en-US" sz="2000" b="1" dirty="0" err="1">
+                <a:effectLst/>
+                <a:latin typeface="Times New Roman" panose="02020603050405020304" pitchFamily="18" charset="0"/>
+                <a:ea typeface="Symbol" panose="05050102010706020507" pitchFamily="18" charset="2"/>
+                <a:cs typeface="Symbol" panose="05050102010706020507" pitchFamily="18" charset="2"/>
+                <a:sym typeface="+mn-ea"/>
               </a:rPr>
               <a:t>khỏe</a:t>
             </a:r>
             <a:r>
-              <a:rPr lang="en-US" sz="1800" b="1" dirty="0">
-                <a:effectLst/>
-                <a:latin typeface="Times New Roman" panose="02020603050405020304" pitchFamily="18" charset="0"/>
-                <a:ea typeface="Symbol" panose="05050102010706020507" pitchFamily="18" charset="2"/>
-                <a:cs typeface="Symbol" panose="05050102010706020507" pitchFamily="18" charset="2"/>
-              </a:rPr>
-              <a:t> </a:t>
-            </a:r>
-            <a:r>
-              <a:rPr lang="en-US" sz="1800" b="1" dirty="0" err="1">
-                <a:effectLst/>
-                <a:latin typeface="Times New Roman" panose="02020603050405020304" pitchFamily="18" charset="0"/>
-                <a:ea typeface="Symbol" panose="05050102010706020507" pitchFamily="18" charset="2"/>
-                <a:cs typeface="Symbol" panose="05050102010706020507" pitchFamily="18" charset="2"/>
+              <a:rPr lang="en-US" sz="2000" b="1" dirty="0">
+                <a:effectLst/>
+                <a:latin typeface="Times New Roman" panose="02020603050405020304" pitchFamily="18" charset="0"/>
+                <a:ea typeface="Symbol" panose="05050102010706020507" pitchFamily="18" charset="2"/>
+                <a:cs typeface="Symbol" panose="05050102010706020507" pitchFamily="18" charset="2"/>
+                <a:sym typeface="+mn-ea"/>
+              </a:rPr>
+              <a:t> </a:t>
+            </a:r>
+            <a:r>
+              <a:rPr lang="en-US" sz="2000" b="1" dirty="0" err="1">
+                <a:effectLst/>
+                <a:latin typeface="Times New Roman" panose="02020603050405020304" pitchFamily="18" charset="0"/>
+                <a:ea typeface="Symbol" panose="05050102010706020507" pitchFamily="18" charset="2"/>
+                <a:cs typeface="Symbol" panose="05050102010706020507" pitchFamily="18" charset="2"/>
+                <a:sym typeface="+mn-ea"/>
               </a:rPr>
               <a:t>từng</a:t>
             </a:r>
             <a:r>
-              <a:rPr lang="en-US" sz="1800" b="1" dirty="0">
-                <a:effectLst/>
-                <a:latin typeface="Times New Roman" panose="02020603050405020304" pitchFamily="18" charset="0"/>
-                <a:ea typeface="Symbol" panose="05050102010706020507" pitchFamily="18" charset="2"/>
-                <a:cs typeface="Symbol" panose="05050102010706020507" pitchFamily="18" charset="2"/>
+              <a:rPr lang="en-US" sz="2000" b="1" dirty="0">
+                <a:effectLst/>
+                <a:latin typeface="Times New Roman" panose="02020603050405020304" pitchFamily="18" charset="0"/>
+                <a:ea typeface="Symbol" panose="05050102010706020507" pitchFamily="18" charset="2"/>
+                <a:cs typeface="Symbol" panose="05050102010706020507" pitchFamily="18" charset="2"/>
+                <a:sym typeface="+mn-ea"/>
               </a:rPr>
               <a:t> con </a:t>
             </a:r>
             <a:r>
-              <a:rPr lang="en-US" sz="1800" b="1" dirty="0" err="1">
-                <a:effectLst/>
-                <a:latin typeface="Times New Roman" panose="02020603050405020304" pitchFamily="18" charset="0"/>
-                <a:ea typeface="Symbol" panose="05050102010706020507" pitchFamily="18" charset="2"/>
-                <a:cs typeface="Symbol" panose="05050102010706020507" pitchFamily="18" charset="2"/>
+              <a:rPr lang="en-US" sz="2000" b="1" dirty="0" err="1">
+                <a:effectLst/>
+                <a:latin typeface="Times New Roman" panose="02020603050405020304" pitchFamily="18" charset="0"/>
+                <a:ea typeface="Symbol" panose="05050102010706020507" pitchFamily="18" charset="2"/>
+                <a:cs typeface="Symbol" panose="05050102010706020507" pitchFamily="18" charset="2"/>
+                <a:sym typeface="+mn-ea"/>
               </a:rPr>
               <a:t>nếu</a:t>
             </a:r>
             <a:r>
-              <a:rPr lang="en-US" sz="1800" b="1" dirty="0">
-                <a:effectLst/>
-                <a:latin typeface="Times New Roman" panose="02020603050405020304" pitchFamily="18" charset="0"/>
-                <a:ea typeface="Symbol" panose="05050102010706020507" pitchFamily="18" charset="2"/>
-                <a:cs typeface="Symbol" panose="05050102010706020507" pitchFamily="18" charset="2"/>
-              </a:rPr>
-              <a:t> </a:t>
-            </a:r>
-            <a:r>
-              <a:rPr lang="en-US" sz="1800" b="1" dirty="0" err="1">
-                <a:effectLst/>
-                <a:latin typeface="Times New Roman" panose="02020603050405020304" pitchFamily="18" charset="0"/>
-                <a:ea typeface="Symbol" panose="05050102010706020507" pitchFamily="18" charset="2"/>
-                <a:cs typeface="Symbol" panose="05050102010706020507" pitchFamily="18" charset="2"/>
+              <a:rPr lang="en-US" sz="2000" b="1" dirty="0">
+                <a:effectLst/>
+                <a:latin typeface="Times New Roman" panose="02020603050405020304" pitchFamily="18" charset="0"/>
+                <a:ea typeface="Symbol" panose="05050102010706020507" pitchFamily="18" charset="2"/>
+                <a:cs typeface="Symbol" panose="05050102010706020507" pitchFamily="18" charset="2"/>
+                <a:sym typeface="+mn-ea"/>
+              </a:rPr>
+              <a:t> </a:t>
+            </a:r>
+            <a:r>
+              <a:rPr lang="en-US" sz="2000" b="1" dirty="0" err="1">
+                <a:effectLst/>
+                <a:latin typeface="Times New Roman" panose="02020603050405020304" pitchFamily="18" charset="0"/>
+                <a:ea typeface="Symbol" panose="05050102010706020507" pitchFamily="18" charset="2"/>
+                <a:cs typeface="Symbol" panose="05050102010706020507" pitchFamily="18" charset="2"/>
+                <a:sym typeface="+mn-ea"/>
               </a:rPr>
               <a:t>chúng</a:t>
             </a:r>
             <a:r>
-              <a:rPr lang="en-US" sz="1800" b="1" dirty="0">
-                <a:effectLst/>
-                <a:latin typeface="Times New Roman" panose="02020603050405020304" pitchFamily="18" charset="0"/>
-                <a:ea typeface="Symbol" panose="05050102010706020507" pitchFamily="18" charset="2"/>
-                <a:cs typeface="Symbol" panose="05050102010706020507" pitchFamily="18" charset="2"/>
-              </a:rPr>
-              <a:t> </a:t>
-            </a:r>
-            <a:r>
-              <a:rPr lang="en-US" sz="1800" b="1" dirty="0" err="1">
-                <a:effectLst/>
-                <a:latin typeface="Times New Roman" panose="02020603050405020304" pitchFamily="18" charset="0"/>
-                <a:ea typeface="Symbol" panose="05050102010706020507" pitchFamily="18" charset="2"/>
-                <a:cs typeface="Symbol" panose="05050102010706020507" pitchFamily="18" charset="2"/>
+              <a:rPr lang="en-US" sz="2000" b="1" dirty="0">
+                <a:effectLst/>
+                <a:latin typeface="Times New Roman" panose="02020603050405020304" pitchFamily="18" charset="0"/>
+                <a:ea typeface="Symbol" panose="05050102010706020507" pitchFamily="18" charset="2"/>
+                <a:cs typeface="Symbol" panose="05050102010706020507" pitchFamily="18" charset="2"/>
+                <a:sym typeface="+mn-ea"/>
+              </a:rPr>
+              <a:t> </a:t>
+            </a:r>
+            <a:r>
+              <a:rPr lang="en-US" sz="2000" b="1" dirty="0" err="1">
+                <a:effectLst/>
+                <a:latin typeface="Times New Roman" panose="02020603050405020304" pitchFamily="18" charset="0"/>
+                <a:ea typeface="Symbol" panose="05050102010706020507" pitchFamily="18" charset="2"/>
+                <a:cs typeface="Symbol" panose="05050102010706020507" pitchFamily="18" charset="2"/>
+                <a:sym typeface="+mn-ea"/>
               </a:rPr>
               <a:t>bị</a:t>
             </a:r>
             <a:r>
-              <a:rPr lang="en-US" sz="1800" b="1" dirty="0">
-                <a:effectLst/>
-                <a:latin typeface="Times New Roman" panose="02020603050405020304" pitchFamily="18" charset="0"/>
-                <a:ea typeface="Symbol" panose="05050102010706020507" pitchFamily="18" charset="2"/>
-                <a:cs typeface="Symbol" panose="05050102010706020507" pitchFamily="18" charset="2"/>
-              </a:rPr>
-              <a:t> </a:t>
-            </a:r>
-            <a:r>
-              <a:rPr lang="en-US" sz="1800" b="1" dirty="0" err="1">
-                <a:effectLst/>
-                <a:latin typeface="Times New Roman" panose="02020603050405020304" pitchFamily="18" charset="0"/>
-                <a:ea typeface="Symbol" panose="05050102010706020507" pitchFamily="18" charset="2"/>
-                <a:cs typeface="Symbol" panose="05050102010706020507" pitchFamily="18" charset="2"/>
+              <a:rPr lang="en-US" sz="2000" b="1" dirty="0">
+                <a:effectLst/>
+                <a:latin typeface="Times New Roman" panose="02020603050405020304" pitchFamily="18" charset="0"/>
+                <a:ea typeface="Symbol" panose="05050102010706020507" pitchFamily="18" charset="2"/>
+                <a:cs typeface="Symbol" panose="05050102010706020507" pitchFamily="18" charset="2"/>
+                <a:sym typeface="+mn-ea"/>
+              </a:rPr>
+              <a:t> </a:t>
+            </a:r>
+            <a:r>
+              <a:rPr lang="en-US" sz="2000" b="1" dirty="0" err="1">
+                <a:effectLst/>
+                <a:latin typeface="Times New Roman" panose="02020603050405020304" pitchFamily="18" charset="0"/>
+                <a:ea typeface="Symbol" panose="05050102010706020507" pitchFamily="18" charset="2"/>
+                <a:cs typeface="Symbol" panose="05050102010706020507" pitchFamily="18" charset="2"/>
+                <a:sym typeface="+mn-ea"/>
               </a:rPr>
               <a:t>bệnh</a:t>
             </a:r>
             <a:r>
-              <a:rPr lang="en-US" sz="1800" b="1" dirty="0">
-                <a:effectLst/>
-                <a:latin typeface="Times New Roman" panose="02020603050405020304" pitchFamily="18" charset="0"/>
-                <a:ea typeface="Symbol" panose="05050102010706020507" pitchFamily="18" charset="2"/>
-                <a:cs typeface="Symbol" panose="05050102010706020507" pitchFamily="18" charset="2"/>
+              <a:rPr lang="en-US" sz="2000" b="1" dirty="0">
+                <a:effectLst/>
+                <a:latin typeface="Times New Roman" panose="02020603050405020304" pitchFamily="18" charset="0"/>
+                <a:ea typeface="Symbol" panose="05050102010706020507" pitchFamily="18" charset="2"/>
+                <a:cs typeface="Symbol" panose="05050102010706020507" pitchFamily="18" charset="2"/>
+                <a:sym typeface="+mn-ea"/>
               </a:rPr>
               <a:t>.</a:t>
             </a:r>
-            <a:endParaRPr lang="en-US" sz="1600" b="1" dirty="0">
+            <a:endParaRPr lang="en-US" sz="2000" b="1" dirty="0">
               <a:effectLst/>
               <a:latin typeface="Times New Roman" panose="02020603050405020304" pitchFamily="18" charset="0"/>
               <a:ea typeface="Symbol" panose="05050102010706020507" pitchFamily="18" charset="2"/>
@@ -5013,213 +5247,236 @@
               </a:tabLst>
             </a:pPr>
             <a:r>
-              <a:rPr lang="en-US" sz="1800" b="1" dirty="0">
-                <a:effectLst/>
-                <a:latin typeface="Times New Roman" panose="02020603050405020304" pitchFamily="18" charset="0"/>
-                <a:ea typeface="Symbol" panose="05050102010706020507" pitchFamily="18" charset="2"/>
-                <a:cs typeface="Symbol" panose="05050102010706020507" pitchFamily="18" charset="2"/>
+              <a:rPr lang="en-US" sz="2000" b="1" dirty="0">
+                <a:effectLst/>
+                <a:latin typeface="Times New Roman" panose="02020603050405020304" pitchFamily="18" charset="0"/>
+                <a:ea typeface="Symbol" panose="05050102010706020507" pitchFamily="18" charset="2"/>
+                <a:cs typeface="Symbol" panose="05050102010706020507" pitchFamily="18" charset="2"/>
+                <a:sym typeface="+mn-ea"/>
               </a:rPr>
               <a:t>Theo </a:t>
             </a:r>
             <a:r>
-              <a:rPr lang="en-US" sz="1800" b="1" dirty="0" err="1">
-                <a:effectLst/>
-                <a:latin typeface="Times New Roman" panose="02020603050405020304" pitchFamily="18" charset="0"/>
-                <a:ea typeface="Symbol" panose="05050102010706020507" pitchFamily="18" charset="2"/>
-                <a:cs typeface="Symbol" panose="05050102010706020507" pitchFamily="18" charset="2"/>
+              <a:rPr lang="en-US" sz="2000" b="1" dirty="0" err="1">
+                <a:effectLst/>
+                <a:latin typeface="Times New Roman" panose="02020603050405020304" pitchFamily="18" charset="0"/>
+                <a:ea typeface="Symbol" panose="05050102010706020507" pitchFamily="18" charset="2"/>
+                <a:cs typeface="Symbol" panose="05050102010706020507" pitchFamily="18" charset="2"/>
+                <a:sym typeface="+mn-ea"/>
               </a:rPr>
               <a:t>dõi</a:t>
             </a:r>
             <a:r>
-              <a:rPr lang="en-US" sz="1800" b="1" dirty="0">
-                <a:effectLst/>
-                <a:latin typeface="Times New Roman" panose="02020603050405020304" pitchFamily="18" charset="0"/>
-                <a:ea typeface="Symbol" panose="05050102010706020507" pitchFamily="18" charset="2"/>
-                <a:cs typeface="Symbol" panose="05050102010706020507" pitchFamily="18" charset="2"/>
-              </a:rPr>
-              <a:t> </a:t>
-            </a:r>
-            <a:r>
-              <a:rPr lang="en-US" sz="1800" b="1" dirty="0" err="1">
-                <a:effectLst/>
-                <a:latin typeface="Times New Roman" panose="02020603050405020304" pitchFamily="18" charset="0"/>
-                <a:ea typeface="Symbol" panose="05050102010706020507" pitchFamily="18" charset="2"/>
-                <a:cs typeface="Symbol" panose="05050102010706020507" pitchFamily="18" charset="2"/>
+              <a:rPr lang="en-US" sz="2000" b="1" dirty="0">
+                <a:effectLst/>
+                <a:latin typeface="Times New Roman" panose="02020603050405020304" pitchFamily="18" charset="0"/>
+                <a:ea typeface="Symbol" panose="05050102010706020507" pitchFamily="18" charset="2"/>
+                <a:cs typeface="Symbol" panose="05050102010706020507" pitchFamily="18" charset="2"/>
+                <a:sym typeface="+mn-ea"/>
+              </a:rPr>
+              <a:t> </a:t>
+            </a:r>
+            <a:r>
+              <a:rPr lang="en-US" sz="2000" b="1" dirty="0" err="1">
+                <a:effectLst/>
+                <a:latin typeface="Times New Roman" panose="02020603050405020304" pitchFamily="18" charset="0"/>
+                <a:ea typeface="Symbol" panose="05050102010706020507" pitchFamily="18" charset="2"/>
+                <a:cs typeface="Symbol" panose="05050102010706020507" pitchFamily="18" charset="2"/>
+                <a:sym typeface="+mn-ea"/>
               </a:rPr>
               <a:t>sự</a:t>
             </a:r>
             <a:r>
-              <a:rPr lang="en-US" sz="1800" b="1" dirty="0">
-                <a:effectLst/>
-                <a:latin typeface="Times New Roman" panose="02020603050405020304" pitchFamily="18" charset="0"/>
-                <a:ea typeface="Symbol" panose="05050102010706020507" pitchFamily="18" charset="2"/>
-                <a:cs typeface="Symbol" panose="05050102010706020507" pitchFamily="18" charset="2"/>
-              </a:rPr>
-              <a:t> </a:t>
-            </a:r>
-            <a:r>
-              <a:rPr lang="en-US" sz="1800" b="1" dirty="0" err="1">
-                <a:effectLst/>
-                <a:latin typeface="Times New Roman" panose="02020603050405020304" pitchFamily="18" charset="0"/>
-                <a:ea typeface="Symbol" panose="05050102010706020507" pitchFamily="18" charset="2"/>
-                <a:cs typeface="Symbol" panose="05050102010706020507" pitchFamily="18" charset="2"/>
+              <a:rPr lang="en-US" sz="2000" b="1" dirty="0">
+                <a:effectLst/>
+                <a:latin typeface="Times New Roman" panose="02020603050405020304" pitchFamily="18" charset="0"/>
+                <a:ea typeface="Symbol" panose="05050102010706020507" pitchFamily="18" charset="2"/>
+                <a:cs typeface="Symbol" panose="05050102010706020507" pitchFamily="18" charset="2"/>
+                <a:sym typeface="+mn-ea"/>
+              </a:rPr>
+              <a:t> </a:t>
+            </a:r>
+            <a:r>
+              <a:rPr lang="en-US" sz="2000" b="1" dirty="0" err="1">
+                <a:effectLst/>
+                <a:latin typeface="Times New Roman" panose="02020603050405020304" pitchFamily="18" charset="0"/>
+                <a:ea typeface="Symbol" panose="05050102010706020507" pitchFamily="18" charset="2"/>
+                <a:cs typeface="Symbol" panose="05050102010706020507" pitchFamily="18" charset="2"/>
+                <a:sym typeface="+mn-ea"/>
               </a:rPr>
               <a:t>phát</a:t>
             </a:r>
             <a:r>
-              <a:rPr lang="en-US" sz="1800" b="1" dirty="0">
-                <a:effectLst/>
-                <a:latin typeface="Times New Roman" panose="02020603050405020304" pitchFamily="18" charset="0"/>
-                <a:ea typeface="Symbol" panose="05050102010706020507" pitchFamily="18" charset="2"/>
-                <a:cs typeface="Symbol" panose="05050102010706020507" pitchFamily="18" charset="2"/>
-              </a:rPr>
-              <a:t> </a:t>
-            </a:r>
-            <a:r>
-              <a:rPr lang="en-US" sz="1800" b="1" dirty="0" err="1">
-                <a:effectLst/>
-                <a:latin typeface="Times New Roman" panose="02020603050405020304" pitchFamily="18" charset="0"/>
-                <a:ea typeface="Symbol" panose="05050102010706020507" pitchFamily="18" charset="2"/>
-                <a:cs typeface="Symbol" panose="05050102010706020507" pitchFamily="18" charset="2"/>
+              <a:rPr lang="en-US" sz="2000" b="1" dirty="0">
+                <a:effectLst/>
+                <a:latin typeface="Times New Roman" panose="02020603050405020304" pitchFamily="18" charset="0"/>
+                <a:ea typeface="Symbol" panose="05050102010706020507" pitchFamily="18" charset="2"/>
+                <a:cs typeface="Symbol" panose="05050102010706020507" pitchFamily="18" charset="2"/>
+                <a:sym typeface="+mn-ea"/>
+              </a:rPr>
+              <a:t> </a:t>
+            </a:r>
+            <a:r>
+              <a:rPr lang="en-US" sz="2000" b="1" dirty="0" err="1">
+                <a:effectLst/>
+                <a:latin typeface="Times New Roman" panose="02020603050405020304" pitchFamily="18" charset="0"/>
+                <a:ea typeface="Symbol" panose="05050102010706020507" pitchFamily="18" charset="2"/>
+                <a:cs typeface="Symbol" panose="05050102010706020507" pitchFamily="18" charset="2"/>
+                <a:sym typeface="+mn-ea"/>
               </a:rPr>
               <a:t>triển</a:t>
             </a:r>
             <a:r>
-              <a:rPr lang="en-US" sz="1800" b="1" dirty="0">
-                <a:effectLst/>
-                <a:latin typeface="Times New Roman" panose="02020603050405020304" pitchFamily="18" charset="0"/>
-                <a:ea typeface="Symbol" panose="05050102010706020507" pitchFamily="18" charset="2"/>
-                <a:cs typeface="Symbol" panose="05050102010706020507" pitchFamily="18" charset="2"/>
+              <a:rPr lang="en-US" sz="2000" b="1" dirty="0">
+                <a:effectLst/>
+                <a:latin typeface="Times New Roman" panose="02020603050405020304" pitchFamily="18" charset="0"/>
+                <a:ea typeface="Symbol" panose="05050102010706020507" pitchFamily="18" charset="2"/>
+                <a:cs typeface="Symbol" panose="05050102010706020507" pitchFamily="18" charset="2"/>
+                <a:sym typeface="+mn-ea"/>
               </a:rPr>
               <a:t>, </a:t>
             </a:r>
             <a:r>
-              <a:rPr lang="en-US" sz="1800" b="1" dirty="0" err="1">
-                <a:effectLst/>
-                <a:latin typeface="Times New Roman" panose="02020603050405020304" pitchFamily="18" charset="0"/>
-                <a:ea typeface="Symbol" panose="05050102010706020507" pitchFamily="18" charset="2"/>
-                <a:cs typeface="Symbol" panose="05050102010706020507" pitchFamily="18" charset="2"/>
+              <a:rPr lang="en-US" sz="2000" b="1" dirty="0" err="1">
+                <a:effectLst/>
+                <a:latin typeface="Times New Roman" panose="02020603050405020304" pitchFamily="18" charset="0"/>
+                <a:ea typeface="Symbol" panose="05050102010706020507" pitchFamily="18" charset="2"/>
+                <a:cs typeface="Symbol" panose="05050102010706020507" pitchFamily="18" charset="2"/>
+                <a:sym typeface="+mn-ea"/>
               </a:rPr>
               <a:t>lai</a:t>
             </a:r>
             <a:r>
-              <a:rPr lang="en-US" sz="1800" b="1" dirty="0">
-                <a:effectLst/>
-                <a:latin typeface="Times New Roman" panose="02020603050405020304" pitchFamily="18" charset="0"/>
-                <a:ea typeface="Symbol" panose="05050102010706020507" pitchFamily="18" charset="2"/>
-                <a:cs typeface="Symbol" panose="05050102010706020507" pitchFamily="18" charset="2"/>
-              </a:rPr>
-              <a:t> </a:t>
-            </a:r>
-            <a:r>
-              <a:rPr lang="en-US" sz="1800" b="1" dirty="0" err="1">
-                <a:effectLst/>
-                <a:latin typeface="Times New Roman" panose="02020603050405020304" pitchFamily="18" charset="0"/>
-                <a:ea typeface="Symbol" panose="05050102010706020507" pitchFamily="18" charset="2"/>
-                <a:cs typeface="Symbol" panose="05050102010706020507" pitchFamily="18" charset="2"/>
+              <a:rPr lang="en-US" sz="2000" b="1" dirty="0">
+                <a:effectLst/>
+                <a:latin typeface="Times New Roman" panose="02020603050405020304" pitchFamily="18" charset="0"/>
+                <a:ea typeface="Symbol" panose="05050102010706020507" pitchFamily="18" charset="2"/>
+                <a:cs typeface="Symbol" panose="05050102010706020507" pitchFamily="18" charset="2"/>
+                <a:sym typeface="+mn-ea"/>
+              </a:rPr>
+              <a:t> </a:t>
+            </a:r>
+            <a:r>
+              <a:rPr lang="en-US" sz="2000" b="1" dirty="0" err="1">
+                <a:effectLst/>
+                <a:latin typeface="Times New Roman" panose="02020603050405020304" pitchFamily="18" charset="0"/>
+                <a:ea typeface="Symbol" panose="05050102010706020507" pitchFamily="18" charset="2"/>
+                <a:cs typeface="Symbol" panose="05050102010706020507" pitchFamily="18" charset="2"/>
+                <a:sym typeface="+mn-ea"/>
               </a:rPr>
               <a:t>giống</a:t>
             </a:r>
             <a:r>
-              <a:rPr lang="en-US" sz="1800" b="1" dirty="0">
-                <a:effectLst/>
-                <a:latin typeface="Times New Roman" panose="02020603050405020304" pitchFamily="18" charset="0"/>
-                <a:ea typeface="Symbol" panose="05050102010706020507" pitchFamily="18" charset="2"/>
-                <a:cs typeface="Symbol" panose="05050102010706020507" pitchFamily="18" charset="2"/>
-              </a:rPr>
-              <a:t> </a:t>
-            </a:r>
-            <a:r>
-              <a:rPr lang="en-US" sz="1800" b="1" dirty="0" err="1">
-                <a:effectLst/>
-                <a:latin typeface="Times New Roman" panose="02020603050405020304" pitchFamily="18" charset="0"/>
-                <a:ea typeface="Symbol" panose="05050102010706020507" pitchFamily="18" charset="2"/>
-                <a:cs typeface="Symbol" panose="05050102010706020507" pitchFamily="18" charset="2"/>
+              <a:rPr lang="en-US" sz="2000" b="1" dirty="0">
+                <a:effectLst/>
+                <a:latin typeface="Times New Roman" panose="02020603050405020304" pitchFamily="18" charset="0"/>
+                <a:ea typeface="Symbol" panose="05050102010706020507" pitchFamily="18" charset="2"/>
+                <a:cs typeface="Symbol" panose="05050102010706020507" pitchFamily="18" charset="2"/>
+                <a:sym typeface="+mn-ea"/>
+              </a:rPr>
+              <a:t> </a:t>
+            </a:r>
+            <a:r>
+              <a:rPr lang="en-US" sz="2000" b="1" dirty="0" err="1">
+                <a:effectLst/>
+                <a:latin typeface="Times New Roman" panose="02020603050405020304" pitchFamily="18" charset="0"/>
+                <a:ea typeface="Symbol" panose="05050102010706020507" pitchFamily="18" charset="2"/>
+                <a:cs typeface="Symbol" panose="05050102010706020507" pitchFamily="18" charset="2"/>
+                <a:sym typeface="+mn-ea"/>
               </a:rPr>
               <a:t>của</a:t>
             </a:r>
             <a:r>
-              <a:rPr lang="en-US" sz="1800" b="1" dirty="0">
-                <a:effectLst/>
-                <a:latin typeface="Times New Roman" panose="02020603050405020304" pitchFamily="18" charset="0"/>
-                <a:ea typeface="Symbol" panose="05050102010706020507" pitchFamily="18" charset="2"/>
-                <a:cs typeface="Symbol" panose="05050102010706020507" pitchFamily="18" charset="2"/>
-              </a:rPr>
-              <a:t> </a:t>
-            </a:r>
-            <a:r>
-              <a:rPr lang="en-US" sz="1800" b="1" dirty="0" err="1">
-                <a:effectLst/>
-                <a:latin typeface="Times New Roman" panose="02020603050405020304" pitchFamily="18" charset="0"/>
-                <a:ea typeface="Symbol" panose="05050102010706020507" pitchFamily="18" charset="2"/>
-                <a:cs typeface="Symbol" panose="05050102010706020507" pitchFamily="18" charset="2"/>
+              <a:rPr lang="en-US" sz="2000" b="1" dirty="0">
+                <a:effectLst/>
+                <a:latin typeface="Times New Roman" panose="02020603050405020304" pitchFamily="18" charset="0"/>
+                <a:ea typeface="Symbol" panose="05050102010706020507" pitchFamily="18" charset="2"/>
+                <a:cs typeface="Symbol" panose="05050102010706020507" pitchFamily="18" charset="2"/>
+                <a:sym typeface="+mn-ea"/>
+              </a:rPr>
+              <a:t> </a:t>
+            </a:r>
+            <a:r>
+              <a:rPr lang="en-US" sz="2000" b="1" dirty="0" err="1">
+                <a:effectLst/>
+                <a:latin typeface="Times New Roman" panose="02020603050405020304" pitchFamily="18" charset="0"/>
+                <a:ea typeface="Symbol" panose="05050102010706020507" pitchFamily="18" charset="2"/>
+                <a:cs typeface="Symbol" panose="05050102010706020507" pitchFamily="18" charset="2"/>
+                <a:sym typeface="+mn-ea"/>
               </a:rPr>
               <a:t>chó</a:t>
             </a:r>
             <a:r>
-              <a:rPr lang="en-US" sz="1800" b="1" dirty="0">
-                <a:effectLst/>
-                <a:latin typeface="Times New Roman" panose="02020603050405020304" pitchFamily="18" charset="0"/>
-                <a:ea typeface="Symbol" panose="05050102010706020507" pitchFamily="18" charset="2"/>
-                <a:cs typeface="Symbol" panose="05050102010706020507" pitchFamily="18" charset="2"/>
-              </a:rPr>
-              <a:t> </a:t>
-            </a:r>
-            <a:r>
-              <a:rPr lang="en-US" sz="1800" b="1" dirty="0" err="1">
-                <a:effectLst/>
-                <a:latin typeface="Times New Roman" panose="02020603050405020304" pitchFamily="18" charset="0"/>
-                <a:ea typeface="Symbol" panose="05050102010706020507" pitchFamily="18" charset="2"/>
-                <a:cs typeface="Symbol" panose="05050102010706020507" pitchFamily="18" charset="2"/>
+              <a:rPr lang="en-US" sz="2000" b="1" dirty="0">
+                <a:effectLst/>
+                <a:latin typeface="Times New Roman" panose="02020603050405020304" pitchFamily="18" charset="0"/>
+                <a:ea typeface="Symbol" panose="05050102010706020507" pitchFamily="18" charset="2"/>
+                <a:cs typeface="Symbol" panose="05050102010706020507" pitchFamily="18" charset="2"/>
+                <a:sym typeface="+mn-ea"/>
+              </a:rPr>
+              <a:t> </a:t>
+            </a:r>
+            <a:r>
+              <a:rPr lang="en-US" sz="2000" b="1" dirty="0" err="1">
+                <a:effectLst/>
+                <a:latin typeface="Times New Roman" panose="02020603050405020304" pitchFamily="18" charset="0"/>
+                <a:ea typeface="Symbol" panose="05050102010706020507" pitchFamily="18" charset="2"/>
+                <a:cs typeface="Symbol" panose="05050102010706020507" pitchFamily="18" charset="2"/>
+                <a:sym typeface="+mn-ea"/>
               </a:rPr>
               <a:t>đã</a:t>
             </a:r>
             <a:r>
-              <a:rPr lang="en-US" sz="1800" b="1" dirty="0">
-                <a:effectLst/>
-                <a:latin typeface="Times New Roman" panose="02020603050405020304" pitchFamily="18" charset="0"/>
-                <a:ea typeface="Symbol" panose="05050102010706020507" pitchFamily="18" charset="2"/>
-                <a:cs typeface="Symbol" panose="05050102010706020507" pitchFamily="18" charset="2"/>
-              </a:rPr>
-              <a:t> </a:t>
-            </a:r>
-            <a:r>
-              <a:rPr lang="en-US" sz="1800" b="1" dirty="0" err="1">
-                <a:effectLst/>
-                <a:latin typeface="Times New Roman" panose="02020603050405020304" pitchFamily="18" charset="0"/>
-                <a:ea typeface="Symbol" panose="05050102010706020507" pitchFamily="18" charset="2"/>
-                <a:cs typeface="Symbol" panose="05050102010706020507" pitchFamily="18" charset="2"/>
+              <a:rPr lang="en-US" sz="2000" b="1" dirty="0">
+                <a:effectLst/>
+                <a:latin typeface="Times New Roman" panose="02020603050405020304" pitchFamily="18" charset="0"/>
+                <a:ea typeface="Symbol" panose="05050102010706020507" pitchFamily="18" charset="2"/>
+                <a:cs typeface="Symbol" panose="05050102010706020507" pitchFamily="18" charset="2"/>
+                <a:sym typeface="+mn-ea"/>
+              </a:rPr>
+              <a:t> </a:t>
+            </a:r>
+            <a:r>
+              <a:rPr lang="en-US" sz="2000" b="1" dirty="0" err="1">
+                <a:effectLst/>
+                <a:latin typeface="Times New Roman" panose="02020603050405020304" pitchFamily="18" charset="0"/>
+                <a:ea typeface="Symbol" panose="05050102010706020507" pitchFamily="18" charset="2"/>
+                <a:cs typeface="Symbol" panose="05050102010706020507" pitchFamily="18" charset="2"/>
+                <a:sym typeface="+mn-ea"/>
               </a:rPr>
               <a:t>được</a:t>
             </a:r>
             <a:r>
-              <a:rPr lang="en-US" sz="1800" b="1" dirty="0">
-                <a:effectLst/>
-                <a:latin typeface="Times New Roman" panose="02020603050405020304" pitchFamily="18" charset="0"/>
-                <a:ea typeface="Symbol" panose="05050102010706020507" pitchFamily="18" charset="2"/>
-                <a:cs typeface="Symbol" panose="05050102010706020507" pitchFamily="18" charset="2"/>
-              </a:rPr>
-              <a:t> </a:t>
-            </a:r>
-            <a:r>
-              <a:rPr lang="en-US" sz="1800" b="1" dirty="0" err="1">
-                <a:effectLst/>
-                <a:latin typeface="Times New Roman" panose="02020603050405020304" pitchFamily="18" charset="0"/>
-                <a:ea typeface="Symbol" panose="05050102010706020507" pitchFamily="18" charset="2"/>
-                <a:cs typeface="Symbol" panose="05050102010706020507" pitchFamily="18" charset="2"/>
+              <a:rPr lang="en-US" sz="2000" b="1" dirty="0">
+                <a:effectLst/>
+                <a:latin typeface="Times New Roman" panose="02020603050405020304" pitchFamily="18" charset="0"/>
+                <a:ea typeface="Symbol" panose="05050102010706020507" pitchFamily="18" charset="2"/>
+                <a:cs typeface="Symbol" panose="05050102010706020507" pitchFamily="18" charset="2"/>
+                <a:sym typeface="+mn-ea"/>
+              </a:rPr>
+              <a:t> </a:t>
+            </a:r>
+            <a:r>
+              <a:rPr lang="en-US" sz="2000" b="1" dirty="0" err="1">
+                <a:effectLst/>
+                <a:latin typeface="Times New Roman" panose="02020603050405020304" pitchFamily="18" charset="0"/>
+                <a:ea typeface="Symbol" panose="05050102010706020507" pitchFamily="18" charset="2"/>
+                <a:cs typeface="Symbol" panose="05050102010706020507" pitchFamily="18" charset="2"/>
+                <a:sym typeface="+mn-ea"/>
               </a:rPr>
               <a:t>lai</a:t>
             </a:r>
             <a:r>
-              <a:rPr lang="en-US" sz="1800" b="1" dirty="0">
-                <a:effectLst/>
-                <a:latin typeface="Times New Roman" panose="02020603050405020304" pitchFamily="18" charset="0"/>
-                <a:ea typeface="Symbol" panose="05050102010706020507" pitchFamily="18" charset="2"/>
-                <a:cs typeface="Symbol" panose="05050102010706020507" pitchFamily="18" charset="2"/>
+              <a:rPr lang="en-US" sz="2000" b="1" dirty="0">
+                <a:effectLst/>
+                <a:latin typeface="Times New Roman" panose="02020603050405020304" pitchFamily="18" charset="0"/>
+                <a:ea typeface="Symbol" panose="05050102010706020507" pitchFamily="18" charset="2"/>
+                <a:cs typeface="Symbol" panose="05050102010706020507" pitchFamily="18" charset="2"/>
+                <a:sym typeface="+mn-ea"/>
               </a:rPr>
               <a:t>.</a:t>
             </a:r>
-            <a:endParaRPr lang="en-US" sz="1600" b="1" dirty="0">
+            <a:endParaRPr lang="en-US" sz="2000" b="1" dirty="0">
               <a:effectLst/>
               <a:latin typeface="Times New Roman" panose="02020603050405020304" pitchFamily="18" charset="0"/>
               <a:ea typeface="Symbol" panose="05050102010706020507" pitchFamily="18" charset="2"/>
@@ -5246,168 +5503,186 @@
               </a:tabLst>
             </a:pPr>
             <a:r>
-              <a:rPr lang="en-US" sz="1800" b="1" dirty="0" err="1">
-                <a:effectLst/>
-                <a:latin typeface="Times New Roman" panose="02020603050405020304" pitchFamily="18" charset="0"/>
-                <a:ea typeface="Symbol" panose="05050102010706020507" pitchFamily="18" charset="2"/>
-                <a:cs typeface="Symbol" panose="05050102010706020507" pitchFamily="18" charset="2"/>
+              <a:rPr lang="en-US" sz="2000" b="1" dirty="0" err="1">
+                <a:effectLst/>
+                <a:latin typeface="Times New Roman" panose="02020603050405020304" pitchFamily="18" charset="0"/>
+                <a:ea typeface="Symbol" panose="05050102010706020507" pitchFamily="18" charset="2"/>
+                <a:cs typeface="Symbol" panose="05050102010706020507" pitchFamily="18" charset="2"/>
+                <a:sym typeface="+mn-ea"/>
               </a:rPr>
               <a:t>Quản</a:t>
             </a:r>
             <a:r>
-              <a:rPr lang="en-US" sz="1800" b="1" dirty="0">
-                <a:effectLst/>
-                <a:latin typeface="Times New Roman" panose="02020603050405020304" pitchFamily="18" charset="0"/>
-                <a:ea typeface="Symbol" panose="05050102010706020507" pitchFamily="18" charset="2"/>
-                <a:cs typeface="Symbol" panose="05050102010706020507" pitchFamily="18" charset="2"/>
-              </a:rPr>
-              <a:t> </a:t>
-            </a:r>
-            <a:r>
-              <a:rPr lang="en-US" sz="1800" b="1" dirty="0" err="1">
-                <a:effectLst/>
-                <a:latin typeface="Times New Roman" panose="02020603050405020304" pitchFamily="18" charset="0"/>
-                <a:ea typeface="Symbol" panose="05050102010706020507" pitchFamily="18" charset="2"/>
-                <a:cs typeface="Symbol" panose="05050102010706020507" pitchFamily="18" charset="2"/>
+              <a:rPr lang="en-US" sz="2000" b="1" dirty="0">
+                <a:effectLst/>
+                <a:latin typeface="Times New Roman" panose="02020603050405020304" pitchFamily="18" charset="0"/>
+                <a:ea typeface="Symbol" panose="05050102010706020507" pitchFamily="18" charset="2"/>
+                <a:cs typeface="Symbol" panose="05050102010706020507" pitchFamily="18" charset="2"/>
+                <a:sym typeface="+mn-ea"/>
+              </a:rPr>
+              <a:t> </a:t>
+            </a:r>
+            <a:r>
+              <a:rPr lang="en-US" sz="2000" b="1" dirty="0" err="1">
+                <a:effectLst/>
+                <a:latin typeface="Times New Roman" panose="02020603050405020304" pitchFamily="18" charset="0"/>
+                <a:ea typeface="Symbol" panose="05050102010706020507" pitchFamily="18" charset="2"/>
+                <a:cs typeface="Symbol" panose="05050102010706020507" pitchFamily="18" charset="2"/>
+                <a:sym typeface="+mn-ea"/>
               </a:rPr>
               <a:t>lý</a:t>
             </a:r>
             <a:r>
-              <a:rPr lang="en-US" sz="1800" b="1" dirty="0">
-                <a:effectLst/>
-                <a:latin typeface="Times New Roman" panose="02020603050405020304" pitchFamily="18" charset="0"/>
-                <a:ea typeface="Symbol" panose="05050102010706020507" pitchFamily="18" charset="2"/>
-                <a:cs typeface="Symbol" panose="05050102010706020507" pitchFamily="18" charset="2"/>
-              </a:rPr>
-              <a:t> </a:t>
-            </a:r>
-            <a:r>
-              <a:rPr lang="en-US" sz="1800" b="1" dirty="0" err="1">
-                <a:effectLst/>
-                <a:latin typeface="Times New Roman" panose="02020603050405020304" pitchFamily="18" charset="0"/>
-                <a:ea typeface="Symbol" panose="05050102010706020507" pitchFamily="18" charset="2"/>
-                <a:cs typeface="Symbol" panose="05050102010706020507" pitchFamily="18" charset="2"/>
+              <a:rPr lang="en-US" sz="2000" b="1" dirty="0">
+                <a:effectLst/>
+                <a:latin typeface="Times New Roman" panose="02020603050405020304" pitchFamily="18" charset="0"/>
+                <a:ea typeface="Symbol" panose="05050102010706020507" pitchFamily="18" charset="2"/>
+                <a:cs typeface="Symbol" panose="05050102010706020507" pitchFamily="18" charset="2"/>
+                <a:sym typeface="+mn-ea"/>
+              </a:rPr>
+              <a:t> </a:t>
+            </a:r>
+            <a:r>
+              <a:rPr lang="en-US" sz="2000" b="1" dirty="0" err="1">
+                <a:effectLst/>
+                <a:latin typeface="Times New Roman" panose="02020603050405020304" pitchFamily="18" charset="0"/>
+                <a:ea typeface="Symbol" panose="05050102010706020507" pitchFamily="18" charset="2"/>
+                <a:cs typeface="Symbol" panose="05050102010706020507" pitchFamily="18" charset="2"/>
+                <a:sym typeface="+mn-ea"/>
               </a:rPr>
               <a:t>được</a:t>
             </a:r>
             <a:r>
-              <a:rPr lang="en-US" sz="1800" b="1" dirty="0">
-                <a:effectLst/>
-                <a:latin typeface="Times New Roman" panose="02020603050405020304" pitchFamily="18" charset="0"/>
-                <a:ea typeface="Symbol" panose="05050102010706020507" pitchFamily="18" charset="2"/>
-                <a:cs typeface="Symbol" panose="05050102010706020507" pitchFamily="18" charset="2"/>
-              </a:rPr>
-              <a:t> </a:t>
-            </a:r>
-            <a:r>
-              <a:rPr lang="en-US" sz="1800" b="1" dirty="0" err="1">
-                <a:effectLst/>
-                <a:latin typeface="Times New Roman" panose="02020603050405020304" pitchFamily="18" charset="0"/>
-                <a:ea typeface="Symbol" panose="05050102010706020507" pitchFamily="18" charset="2"/>
-                <a:cs typeface="Symbol" panose="05050102010706020507" pitchFamily="18" charset="2"/>
+              <a:rPr lang="en-US" sz="2000" b="1" dirty="0">
+                <a:effectLst/>
+                <a:latin typeface="Times New Roman" panose="02020603050405020304" pitchFamily="18" charset="0"/>
+                <a:ea typeface="Symbol" panose="05050102010706020507" pitchFamily="18" charset="2"/>
+                <a:cs typeface="Symbol" panose="05050102010706020507" pitchFamily="18" charset="2"/>
+                <a:sym typeface="+mn-ea"/>
+              </a:rPr>
+              <a:t> </a:t>
+            </a:r>
+            <a:r>
+              <a:rPr lang="en-US" sz="2000" b="1" dirty="0" err="1">
+                <a:effectLst/>
+                <a:latin typeface="Times New Roman" panose="02020603050405020304" pitchFamily="18" charset="0"/>
+                <a:ea typeface="Symbol" panose="05050102010706020507" pitchFamily="18" charset="2"/>
+                <a:cs typeface="Symbol" panose="05050102010706020507" pitchFamily="18" charset="2"/>
+                <a:sym typeface="+mn-ea"/>
               </a:rPr>
               <a:t>nhân</a:t>
             </a:r>
             <a:r>
-              <a:rPr lang="en-US" sz="1800" b="1" dirty="0">
-                <a:effectLst/>
-                <a:latin typeface="Times New Roman" panose="02020603050405020304" pitchFamily="18" charset="0"/>
-                <a:ea typeface="Symbol" panose="05050102010706020507" pitchFamily="18" charset="2"/>
-                <a:cs typeface="Symbol" panose="05050102010706020507" pitchFamily="18" charset="2"/>
-              </a:rPr>
-              <a:t> </a:t>
-            </a:r>
-            <a:r>
-              <a:rPr lang="en-US" sz="1800" b="1" dirty="0" err="1">
-                <a:effectLst/>
-                <a:latin typeface="Times New Roman" panose="02020603050405020304" pitchFamily="18" charset="0"/>
-                <a:ea typeface="Symbol" panose="05050102010706020507" pitchFamily="18" charset="2"/>
-                <a:cs typeface="Symbol" panose="05050102010706020507" pitchFamily="18" charset="2"/>
+              <a:rPr lang="en-US" sz="2000" b="1" dirty="0">
+                <a:effectLst/>
+                <a:latin typeface="Times New Roman" panose="02020603050405020304" pitchFamily="18" charset="0"/>
+                <a:ea typeface="Symbol" panose="05050102010706020507" pitchFamily="18" charset="2"/>
+                <a:cs typeface="Symbol" panose="05050102010706020507" pitchFamily="18" charset="2"/>
+                <a:sym typeface="+mn-ea"/>
+              </a:rPr>
+              <a:t> </a:t>
+            </a:r>
+            <a:r>
+              <a:rPr lang="en-US" sz="2000" b="1" dirty="0" err="1">
+                <a:effectLst/>
+                <a:latin typeface="Times New Roman" panose="02020603050405020304" pitchFamily="18" charset="0"/>
+                <a:ea typeface="Symbol" panose="05050102010706020507" pitchFamily="18" charset="2"/>
+                <a:cs typeface="Symbol" panose="05050102010706020507" pitchFamily="18" charset="2"/>
+                <a:sym typeface="+mn-ea"/>
               </a:rPr>
               <a:t>viên</a:t>
             </a:r>
             <a:r>
-              <a:rPr lang="en-US" sz="1800" b="1" dirty="0">
-                <a:effectLst/>
-                <a:latin typeface="Times New Roman" panose="02020603050405020304" pitchFamily="18" charset="0"/>
-                <a:ea typeface="Symbol" panose="05050102010706020507" pitchFamily="18" charset="2"/>
-                <a:cs typeface="Symbol" panose="05050102010706020507" pitchFamily="18" charset="2"/>
-              </a:rPr>
-              <a:t> </a:t>
-            </a:r>
-            <a:r>
-              <a:rPr lang="en-US" sz="1800" b="1" dirty="0" err="1">
-                <a:effectLst/>
-                <a:latin typeface="Times New Roman" panose="02020603050405020304" pitchFamily="18" charset="0"/>
-                <a:ea typeface="Symbol" panose="05050102010706020507" pitchFamily="18" charset="2"/>
-                <a:cs typeface="Symbol" panose="05050102010706020507" pitchFamily="18" charset="2"/>
+              <a:rPr lang="en-US" sz="2000" b="1" dirty="0">
+                <a:effectLst/>
+                <a:latin typeface="Times New Roman" panose="02020603050405020304" pitchFamily="18" charset="0"/>
+                <a:ea typeface="Symbol" panose="05050102010706020507" pitchFamily="18" charset="2"/>
+                <a:cs typeface="Symbol" panose="05050102010706020507" pitchFamily="18" charset="2"/>
+                <a:sym typeface="+mn-ea"/>
+              </a:rPr>
+              <a:t> </a:t>
+            </a:r>
+            <a:r>
+              <a:rPr lang="en-US" sz="2000" b="1" dirty="0" err="1">
+                <a:effectLst/>
+                <a:latin typeface="Times New Roman" panose="02020603050405020304" pitchFamily="18" charset="0"/>
+                <a:ea typeface="Symbol" panose="05050102010706020507" pitchFamily="18" charset="2"/>
+                <a:cs typeface="Symbol" panose="05050102010706020507" pitchFamily="18" charset="2"/>
+                <a:sym typeface="+mn-ea"/>
               </a:rPr>
               <a:t>có</a:t>
             </a:r>
             <a:r>
-              <a:rPr lang="en-US" sz="1800" b="1" dirty="0">
-                <a:effectLst/>
-                <a:latin typeface="Times New Roman" panose="02020603050405020304" pitchFamily="18" charset="0"/>
-                <a:ea typeface="Symbol" panose="05050102010706020507" pitchFamily="18" charset="2"/>
-                <a:cs typeface="Symbol" panose="05050102010706020507" pitchFamily="18" charset="2"/>
-              </a:rPr>
-              <a:t> </a:t>
-            </a:r>
-            <a:r>
-              <a:rPr lang="en-US" sz="1800" b="1" dirty="0" err="1">
-                <a:effectLst/>
-                <a:latin typeface="Times New Roman" panose="02020603050405020304" pitchFamily="18" charset="0"/>
-                <a:ea typeface="Symbol" panose="05050102010706020507" pitchFamily="18" charset="2"/>
-                <a:cs typeface="Symbol" panose="05050102010706020507" pitchFamily="18" charset="2"/>
+              <a:rPr lang="en-US" sz="2000" b="1" dirty="0">
+                <a:effectLst/>
+                <a:latin typeface="Times New Roman" panose="02020603050405020304" pitchFamily="18" charset="0"/>
+                <a:ea typeface="Symbol" panose="05050102010706020507" pitchFamily="18" charset="2"/>
+                <a:cs typeface="Symbol" panose="05050102010706020507" pitchFamily="18" charset="2"/>
+                <a:sym typeface="+mn-ea"/>
+              </a:rPr>
+              <a:t> </a:t>
+            </a:r>
+            <a:r>
+              <a:rPr lang="en-US" sz="2000" b="1" dirty="0" err="1">
+                <a:effectLst/>
+                <a:latin typeface="Times New Roman" panose="02020603050405020304" pitchFamily="18" charset="0"/>
+                <a:ea typeface="Symbol" panose="05050102010706020507" pitchFamily="18" charset="2"/>
+                <a:cs typeface="Symbol" panose="05050102010706020507" pitchFamily="18" charset="2"/>
+                <a:sym typeface="+mn-ea"/>
               </a:rPr>
               <a:t>trong</a:t>
             </a:r>
             <a:r>
-              <a:rPr lang="en-US" sz="1800" b="1" dirty="0">
-                <a:effectLst/>
-                <a:latin typeface="Times New Roman" panose="02020603050405020304" pitchFamily="18" charset="0"/>
-                <a:ea typeface="Symbol" panose="05050102010706020507" pitchFamily="18" charset="2"/>
-                <a:cs typeface="Symbol" panose="05050102010706020507" pitchFamily="18" charset="2"/>
-              </a:rPr>
-              <a:t> </a:t>
-            </a:r>
-            <a:r>
-              <a:rPr lang="en-US" sz="1800" b="1" dirty="0" err="1">
-                <a:effectLst/>
-                <a:latin typeface="Times New Roman" panose="02020603050405020304" pitchFamily="18" charset="0"/>
-                <a:ea typeface="Symbol" panose="05050102010706020507" pitchFamily="18" charset="2"/>
-                <a:cs typeface="Symbol" panose="05050102010706020507" pitchFamily="18" charset="2"/>
+              <a:rPr lang="en-US" sz="2000" b="1" dirty="0">
+                <a:effectLst/>
+                <a:latin typeface="Times New Roman" panose="02020603050405020304" pitchFamily="18" charset="0"/>
+                <a:ea typeface="Symbol" panose="05050102010706020507" pitchFamily="18" charset="2"/>
+                <a:cs typeface="Symbol" panose="05050102010706020507" pitchFamily="18" charset="2"/>
+                <a:sym typeface="+mn-ea"/>
+              </a:rPr>
+              <a:t> </a:t>
+            </a:r>
+            <a:r>
+              <a:rPr lang="en-US" sz="2000" b="1" dirty="0" err="1">
+                <a:effectLst/>
+                <a:latin typeface="Times New Roman" panose="02020603050405020304" pitchFamily="18" charset="0"/>
+                <a:ea typeface="Symbol" panose="05050102010706020507" pitchFamily="18" charset="2"/>
+                <a:cs typeface="Symbol" panose="05050102010706020507" pitchFamily="18" charset="2"/>
+                <a:sym typeface="+mn-ea"/>
               </a:rPr>
               <a:t>trang</a:t>
             </a:r>
             <a:r>
-              <a:rPr lang="en-US" sz="1800" b="1" dirty="0">
-                <a:effectLst/>
-                <a:latin typeface="Times New Roman" panose="02020603050405020304" pitchFamily="18" charset="0"/>
-                <a:ea typeface="Symbol" panose="05050102010706020507" pitchFamily="18" charset="2"/>
-                <a:cs typeface="Symbol" panose="05050102010706020507" pitchFamily="18" charset="2"/>
-              </a:rPr>
-              <a:t> </a:t>
-            </a:r>
-            <a:r>
-              <a:rPr lang="en-US" sz="1800" b="1" dirty="0" err="1">
-                <a:effectLst/>
-                <a:latin typeface="Times New Roman" panose="02020603050405020304" pitchFamily="18" charset="0"/>
-                <a:ea typeface="Symbol" panose="05050102010706020507" pitchFamily="18" charset="2"/>
-                <a:cs typeface="Symbol" panose="05050102010706020507" pitchFamily="18" charset="2"/>
+              <a:rPr lang="en-US" sz="2000" b="1" dirty="0">
+                <a:effectLst/>
+                <a:latin typeface="Times New Roman" panose="02020603050405020304" pitchFamily="18" charset="0"/>
+                <a:ea typeface="Symbol" panose="05050102010706020507" pitchFamily="18" charset="2"/>
+                <a:cs typeface="Symbol" panose="05050102010706020507" pitchFamily="18" charset="2"/>
+                <a:sym typeface="+mn-ea"/>
+              </a:rPr>
+              <a:t> </a:t>
+            </a:r>
+            <a:r>
+              <a:rPr lang="en-US" sz="2000" b="1" dirty="0" err="1">
+                <a:effectLst/>
+                <a:latin typeface="Times New Roman" panose="02020603050405020304" pitchFamily="18" charset="0"/>
+                <a:ea typeface="Symbol" panose="05050102010706020507" pitchFamily="18" charset="2"/>
+                <a:cs typeface="Symbol" panose="05050102010706020507" pitchFamily="18" charset="2"/>
+                <a:sym typeface="+mn-ea"/>
               </a:rPr>
               <a:t>trại</a:t>
             </a:r>
             <a:r>
-              <a:rPr lang="en-US" sz="1800" b="1" dirty="0">
-                <a:effectLst/>
-                <a:latin typeface="Times New Roman" panose="02020603050405020304" pitchFamily="18" charset="0"/>
-                <a:ea typeface="Symbol" panose="05050102010706020507" pitchFamily="18" charset="2"/>
-                <a:cs typeface="Symbol" panose="05050102010706020507" pitchFamily="18" charset="2"/>
+              <a:rPr lang="en-US" sz="2000" b="1" dirty="0">
+                <a:effectLst/>
+                <a:latin typeface="Times New Roman" panose="02020603050405020304" pitchFamily="18" charset="0"/>
+                <a:ea typeface="Symbol" panose="05050102010706020507" pitchFamily="18" charset="2"/>
+                <a:cs typeface="Symbol" panose="05050102010706020507" pitchFamily="18" charset="2"/>
+                <a:sym typeface="+mn-ea"/>
               </a:rPr>
               <a:t>.</a:t>
             </a:r>
-            <a:endParaRPr lang="en-US" sz="1600" b="1" dirty="0">
+            <a:endParaRPr lang="en-US" sz="2000" b="1" dirty="0">
               <a:effectLst/>
               <a:latin typeface="Times New Roman" panose="02020603050405020304" pitchFamily="18" charset="0"/>
               <a:ea typeface="Symbol" panose="05050102010706020507" pitchFamily="18" charset="2"/>
@@ -5434,132 +5709,146 @@
               </a:tabLst>
             </a:pPr>
             <a:r>
-              <a:rPr lang="en-US" sz="1800" b="1" dirty="0" err="1">
-                <a:effectLst/>
-                <a:latin typeface="Times New Roman" panose="02020603050405020304" pitchFamily="18" charset="0"/>
-                <a:ea typeface="Symbol" panose="05050102010706020507" pitchFamily="18" charset="2"/>
-                <a:cs typeface="Symbol" panose="05050102010706020507" pitchFamily="18" charset="2"/>
+              <a:rPr lang="en-US" sz="2000" b="1" dirty="0" err="1">
+                <a:effectLst/>
+                <a:latin typeface="Times New Roman" panose="02020603050405020304" pitchFamily="18" charset="0"/>
+                <a:ea typeface="Symbol" panose="05050102010706020507" pitchFamily="18" charset="2"/>
+                <a:cs typeface="Symbol" panose="05050102010706020507" pitchFamily="18" charset="2"/>
+                <a:sym typeface="+mn-ea"/>
               </a:rPr>
               <a:t>Thống</a:t>
             </a:r>
             <a:r>
-              <a:rPr lang="en-US" sz="1800" b="1" dirty="0">
-                <a:effectLst/>
-                <a:latin typeface="Times New Roman" panose="02020603050405020304" pitchFamily="18" charset="0"/>
-                <a:ea typeface="Symbol" panose="05050102010706020507" pitchFamily="18" charset="2"/>
-                <a:cs typeface="Symbol" panose="05050102010706020507" pitchFamily="18" charset="2"/>
-              </a:rPr>
-              <a:t> </a:t>
-            </a:r>
-            <a:r>
-              <a:rPr lang="en-US" sz="1800" b="1" dirty="0" err="1">
-                <a:effectLst/>
-                <a:latin typeface="Times New Roman" panose="02020603050405020304" pitchFamily="18" charset="0"/>
-                <a:ea typeface="Symbol" panose="05050102010706020507" pitchFamily="18" charset="2"/>
-                <a:cs typeface="Symbol" panose="05050102010706020507" pitchFamily="18" charset="2"/>
+              <a:rPr lang="en-US" sz="2000" b="1" dirty="0">
+                <a:effectLst/>
+                <a:latin typeface="Times New Roman" panose="02020603050405020304" pitchFamily="18" charset="0"/>
+                <a:ea typeface="Symbol" panose="05050102010706020507" pitchFamily="18" charset="2"/>
+                <a:cs typeface="Symbol" panose="05050102010706020507" pitchFamily="18" charset="2"/>
+                <a:sym typeface="+mn-ea"/>
+              </a:rPr>
+              <a:t> </a:t>
+            </a:r>
+            <a:r>
+              <a:rPr lang="en-US" sz="2000" b="1" dirty="0" err="1">
+                <a:effectLst/>
+                <a:latin typeface="Times New Roman" panose="02020603050405020304" pitchFamily="18" charset="0"/>
+                <a:ea typeface="Symbol" panose="05050102010706020507" pitchFamily="18" charset="2"/>
+                <a:cs typeface="Symbol" panose="05050102010706020507" pitchFamily="18" charset="2"/>
+                <a:sym typeface="+mn-ea"/>
               </a:rPr>
               <a:t>kê</a:t>
             </a:r>
             <a:r>
-              <a:rPr lang="en-US" sz="1800" b="1" dirty="0">
-                <a:effectLst/>
-                <a:latin typeface="Times New Roman" panose="02020603050405020304" pitchFamily="18" charset="0"/>
-                <a:ea typeface="Symbol" panose="05050102010706020507" pitchFamily="18" charset="2"/>
-                <a:cs typeface="Symbol" panose="05050102010706020507" pitchFamily="18" charset="2"/>
-              </a:rPr>
-              <a:t> </a:t>
-            </a:r>
-            <a:r>
-              <a:rPr lang="en-US" sz="1800" b="1" dirty="0" err="1">
-                <a:effectLst/>
-                <a:latin typeface="Times New Roman" panose="02020603050405020304" pitchFamily="18" charset="0"/>
-                <a:ea typeface="Symbol" panose="05050102010706020507" pitchFamily="18" charset="2"/>
-                <a:cs typeface="Symbol" panose="05050102010706020507" pitchFamily="18" charset="2"/>
+              <a:rPr lang="en-US" sz="2000" b="1" dirty="0">
+                <a:effectLst/>
+                <a:latin typeface="Times New Roman" panose="02020603050405020304" pitchFamily="18" charset="0"/>
+                <a:ea typeface="Symbol" panose="05050102010706020507" pitchFamily="18" charset="2"/>
+                <a:cs typeface="Symbol" panose="05050102010706020507" pitchFamily="18" charset="2"/>
+                <a:sym typeface="+mn-ea"/>
+              </a:rPr>
+              <a:t> </a:t>
+            </a:r>
+            <a:r>
+              <a:rPr lang="en-US" sz="2000" b="1" dirty="0" err="1">
+                <a:effectLst/>
+                <a:latin typeface="Times New Roman" panose="02020603050405020304" pitchFamily="18" charset="0"/>
+                <a:ea typeface="Symbol" panose="05050102010706020507" pitchFamily="18" charset="2"/>
+                <a:cs typeface="Symbol" panose="05050102010706020507" pitchFamily="18" charset="2"/>
+                <a:sym typeface="+mn-ea"/>
               </a:rPr>
               <a:t>thông</a:t>
             </a:r>
             <a:r>
-              <a:rPr lang="en-US" sz="1800" b="1" dirty="0">
-                <a:effectLst/>
-                <a:latin typeface="Times New Roman" panose="02020603050405020304" pitchFamily="18" charset="0"/>
-                <a:ea typeface="Symbol" panose="05050102010706020507" pitchFamily="18" charset="2"/>
-                <a:cs typeface="Symbol" panose="05050102010706020507" pitchFamily="18" charset="2"/>
+              <a:rPr lang="en-US" sz="2000" b="1" dirty="0">
+                <a:effectLst/>
+                <a:latin typeface="Times New Roman" panose="02020603050405020304" pitchFamily="18" charset="0"/>
+                <a:ea typeface="Symbol" panose="05050102010706020507" pitchFamily="18" charset="2"/>
+                <a:cs typeface="Symbol" panose="05050102010706020507" pitchFamily="18" charset="2"/>
+                <a:sym typeface="+mn-ea"/>
               </a:rPr>
               <a:t> tin </a:t>
             </a:r>
             <a:r>
-              <a:rPr lang="en-US" sz="1800" b="1" dirty="0" err="1">
-                <a:effectLst/>
-                <a:latin typeface="Times New Roman" panose="02020603050405020304" pitchFamily="18" charset="0"/>
-                <a:ea typeface="Symbol" panose="05050102010706020507" pitchFamily="18" charset="2"/>
-                <a:cs typeface="Symbol" panose="05050102010706020507" pitchFamily="18" charset="2"/>
+              <a:rPr lang="en-US" sz="2000" b="1" dirty="0" err="1">
+                <a:effectLst/>
+                <a:latin typeface="Times New Roman" panose="02020603050405020304" pitchFamily="18" charset="0"/>
+                <a:ea typeface="Symbol" panose="05050102010706020507" pitchFamily="18" charset="2"/>
+                <a:cs typeface="Symbol" panose="05050102010706020507" pitchFamily="18" charset="2"/>
+                <a:sym typeface="+mn-ea"/>
               </a:rPr>
               <a:t>một</a:t>
             </a:r>
             <a:r>
-              <a:rPr lang="en-US" sz="1800" b="1" dirty="0">
-                <a:effectLst/>
-                <a:latin typeface="Times New Roman" panose="02020603050405020304" pitchFamily="18" charset="0"/>
-                <a:ea typeface="Symbol" panose="05050102010706020507" pitchFamily="18" charset="2"/>
-                <a:cs typeface="Symbol" panose="05050102010706020507" pitchFamily="18" charset="2"/>
-              </a:rPr>
-              <a:t> </a:t>
-            </a:r>
-            <a:r>
-              <a:rPr lang="en-US" sz="1800" b="1" dirty="0" err="1">
-                <a:effectLst/>
-                <a:latin typeface="Times New Roman" panose="02020603050405020304" pitchFamily="18" charset="0"/>
-                <a:ea typeface="Symbol" panose="05050102010706020507" pitchFamily="18" charset="2"/>
-                <a:cs typeface="Symbol" panose="05050102010706020507" pitchFamily="18" charset="2"/>
+              <a:rPr lang="en-US" sz="2000" b="1" dirty="0">
+                <a:effectLst/>
+                <a:latin typeface="Times New Roman" panose="02020603050405020304" pitchFamily="18" charset="0"/>
+                <a:ea typeface="Symbol" panose="05050102010706020507" pitchFamily="18" charset="2"/>
+                <a:cs typeface="Symbol" panose="05050102010706020507" pitchFamily="18" charset="2"/>
+                <a:sym typeface="+mn-ea"/>
+              </a:rPr>
+              <a:t> </a:t>
+            </a:r>
+            <a:r>
+              <a:rPr lang="en-US" sz="2000" b="1" dirty="0" err="1">
+                <a:effectLst/>
+                <a:latin typeface="Times New Roman" panose="02020603050405020304" pitchFamily="18" charset="0"/>
+                <a:ea typeface="Symbol" panose="05050102010706020507" pitchFamily="18" charset="2"/>
+                <a:cs typeface="Symbol" panose="05050102010706020507" pitchFamily="18" charset="2"/>
+                <a:sym typeface="+mn-ea"/>
               </a:rPr>
               <a:t>cách</a:t>
             </a:r>
             <a:r>
-              <a:rPr lang="en-US" sz="1800" b="1" dirty="0">
-                <a:effectLst/>
-                <a:latin typeface="Times New Roman" panose="02020603050405020304" pitchFamily="18" charset="0"/>
-                <a:ea typeface="Symbol" panose="05050102010706020507" pitchFamily="18" charset="2"/>
-                <a:cs typeface="Symbol" panose="05050102010706020507" pitchFamily="18" charset="2"/>
-              </a:rPr>
-              <a:t> </a:t>
-            </a:r>
-            <a:r>
-              <a:rPr lang="en-US" sz="1800" b="1" dirty="0" err="1">
-                <a:effectLst/>
-                <a:latin typeface="Times New Roman" panose="02020603050405020304" pitchFamily="18" charset="0"/>
-                <a:ea typeface="Symbol" panose="05050102010706020507" pitchFamily="18" charset="2"/>
-                <a:cs typeface="Symbol" panose="05050102010706020507" pitchFamily="18" charset="2"/>
+              <a:rPr lang="en-US" sz="2000" b="1" dirty="0">
+                <a:effectLst/>
+                <a:latin typeface="Times New Roman" panose="02020603050405020304" pitchFamily="18" charset="0"/>
+                <a:ea typeface="Symbol" panose="05050102010706020507" pitchFamily="18" charset="2"/>
+                <a:cs typeface="Symbol" panose="05050102010706020507" pitchFamily="18" charset="2"/>
+                <a:sym typeface="+mn-ea"/>
+              </a:rPr>
+              <a:t> </a:t>
+            </a:r>
+            <a:r>
+              <a:rPr lang="en-US" sz="2000" b="1" dirty="0" err="1">
+                <a:effectLst/>
+                <a:latin typeface="Times New Roman" panose="02020603050405020304" pitchFamily="18" charset="0"/>
+                <a:ea typeface="Symbol" panose="05050102010706020507" pitchFamily="18" charset="2"/>
+                <a:cs typeface="Symbol" panose="05050102010706020507" pitchFamily="18" charset="2"/>
+                <a:sym typeface="+mn-ea"/>
               </a:rPr>
               <a:t>trực</a:t>
             </a:r>
             <a:r>
-              <a:rPr lang="en-US" sz="1800" b="1" dirty="0">
-                <a:effectLst/>
-                <a:latin typeface="Times New Roman" panose="02020603050405020304" pitchFamily="18" charset="0"/>
-                <a:ea typeface="Symbol" panose="05050102010706020507" pitchFamily="18" charset="2"/>
-                <a:cs typeface="Symbol" panose="05050102010706020507" pitchFamily="18" charset="2"/>
-              </a:rPr>
-              <a:t> </a:t>
-            </a:r>
-            <a:r>
-              <a:rPr lang="en-US" sz="1800" b="1" dirty="0" err="1">
-                <a:effectLst/>
-                <a:latin typeface="Times New Roman" panose="02020603050405020304" pitchFamily="18" charset="0"/>
-                <a:ea typeface="Symbol" panose="05050102010706020507" pitchFamily="18" charset="2"/>
-                <a:cs typeface="Symbol" panose="05050102010706020507" pitchFamily="18" charset="2"/>
+              <a:rPr lang="en-US" sz="2000" b="1" dirty="0">
+                <a:effectLst/>
+                <a:latin typeface="Times New Roman" panose="02020603050405020304" pitchFamily="18" charset="0"/>
+                <a:ea typeface="Symbol" panose="05050102010706020507" pitchFamily="18" charset="2"/>
+                <a:cs typeface="Symbol" panose="05050102010706020507" pitchFamily="18" charset="2"/>
+                <a:sym typeface="+mn-ea"/>
+              </a:rPr>
+              <a:t> </a:t>
+            </a:r>
+            <a:r>
+              <a:rPr lang="en-US" sz="2000" b="1" dirty="0" err="1">
+                <a:effectLst/>
+                <a:latin typeface="Times New Roman" panose="02020603050405020304" pitchFamily="18" charset="0"/>
+                <a:ea typeface="Symbol" panose="05050102010706020507" pitchFamily="18" charset="2"/>
+                <a:cs typeface="Symbol" panose="05050102010706020507" pitchFamily="18" charset="2"/>
+                <a:sym typeface="+mn-ea"/>
               </a:rPr>
               <a:t>quan</a:t>
             </a:r>
             <a:r>
-              <a:rPr lang="en-US" sz="1800" b="1" dirty="0">
-                <a:effectLst/>
-                <a:latin typeface="Times New Roman" panose="02020603050405020304" pitchFamily="18" charset="0"/>
-                <a:ea typeface="Symbol" panose="05050102010706020507" pitchFamily="18" charset="2"/>
-                <a:cs typeface="Symbol" panose="05050102010706020507" pitchFamily="18" charset="2"/>
+              <a:rPr lang="en-US" sz="2000" b="1" dirty="0">
+                <a:effectLst/>
+                <a:latin typeface="Times New Roman" panose="02020603050405020304" pitchFamily="18" charset="0"/>
+                <a:ea typeface="Symbol" panose="05050102010706020507" pitchFamily="18" charset="2"/>
+                <a:cs typeface="Symbol" panose="05050102010706020507" pitchFamily="18" charset="2"/>
+                <a:sym typeface="+mn-ea"/>
               </a:rPr>
               <a:t>.</a:t>
             </a:r>
-            <a:endParaRPr lang="en-US" sz="1600" b="1" dirty="0">
+            <a:endParaRPr lang="en-US" sz="2000" b="1" dirty="0">
               <a:effectLst/>
               <a:latin typeface="Times New Roman" panose="02020603050405020304" pitchFamily="18" charset="0"/>
               <a:ea typeface="Symbol" panose="05050102010706020507" pitchFamily="18" charset="2"/>
@@ -5586,456 +5875,506 @@
               </a:tabLst>
             </a:pPr>
             <a:r>
-              <a:rPr lang="en-US" sz="1800" b="1" dirty="0" err="1">
-                <a:effectLst/>
-                <a:latin typeface="Times New Roman" panose="02020603050405020304" pitchFamily="18" charset="0"/>
-                <a:ea typeface="Symbol" panose="05050102010706020507" pitchFamily="18" charset="2"/>
-                <a:cs typeface="Symbol" panose="05050102010706020507" pitchFamily="18" charset="2"/>
+              <a:rPr lang="en-US" sz="2000" b="1" dirty="0" err="1">
+                <a:effectLst/>
+                <a:latin typeface="Times New Roman" panose="02020603050405020304" pitchFamily="18" charset="0"/>
+                <a:ea typeface="Symbol" panose="05050102010706020507" pitchFamily="18" charset="2"/>
+                <a:cs typeface="Symbol" panose="05050102010706020507" pitchFamily="18" charset="2"/>
+                <a:sym typeface="+mn-ea"/>
               </a:rPr>
               <a:t>Ứng</a:t>
             </a:r>
             <a:r>
-              <a:rPr lang="en-US" sz="1800" b="1" dirty="0">
-                <a:effectLst/>
-                <a:latin typeface="Times New Roman" panose="02020603050405020304" pitchFamily="18" charset="0"/>
-                <a:ea typeface="Symbol" panose="05050102010706020507" pitchFamily="18" charset="2"/>
-                <a:cs typeface="Symbol" panose="05050102010706020507" pitchFamily="18" charset="2"/>
-              </a:rPr>
-              <a:t> </a:t>
-            </a:r>
-            <a:r>
-              <a:rPr lang="en-US" sz="1800" b="1" dirty="0" err="1">
-                <a:effectLst/>
-                <a:latin typeface="Times New Roman" panose="02020603050405020304" pitchFamily="18" charset="0"/>
-                <a:ea typeface="Symbol" panose="05050102010706020507" pitchFamily="18" charset="2"/>
-                <a:cs typeface="Symbol" panose="05050102010706020507" pitchFamily="18" charset="2"/>
+              <a:rPr lang="en-US" sz="2000" b="1" dirty="0">
+                <a:effectLst/>
+                <a:latin typeface="Times New Roman" panose="02020603050405020304" pitchFamily="18" charset="0"/>
+                <a:ea typeface="Symbol" panose="05050102010706020507" pitchFamily="18" charset="2"/>
+                <a:cs typeface="Symbol" panose="05050102010706020507" pitchFamily="18" charset="2"/>
+                <a:sym typeface="+mn-ea"/>
+              </a:rPr>
+              <a:t> </a:t>
+            </a:r>
+            <a:r>
+              <a:rPr lang="en-US" sz="2000" b="1" dirty="0" err="1">
+                <a:effectLst/>
+                <a:latin typeface="Times New Roman" panose="02020603050405020304" pitchFamily="18" charset="0"/>
+                <a:ea typeface="Symbol" panose="05050102010706020507" pitchFamily="18" charset="2"/>
+                <a:cs typeface="Symbol" panose="05050102010706020507" pitchFamily="18" charset="2"/>
+                <a:sym typeface="+mn-ea"/>
               </a:rPr>
               <a:t>dụng</a:t>
             </a:r>
             <a:r>
-              <a:rPr lang="en-US" sz="1800" b="1" dirty="0">
-                <a:effectLst/>
-                <a:latin typeface="Times New Roman" panose="02020603050405020304" pitchFamily="18" charset="0"/>
-                <a:ea typeface="Symbol" panose="05050102010706020507" pitchFamily="18" charset="2"/>
-                <a:cs typeface="Symbol" panose="05050102010706020507" pitchFamily="18" charset="2"/>
-              </a:rPr>
-              <a:t> </a:t>
-            </a:r>
-            <a:r>
-              <a:rPr lang="en-US" sz="1800" b="1" dirty="0" err="1">
-                <a:effectLst/>
-                <a:latin typeface="Times New Roman" panose="02020603050405020304" pitchFamily="18" charset="0"/>
-                <a:ea typeface="Symbol" panose="05050102010706020507" pitchFamily="18" charset="2"/>
-                <a:cs typeface="Symbol" panose="05050102010706020507" pitchFamily="18" charset="2"/>
+              <a:rPr lang="en-US" sz="2000" b="1" dirty="0">
+                <a:effectLst/>
+                <a:latin typeface="Times New Roman" panose="02020603050405020304" pitchFamily="18" charset="0"/>
+                <a:ea typeface="Symbol" panose="05050102010706020507" pitchFamily="18" charset="2"/>
+                <a:cs typeface="Symbol" panose="05050102010706020507" pitchFamily="18" charset="2"/>
+                <a:sym typeface="+mn-ea"/>
+              </a:rPr>
+              <a:t> </a:t>
+            </a:r>
+            <a:r>
+              <a:rPr lang="en-US" sz="2000" b="1" dirty="0" err="1">
+                <a:effectLst/>
+                <a:latin typeface="Times New Roman" panose="02020603050405020304" pitchFamily="18" charset="0"/>
+                <a:ea typeface="Symbol" panose="05050102010706020507" pitchFamily="18" charset="2"/>
+                <a:cs typeface="Symbol" panose="05050102010706020507" pitchFamily="18" charset="2"/>
+                <a:sym typeface="+mn-ea"/>
               </a:rPr>
               <a:t>Công</a:t>
             </a:r>
             <a:r>
-              <a:rPr lang="en-US" sz="1800" b="1" dirty="0">
-                <a:effectLst/>
-                <a:latin typeface="Times New Roman" panose="02020603050405020304" pitchFamily="18" charset="0"/>
-                <a:ea typeface="Symbol" panose="05050102010706020507" pitchFamily="18" charset="2"/>
-                <a:cs typeface="Symbol" panose="05050102010706020507" pitchFamily="18" charset="2"/>
-              </a:rPr>
-              <a:t> </a:t>
-            </a:r>
-            <a:r>
-              <a:rPr lang="en-US" sz="1800" b="1" dirty="0" err="1">
-                <a:effectLst/>
-                <a:latin typeface="Times New Roman" panose="02020603050405020304" pitchFamily="18" charset="0"/>
-                <a:ea typeface="Symbol" panose="05050102010706020507" pitchFamily="18" charset="2"/>
-                <a:cs typeface="Symbol" panose="05050102010706020507" pitchFamily="18" charset="2"/>
+              <a:rPr lang="en-US" sz="2000" b="1" dirty="0">
+                <a:effectLst/>
+                <a:latin typeface="Times New Roman" panose="02020603050405020304" pitchFamily="18" charset="0"/>
+                <a:ea typeface="Symbol" panose="05050102010706020507" pitchFamily="18" charset="2"/>
+                <a:cs typeface="Symbol" panose="05050102010706020507" pitchFamily="18" charset="2"/>
+                <a:sym typeface="+mn-ea"/>
+              </a:rPr>
+              <a:t> </a:t>
+            </a:r>
+            <a:r>
+              <a:rPr lang="en-US" sz="2000" b="1" dirty="0" err="1">
+                <a:effectLst/>
+                <a:latin typeface="Times New Roman" panose="02020603050405020304" pitchFamily="18" charset="0"/>
+                <a:ea typeface="Symbol" panose="05050102010706020507" pitchFamily="18" charset="2"/>
+                <a:cs typeface="Symbol" panose="05050102010706020507" pitchFamily="18" charset="2"/>
+                <a:sym typeface="+mn-ea"/>
               </a:rPr>
               <a:t>nghệ</a:t>
             </a:r>
             <a:r>
-              <a:rPr lang="en-US" sz="1800" b="1" dirty="0">
-                <a:effectLst/>
-                <a:latin typeface="Times New Roman" panose="02020603050405020304" pitchFamily="18" charset="0"/>
-                <a:ea typeface="Symbol" panose="05050102010706020507" pitchFamily="18" charset="2"/>
-                <a:cs typeface="Symbol" panose="05050102010706020507" pitchFamily="18" charset="2"/>
-              </a:rPr>
-              <a:t> </a:t>
-            </a:r>
-            <a:r>
-              <a:rPr lang="en-US" sz="1800" b="1" dirty="0" err="1">
-                <a:effectLst/>
-                <a:latin typeface="Times New Roman" panose="02020603050405020304" pitchFamily="18" charset="0"/>
-                <a:ea typeface="Symbol" panose="05050102010706020507" pitchFamily="18" charset="2"/>
-                <a:cs typeface="Symbol" panose="05050102010706020507" pitchFamily="18" charset="2"/>
+              <a:rPr lang="en-US" sz="2000" b="1" dirty="0">
+                <a:effectLst/>
+                <a:latin typeface="Times New Roman" panose="02020603050405020304" pitchFamily="18" charset="0"/>
+                <a:ea typeface="Symbol" panose="05050102010706020507" pitchFamily="18" charset="2"/>
+                <a:cs typeface="Symbol" panose="05050102010706020507" pitchFamily="18" charset="2"/>
+                <a:sym typeface="+mn-ea"/>
+              </a:rPr>
+              <a:t> </a:t>
+            </a:r>
+            <a:r>
+              <a:rPr lang="en-US" sz="2000" b="1" dirty="0" err="1">
+                <a:effectLst/>
+                <a:latin typeface="Times New Roman" panose="02020603050405020304" pitchFamily="18" charset="0"/>
+                <a:ea typeface="Symbol" panose="05050102010706020507" pitchFamily="18" charset="2"/>
+                <a:cs typeface="Symbol" panose="05050102010706020507" pitchFamily="18" charset="2"/>
+                <a:sym typeface="+mn-ea"/>
               </a:rPr>
               <a:t>Thông</a:t>
             </a:r>
             <a:r>
-              <a:rPr lang="en-US" sz="1800" b="1" dirty="0">
-                <a:effectLst/>
-                <a:latin typeface="Times New Roman" panose="02020603050405020304" pitchFamily="18" charset="0"/>
-                <a:ea typeface="Symbol" panose="05050102010706020507" pitchFamily="18" charset="2"/>
-                <a:cs typeface="Symbol" panose="05050102010706020507" pitchFamily="18" charset="2"/>
+              <a:rPr lang="en-US" sz="2000" b="1" dirty="0">
+                <a:effectLst/>
+                <a:latin typeface="Times New Roman" panose="02020603050405020304" pitchFamily="18" charset="0"/>
+                <a:ea typeface="Symbol" panose="05050102010706020507" pitchFamily="18" charset="2"/>
+                <a:cs typeface="Symbol" panose="05050102010706020507" pitchFamily="18" charset="2"/>
+                <a:sym typeface="+mn-ea"/>
               </a:rPr>
               <a:t> tin </a:t>
             </a:r>
             <a:r>
-              <a:rPr lang="en-US" sz="1800" b="1" dirty="0" err="1">
-                <a:effectLst/>
-                <a:latin typeface="Times New Roman" panose="02020603050405020304" pitchFamily="18" charset="0"/>
-                <a:ea typeface="Symbol" panose="05050102010706020507" pitchFamily="18" charset="2"/>
-                <a:cs typeface="Symbol" panose="05050102010706020507" pitchFamily="18" charset="2"/>
+              <a:rPr lang="en-US" sz="2000" b="1" dirty="0" err="1">
+                <a:effectLst/>
+                <a:latin typeface="Times New Roman" panose="02020603050405020304" pitchFamily="18" charset="0"/>
+                <a:ea typeface="Symbol" panose="05050102010706020507" pitchFamily="18" charset="2"/>
+                <a:cs typeface="Symbol" panose="05050102010706020507" pitchFamily="18" charset="2"/>
+                <a:sym typeface="+mn-ea"/>
               </a:rPr>
               <a:t>vào</a:t>
             </a:r>
             <a:r>
-              <a:rPr lang="en-US" sz="1800" b="1" dirty="0">
-                <a:effectLst/>
-                <a:latin typeface="Times New Roman" panose="02020603050405020304" pitchFamily="18" charset="0"/>
-                <a:ea typeface="Symbol" panose="05050102010706020507" pitchFamily="18" charset="2"/>
-                <a:cs typeface="Symbol" panose="05050102010706020507" pitchFamily="18" charset="2"/>
-              </a:rPr>
-              <a:t> </a:t>
-            </a:r>
-            <a:r>
-              <a:rPr lang="en-US" sz="1800" b="1" dirty="0" err="1">
-                <a:effectLst/>
-                <a:latin typeface="Times New Roman" panose="02020603050405020304" pitchFamily="18" charset="0"/>
-                <a:ea typeface="Symbol" panose="05050102010706020507" pitchFamily="18" charset="2"/>
-                <a:cs typeface="Symbol" panose="05050102010706020507" pitchFamily="18" charset="2"/>
+              <a:rPr lang="en-US" sz="2000" b="1" dirty="0">
+                <a:effectLst/>
+                <a:latin typeface="Times New Roman" panose="02020603050405020304" pitchFamily="18" charset="0"/>
+                <a:ea typeface="Symbol" panose="05050102010706020507" pitchFamily="18" charset="2"/>
+                <a:cs typeface="Symbol" panose="05050102010706020507" pitchFamily="18" charset="2"/>
+                <a:sym typeface="+mn-ea"/>
+              </a:rPr>
+              <a:t> </a:t>
+            </a:r>
+            <a:r>
+              <a:rPr lang="en-US" sz="2000" b="1" dirty="0" err="1">
+                <a:effectLst/>
+                <a:latin typeface="Times New Roman" panose="02020603050405020304" pitchFamily="18" charset="0"/>
+                <a:ea typeface="Symbol" panose="05050102010706020507" pitchFamily="18" charset="2"/>
+                <a:cs typeface="Symbol" panose="05050102010706020507" pitchFamily="18" charset="2"/>
+                <a:sym typeface="+mn-ea"/>
               </a:rPr>
               <a:t>việc</a:t>
             </a:r>
             <a:r>
-              <a:rPr lang="en-US" sz="1800" b="1" dirty="0">
-                <a:effectLst/>
-                <a:latin typeface="Times New Roman" panose="02020603050405020304" pitchFamily="18" charset="0"/>
-                <a:ea typeface="Symbol" panose="05050102010706020507" pitchFamily="18" charset="2"/>
-                <a:cs typeface="Symbol" panose="05050102010706020507" pitchFamily="18" charset="2"/>
-              </a:rPr>
-              <a:t> </a:t>
-            </a:r>
-            <a:r>
-              <a:rPr lang="en-US" sz="1800" b="1" dirty="0" err="1">
-                <a:effectLst/>
-                <a:latin typeface="Times New Roman" panose="02020603050405020304" pitchFamily="18" charset="0"/>
-                <a:ea typeface="Symbol" panose="05050102010706020507" pitchFamily="18" charset="2"/>
-                <a:cs typeface="Symbol" panose="05050102010706020507" pitchFamily="18" charset="2"/>
+              <a:rPr lang="en-US" sz="2000" b="1" dirty="0">
+                <a:effectLst/>
+                <a:latin typeface="Times New Roman" panose="02020603050405020304" pitchFamily="18" charset="0"/>
+                <a:ea typeface="Symbol" panose="05050102010706020507" pitchFamily="18" charset="2"/>
+                <a:cs typeface="Symbol" panose="05050102010706020507" pitchFamily="18" charset="2"/>
+                <a:sym typeface="+mn-ea"/>
+              </a:rPr>
+              <a:t> </a:t>
+            </a:r>
+            <a:r>
+              <a:rPr lang="en-US" sz="2000" b="1" dirty="0" err="1">
+                <a:effectLst/>
+                <a:latin typeface="Times New Roman" panose="02020603050405020304" pitchFamily="18" charset="0"/>
+                <a:ea typeface="Symbol" panose="05050102010706020507" pitchFamily="18" charset="2"/>
+                <a:cs typeface="Symbol" panose="05050102010706020507" pitchFamily="18" charset="2"/>
+                <a:sym typeface="+mn-ea"/>
               </a:rPr>
               <a:t>giảm</a:t>
             </a:r>
             <a:r>
-              <a:rPr lang="en-US" sz="1800" b="1" dirty="0">
-                <a:effectLst/>
-                <a:latin typeface="Times New Roman" panose="02020603050405020304" pitchFamily="18" charset="0"/>
-                <a:ea typeface="Symbol" panose="05050102010706020507" pitchFamily="18" charset="2"/>
-                <a:cs typeface="Symbol" panose="05050102010706020507" pitchFamily="18" charset="2"/>
-              </a:rPr>
-              <a:t> </a:t>
-            </a:r>
-            <a:r>
-              <a:rPr lang="en-US" sz="1800" b="1" dirty="0" err="1">
-                <a:effectLst/>
-                <a:latin typeface="Times New Roman" panose="02020603050405020304" pitchFamily="18" charset="0"/>
-                <a:ea typeface="Symbol" panose="05050102010706020507" pitchFamily="18" charset="2"/>
-                <a:cs typeface="Symbol" panose="05050102010706020507" pitchFamily="18" charset="2"/>
+              <a:rPr lang="en-US" sz="2000" b="1" dirty="0">
+                <a:effectLst/>
+                <a:latin typeface="Times New Roman" panose="02020603050405020304" pitchFamily="18" charset="0"/>
+                <a:ea typeface="Symbol" panose="05050102010706020507" pitchFamily="18" charset="2"/>
+                <a:cs typeface="Symbol" panose="05050102010706020507" pitchFamily="18" charset="2"/>
+                <a:sym typeface="+mn-ea"/>
+              </a:rPr>
+              <a:t> </a:t>
+            </a:r>
+            <a:r>
+              <a:rPr lang="en-US" sz="2000" b="1" dirty="0" err="1">
+                <a:effectLst/>
+                <a:latin typeface="Times New Roman" panose="02020603050405020304" pitchFamily="18" charset="0"/>
+                <a:ea typeface="Symbol" panose="05050102010706020507" pitchFamily="18" charset="2"/>
+                <a:cs typeface="Symbol" panose="05050102010706020507" pitchFamily="18" charset="2"/>
+                <a:sym typeface="+mn-ea"/>
               </a:rPr>
               <a:t>thiểu</a:t>
             </a:r>
             <a:r>
-              <a:rPr lang="en-US" sz="1800" b="1" dirty="0">
-                <a:effectLst/>
-                <a:latin typeface="Times New Roman" panose="02020603050405020304" pitchFamily="18" charset="0"/>
-                <a:ea typeface="Symbol" panose="05050102010706020507" pitchFamily="18" charset="2"/>
-                <a:cs typeface="Symbol" panose="05050102010706020507" pitchFamily="18" charset="2"/>
-              </a:rPr>
-              <a:t> </a:t>
-            </a:r>
-            <a:r>
-              <a:rPr lang="en-US" sz="1800" b="1" dirty="0" err="1">
-                <a:effectLst/>
-                <a:latin typeface="Times New Roman" panose="02020603050405020304" pitchFamily="18" charset="0"/>
-                <a:ea typeface="Symbol" panose="05050102010706020507" pitchFamily="18" charset="2"/>
-                <a:cs typeface="Symbol" panose="05050102010706020507" pitchFamily="18" charset="2"/>
+              <a:rPr lang="en-US" sz="2000" b="1" dirty="0">
+                <a:effectLst/>
+                <a:latin typeface="Times New Roman" panose="02020603050405020304" pitchFamily="18" charset="0"/>
+                <a:ea typeface="Symbol" panose="05050102010706020507" pitchFamily="18" charset="2"/>
+                <a:cs typeface="Symbol" panose="05050102010706020507" pitchFamily="18" charset="2"/>
+                <a:sym typeface="+mn-ea"/>
+              </a:rPr>
+              <a:t> </a:t>
+            </a:r>
+            <a:r>
+              <a:rPr lang="en-US" sz="2000" b="1" dirty="0" err="1">
+                <a:effectLst/>
+                <a:latin typeface="Times New Roman" panose="02020603050405020304" pitchFamily="18" charset="0"/>
+                <a:ea typeface="Symbol" panose="05050102010706020507" pitchFamily="18" charset="2"/>
+                <a:cs typeface="Symbol" panose="05050102010706020507" pitchFamily="18" charset="2"/>
+                <a:sym typeface="+mn-ea"/>
               </a:rPr>
               <a:t>công</a:t>
             </a:r>
             <a:r>
-              <a:rPr lang="en-US" sz="1800" b="1" dirty="0">
-                <a:effectLst/>
-                <a:latin typeface="Times New Roman" panose="02020603050405020304" pitchFamily="18" charset="0"/>
-                <a:ea typeface="Symbol" panose="05050102010706020507" pitchFamily="18" charset="2"/>
-                <a:cs typeface="Symbol" panose="05050102010706020507" pitchFamily="18" charset="2"/>
-              </a:rPr>
-              <a:t> </a:t>
-            </a:r>
-            <a:r>
-              <a:rPr lang="en-US" sz="1800" b="1" dirty="0" err="1">
-                <a:effectLst/>
-                <a:latin typeface="Times New Roman" panose="02020603050405020304" pitchFamily="18" charset="0"/>
-                <a:ea typeface="Symbol" panose="05050102010706020507" pitchFamily="18" charset="2"/>
-                <a:cs typeface="Symbol" panose="05050102010706020507" pitchFamily="18" charset="2"/>
+              <a:rPr lang="en-US" sz="2000" b="1" dirty="0">
+                <a:effectLst/>
+                <a:latin typeface="Times New Roman" panose="02020603050405020304" pitchFamily="18" charset="0"/>
+                <a:ea typeface="Symbol" panose="05050102010706020507" pitchFamily="18" charset="2"/>
+                <a:cs typeface="Symbol" panose="05050102010706020507" pitchFamily="18" charset="2"/>
+                <a:sym typeface="+mn-ea"/>
+              </a:rPr>
+              <a:t> </a:t>
+            </a:r>
+            <a:r>
+              <a:rPr lang="en-US" sz="2000" b="1" dirty="0" err="1">
+                <a:effectLst/>
+                <a:latin typeface="Times New Roman" panose="02020603050405020304" pitchFamily="18" charset="0"/>
+                <a:ea typeface="Symbol" panose="05050102010706020507" pitchFamily="18" charset="2"/>
+                <a:cs typeface="Symbol" panose="05050102010706020507" pitchFamily="18" charset="2"/>
+                <a:sym typeface="+mn-ea"/>
               </a:rPr>
               <a:t>sức</a:t>
             </a:r>
             <a:r>
-              <a:rPr lang="en-US" sz="1800" b="1" dirty="0">
-                <a:effectLst/>
-                <a:latin typeface="Times New Roman" panose="02020603050405020304" pitchFamily="18" charset="0"/>
-                <a:ea typeface="Symbol" panose="05050102010706020507" pitchFamily="18" charset="2"/>
-                <a:cs typeface="Symbol" panose="05050102010706020507" pitchFamily="18" charset="2"/>
+              <a:rPr lang="en-US" sz="2000" b="1" dirty="0">
+                <a:effectLst/>
+                <a:latin typeface="Times New Roman" panose="02020603050405020304" pitchFamily="18" charset="0"/>
+                <a:ea typeface="Symbol" panose="05050102010706020507" pitchFamily="18" charset="2"/>
+                <a:cs typeface="Symbol" panose="05050102010706020507" pitchFamily="18" charset="2"/>
+                <a:sym typeface="+mn-ea"/>
               </a:rPr>
               <a:t>, </a:t>
             </a:r>
             <a:r>
-              <a:rPr lang="en-US" sz="1800" b="1" dirty="0" err="1">
-                <a:effectLst/>
-                <a:latin typeface="Times New Roman" panose="02020603050405020304" pitchFamily="18" charset="0"/>
-                <a:ea typeface="Symbol" panose="05050102010706020507" pitchFamily="18" charset="2"/>
-                <a:cs typeface="Symbol" panose="05050102010706020507" pitchFamily="18" charset="2"/>
+              <a:rPr lang="en-US" sz="2000" b="1" dirty="0" err="1">
+                <a:effectLst/>
+                <a:latin typeface="Times New Roman" panose="02020603050405020304" pitchFamily="18" charset="0"/>
+                <a:ea typeface="Symbol" panose="05050102010706020507" pitchFamily="18" charset="2"/>
+                <a:cs typeface="Symbol" panose="05050102010706020507" pitchFamily="18" charset="2"/>
+                <a:sym typeface="+mn-ea"/>
               </a:rPr>
               <a:t>tiết</a:t>
             </a:r>
             <a:r>
-              <a:rPr lang="en-US" sz="1800" b="1" dirty="0">
-                <a:effectLst/>
-                <a:latin typeface="Times New Roman" panose="02020603050405020304" pitchFamily="18" charset="0"/>
-                <a:ea typeface="Symbol" panose="05050102010706020507" pitchFamily="18" charset="2"/>
-                <a:cs typeface="Symbol" panose="05050102010706020507" pitchFamily="18" charset="2"/>
-              </a:rPr>
-              <a:t> </a:t>
-            </a:r>
-            <a:r>
-              <a:rPr lang="en-US" sz="1800" b="1" dirty="0" err="1">
-                <a:effectLst/>
-                <a:latin typeface="Times New Roman" panose="02020603050405020304" pitchFamily="18" charset="0"/>
-                <a:ea typeface="Symbol" panose="05050102010706020507" pitchFamily="18" charset="2"/>
-                <a:cs typeface="Symbol" panose="05050102010706020507" pitchFamily="18" charset="2"/>
+              <a:rPr lang="en-US" sz="2000" b="1" dirty="0">
+                <a:effectLst/>
+                <a:latin typeface="Times New Roman" panose="02020603050405020304" pitchFamily="18" charset="0"/>
+                <a:ea typeface="Symbol" panose="05050102010706020507" pitchFamily="18" charset="2"/>
+                <a:cs typeface="Symbol" panose="05050102010706020507" pitchFamily="18" charset="2"/>
+                <a:sym typeface="+mn-ea"/>
+              </a:rPr>
+              <a:t> </a:t>
+            </a:r>
+            <a:r>
+              <a:rPr lang="en-US" sz="2000" b="1" dirty="0" err="1">
+                <a:effectLst/>
+                <a:latin typeface="Times New Roman" panose="02020603050405020304" pitchFamily="18" charset="0"/>
+                <a:ea typeface="Symbol" panose="05050102010706020507" pitchFamily="18" charset="2"/>
+                <a:cs typeface="Symbol" panose="05050102010706020507" pitchFamily="18" charset="2"/>
+                <a:sym typeface="+mn-ea"/>
               </a:rPr>
               <a:t>kiệm</a:t>
             </a:r>
             <a:r>
-              <a:rPr lang="en-US" sz="1800" b="1" dirty="0">
-                <a:effectLst/>
-                <a:latin typeface="Times New Roman" panose="02020603050405020304" pitchFamily="18" charset="0"/>
-                <a:ea typeface="Symbol" panose="05050102010706020507" pitchFamily="18" charset="2"/>
-                <a:cs typeface="Symbol" panose="05050102010706020507" pitchFamily="18" charset="2"/>
-              </a:rPr>
-              <a:t> </a:t>
-            </a:r>
-            <a:r>
-              <a:rPr lang="en-US" sz="1800" b="1" dirty="0" err="1">
-                <a:effectLst/>
-                <a:latin typeface="Times New Roman" panose="02020603050405020304" pitchFamily="18" charset="0"/>
-                <a:ea typeface="Symbol" panose="05050102010706020507" pitchFamily="18" charset="2"/>
-                <a:cs typeface="Symbol" panose="05050102010706020507" pitchFamily="18" charset="2"/>
+              <a:rPr lang="en-US" sz="2000" b="1" dirty="0">
+                <a:effectLst/>
+                <a:latin typeface="Times New Roman" panose="02020603050405020304" pitchFamily="18" charset="0"/>
+                <a:ea typeface="Symbol" panose="05050102010706020507" pitchFamily="18" charset="2"/>
+                <a:cs typeface="Symbol" panose="05050102010706020507" pitchFamily="18" charset="2"/>
+                <a:sym typeface="+mn-ea"/>
+              </a:rPr>
+              <a:t> </a:t>
+            </a:r>
+            <a:r>
+              <a:rPr lang="en-US" sz="2000" b="1" dirty="0" err="1">
+                <a:effectLst/>
+                <a:latin typeface="Times New Roman" panose="02020603050405020304" pitchFamily="18" charset="0"/>
+                <a:ea typeface="Symbol" panose="05050102010706020507" pitchFamily="18" charset="2"/>
+                <a:cs typeface="Symbol" panose="05050102010706020507" pitchFamily="18" charset="2"/>
+                <a:sym typeface="+mn-ea"/>
               </a:rPr>
               <a:t>thời</a:t>
             </a:r>
             <a:r>
-              <a:rPr lang="en-US" sz="1800" b="1" dirty="0">
-                <a:effectLst/>
-                <a:latin typeface="Times New Roman" panose="02020603050405020304" pitchFamily="18" charset="0"/>
-                <a:ea typeface="Symbol" panose="05050102010706020507" pitchFamily="18" charset="2"/>
-                <a:cs typeface="Symbol" panose="05050102010706020507" pitchFamily="18" charset="2"/>
-              </a:rPr>
-              <a:t> </a:t>
-            </a:r>
-            <a:r>
-              <a:rPr lang="en-US" sz="1800" b="1" dirty="0" err="1">
-                <a:effectLst/>
-                <a:latin typeface="Times New Roman" panose="02020603050405020304" pitchFamily="18" charset="0"/>
-                <a:ea typeface="Symbol" panose="05050102010706020507" pitchFamily="18" charset="2"/>
-                <a:cs typeface="Symbol" panose="05050102010706020507" pitchFamily="18" charset="2"/>
+              <a:rPr lang="en-US" sz="2000" b="1" dirty="0">
+                <a:effectLst/>
+                <a:latin typeface="Times New Roman" panose="02020603050405020304" pitchFamily="18" charset="0"/>
+                <a:ea typeface="Symbol" panose="05050102010706020507" pitchFamily="18" charset="2"/>
+                <a:cs typeface="Symbol" panose="05050102010706020507" pitchFamily="18" charset="2"/>
+                <a:sym typeface="+mn-ea"/>
+              </a:rPr>
+              <a:t> </a:t>
+            </a:r>
+            <a:r>
+              <a:rPr lang="en-US" sz="2000" b="1" dirty="0" err="1">
+                <a:effectLst/>
+                <a:latin typeface="Times New Roman" panose="02020603050405020304" pitchFamily="18" charset="0"/>
+                <a:ea typeface="Symbol" panose="05050102010706020507" pitchFamily="18" charset="2"/>
+                <a:cs typeface="Symbol" panose="05050102010706020507" pitchFamily="18" charset="2"/>
+                <a:sym typeface="+mn-ea"/>
               </a:rPr>
               <a:t>gian</a:t>
             </a:r>
             <a:r>
-              <a:rPr lang="en-US" sz="1800" b="1" dirty="0">
-                <a:effectLst/>
-                <a:latin typeface="Times New Roman" panose="02020603050405020304" pitchFamily="18" charset="0"/>
-                <a:ea typeface="Symbol" panose="05050102010706020507" pitchFamily="18" charset="2"/>
-                <a:cs typeface="Symbol" panose="05050102010706020507" pitchFamily="18" charset="2"/>
-              </a:rPr>
-              <a:t> </a:t>
-            </a:r>
-            <a:r>
-              <a:rPr lang="en-US" sz="1800" b="1" dirty="0" err="1">
-                <a:effectLst/>
-                <a:latin typeface="Times New Roman" panose="02020603050405020304" pitchFamily="18" charset="0"/>
-                <a:ea typeface="Symbol" panose="05050102010706020507" pitchFamily="18" charset="2"/>
-                <a:cs typeface="Symbol" panose="05050102010706020507" pitchFamily="18" charset="2"/>
+              <a:rPr lang="en-US" sz="2000" b="1" dirty="0">
+                <a:effectLst/>
+                <a:latin typeface="Times New Roman" panose="02020603050405020304" pitchFamily="18" charset="0"/>
+                <a:ea typeface="Symbol" panose="05050102010706020507" pitchFamily="18" charset="2"/>
+                <a:cs typeface="Symbol" panose="05050102010706020507" pitchFamily="18" charset="2"/>
+                <a:sym typeface="+mn-ea"/>
+              </a:rPr>
+              <a:t> </a:t>
+            </a:r>
+            <a:r>
+              <a:rPr lang="en-US" sz="2000" b="1" dirty="0" err="1">
+                <a:effectLst/>
+                <a:latin typeface="Times New Roman" panose="02020603050405020304" pitchFamily="18" charset="0"/>
+                <a:ea typeface="Symbol" panose="05050102010706020507" pitchFamily="18" charset="2"/>
+                <a:cs typeface="Symbol" panose="05050102010706020507" pitchFamily="18" charset="2"/>
+                <a:sym typeface="+mn-ea"/>
               </a:rPr>
               <a:t>cho</a:t>
             </a:r>
             <a:r>
-              <a:rPr lang="en-US" sz="1800" b="1" dirty="0">
-                <a:effectLst/>
-                <a:latin typeface="Times New Roman" panose="02020603050405020304" pitchFamily="18" charset="0"/>
-                <a:ea typeface="Symbol" panose="05050102010706020507" pitchFamily="18" charset="2"/>
-                <a:cs typeface="Symbol" panose="05050102010706020507" pitchFamily="18" charset="2"/>
-              </a:rPr>
-              <a:t> </a:t>
-            </a:r>
-            <a:r>
-              <a:rPr lang="en-US" sz="1800" b="1" dirty="0" err="1">
-                <a:effectLst/>
-                <a:latin typeface="Times New Roman" panose="02020603050405020304" pitchFamily="18" charset="0"/>
-                <a:ea typeface="Symbol" panose="05050102010706020507" pitchFamily="18" charset="2"/>
-                <a:cs typeface="Symbol" panose="05050102010706020507" pitchFamily="18" charset="2"/>
+              <a:rPr lang="en-US" sz="2000" b="1" dirty="0">
+                <a:effectLst/>
+                <a:latin typeface="Times New Roman" panose="02020603050405020304" pitchFamily="18" charset="0"/>
+                <a:ea typeface="Symbol" panose="05050102010706020507" pitchFamily="18" charset="2"/>
+                <a:cs typeface="Symbol" panose="05050102010706020507" pitchFamily="18" charset="2"/>
+                <a:sym typeface="+mn-ea"/>
+              </a:rPr>
+              <a:t> </a:t>
+            </a:r>
+            <a:r>
+              <a:rPr lang="en-US" sz="2000" b="1" dirty="0" err="1">
+                <a:effectLst/>
+                <a:latin typeface="Times New Roman" panose="02020603050405020304" pitchFamily="18" charset="0"/>
+                <a:ea typeface="Symbol" panose="05050102010706020507" pitchFamily="18" charset="2"/>
+                <a:cs typeface="Symbol" panose="05050102010706020507" pitchFamily="18" charset="2"/>
+                <a:sym typeface="+mn-ea"/>
               </a:rPr>
               <a:t>các</a:t>
             </a:r>
             <a:r>
-              <a:rPr lang="en-US" sz="1800" b="1" dirty="0">
-                <a:effectLst/>
-                <a:latin typeface="Times New Roman" panose="02020603050405020304" pitchFamily="18" charset="0"/>
-                <a:ea typeface="Symbol" panose="05050102010706020507" pitchFamily="18" charset="2"/>
-                <a:cs typeface="Symbol" panose="05050102010706020507" pitchFamily="18" charset="2"/>
-              </a:rPr>
-              <a:t> </a:t>
-            </a:r>
-            <a:r>
-              <a:rPr lang="en-US" sz="1800" b="1" dirty="0" err="1">
-                <a:effectLst/>
-                <a:latin typeface="Times New Roman" panose="02020603050405020304" pitchFamily="18" charset="0"/>
-                <a:ea typeface="Symbol" panose="05050102010706020507" pitchFamily="18" charset="2"/>
-                <a:cs typeface="Symbol" panose="05050102010706020507" pitchFamily="18" charset="2"/>
+              <a:rPr lang="en-US" sz="2000" b="1" dirty="0">
+                <a:effectLst/>
+                <a:latin typeface="Times New Roman" panose="02020603050405020304" pitchFamily="18" charset="0"/>
+                <a:ea typeface="Symbol" panose="05050102010706020507" pitchFamily="18" charset="2"/>
+                <a:cs typeface="Symbol" panose="05050102010706020507" pitchFamily="18" charset="2"/>
+                <a:sym typeface="+mn-ea"/>
+              </a:rPr>
+              <a:t> </a:t>
+            </a:r>
+            <a:r>
+              <a:rPr lang="en-US" sz="2000" b="1" dirty="0" err="1">
+                <a:effectLst/>
+                <a:latin typeface="Times New Roman" panose="02020603050405020304" pitchFamily="18" charset="0"/>
+                <a:ea typeface="Symbol" panose="05050102010706020507" pitchFamily="18" charset="2"/>
+                <a:cs typeface="Symbol" panose="05050102010706020507" pitchFamily="18" charset="2"/>
+                <a:sym typeface="+mn-ea"/>
               </a:rPr>
               <a:t>yêu</a:t>
             </a:r>
             <a:r>
-              <a:rPr lang="en-US" sz="1800" b="1" dirty="0">
-                <a:effectLst/>
-                <a:latin typeface="Times New Roman" panose="02020603050405020304" pitchFamily="18" charset="0"/>
-                <a:ea typeface="Symbol" panose="05050102010706020507" pitchFamily="18" charset="2"/>
-                <a:cs typeface="Symbol" panose="05050102010706020507" pitchFamily="18" charset="2"/>
-              </a:rPr>
-              <a:t> </a:t>
-            </a:r>
-            <a:r>
-              <a:rPr lang="en-US" sz="1800" b="1" dirty="0" err="1">
-                <a:effectLst/>
-                <a:latin typeface="Times New Roman" panose="02020603050405020304" pitchFamily="18" charset="0"/>
-                <a:ea typeface="Symbol" panose="05050102010706020507" pitchFamily="18" charset="2"/>
-                <a:cs typeface="Symbol" panose="05050102010706020507" pitchFamily="18" charset="2"/>
+              <a:rPr lang="en-US" sz="2000" b="1" dirty="0">
+                <a:effectLst/>
+                <a:latin typeface="Times New Roman" panose="02020603050405020304" pitchFamily="18" charset="0"/>
+                <a:ea typeface="Symbol" panose="05050102010706020507" pitchFamily="18" charset="2"/>
+                <a:cs typeface="Symbol" panose="05050102010706020507" pitchFamily="18" charset="2"/>
+                <a:sym typeface="+mn-ea"/>
+              </a:rPr>
+              <a:t> </a:t>
+            </a:r>
+            <a:r>
+              <a:rPr lang="en-US" sz="2000" b="1" dirty="0" err="1">
+                <a:effectLst/>
+                <a:latin typeface="Times New Roman" panose="02020603050405020304" pitchFamily="18" charset="0"/>
+                <a:ea typeface="Symbol" panose="05050102010706020507" pitchFamily="18" charset="2"/>
+                <a:cs typeface="Symbol" panose="05050102010706020507" pitchFamily="18" charset="2"/>
+                <a:sym typeface="+mn-ea"/>
               </a:rPr>
               <a:t>cầu</a:t>
             </a:r>
             <a:r>
-              <a:rPr lang="en-US" sz="1800" b="1" dirty="0">
-                <a:effectLst/>
-                <a:latin typeface="Times New Roman" panose="02020603050405020304" pitchFamily="18" charset="0"/>
-                <a:ea typeface="Symbol" panose="05050102010706020507" pitchFamily="18" charset="2"/>
-                <a:cs typeface="Symbol" panose="05050102010706020507" pitchFamily="18" charset="2"/>
-              </a:rPr>
-              <a:t> </a:t>
-            </a:r>
-            <a:r>
-              <a:rPr lang="en-US" sz="1800" b="1" dirty="0" err="1">
-                <a:effectLst/>
-                <a:latin typeface="Times New Roman" panose="02020603050405020304" pitchFamily="18" charset="0"/>
-                <a:ea typeface="Symbol" panose="05050102010706020507" pitchFamily="18" charset="2"/>
-                <a:cs typeface="Symbol" panose="05050102010706020507" pitchFamily="18" charset="2"/>
+              <a:rPr lang="en-US" sz="2000" b="1" dirty="0">
+                <a:effectLst/>
+                <a:latin typeface="Times New Roman" panose="02020603050405020304" pitchFamily="18" charset="0"/>
+                <a:ea typeface="Symbol" panose="05050102010706020507" pitchFamily="18" charset="2"/>
+                <a:cs typeface="Symbol" panose="05050102010706020507" pitchFamily="18" charset="2"/>
+                <a:sym typeface="+mn-ea"/>
+              </a:rPr>
+              <a:t> </a:t>
+            </a:r>
+            <a:r>
+              <a:rPr lang="en-US" sz="2000" b="1" dirty="0" err="1">
+                <a:effectLst/>
+                <a:latin typeface="Times New Roman" panose="02020603050405020304" pitchFamily="18" charset="0"/>
+                <a:ea typeface="Symbol" panose="05050102010706020507" pitchFamily="18" charset="2"/>
+                <a:cs typeface="Symbol" panose="05050102010706020507" pitchFamily="18" charset="2"/>
+                <a:sym typeface="+mn-ea"/>
               </a:rPr>
               <a:t>nghiệp</a:t>
             </a:r>
             <a:r>
-              <a:rPr lang="en-US" sz="1800" b="1" dirty="0">
-                <a:effectLst/>
-                <a:latin typeface="Times New Roman" panose="02020603050405020304" pitchFamily="18" charset="0"/>
-                <a:ea typeface="Symbol" panose="05050102010706020507" pitchFamily="18" charset="2"/>
-                <a:cs typeface="Symbol" panose="05050102010706020507" pitchFamily="18" charset="2"/>
-              </a:rPr>
-              <a:t> </a:t>
-            </a:r>
-            <a:r>
-              <a:rPr lang="en-US" sz="1800" b="1" dirty="0" err="1">
-                <a:effectLst/>
-                <a:latin typeface="Times New Roman" panose="02020603050405020304" pitchFamily="18" charset="0"/>
-                <a:ea typeface="Symbol" panose="05050102010706020507" pitchFamily="18" charset="2"/>
-                <a:cs typeface="Symbol" panose="05050102010706020507" pitchFamily="18" charset="2"/>
+              <a:rPr lang="en-US" sz="2000" b="1" dirty="0">
+                <a:effectLst/>
+                <a:latin typeface="Times New Roman" panose="02020603050405020304" pitchFamily="18" charset="0"/>
+                <a:ea typeface="Symbol" panose="05050102010706020507" pitchFamily="18" charset="2"/>
+                <a:cs typeface="Symbol" panose="05050102010706020507" pitchFamily="18" charset="2"/>
+                <a:sym typeface="+mn-ea"/>
+              </a:rPr>
+              <a:t> </a:t>
+            </a:r>
+            <a:r>
+              <a:rPr lang="en-US" sz="2000" b="1" dirty="0" err="1">
+                <a:effectLst/>
+                <a:latin typeface="Times New Roman" panose="02020603050405020304" pitchFamily="18" charset="0"/>
+                <a:ea typeface="Symbol" panose="05050102010706020507" pitchFamily="18" charset="2"/>
+                <a:cs typeface="Symbol" panose="05050102010706020507" pitchFamily="18" charset="2"/>
+                <a:sym typeface="+mn-ea"/>
               </a:rPr>
               <a:t>vụ</a:t>
             </a:r>
             <a:r>
-              <a:rPr lang="en-US" sz="1800" b="1" dirty="0">
-                <a:effectLst/>
-                <a:latin typeface="Times New Roman" panose="02020603050405020304" pitchFamily="18" charset="0"/>
-                <a:ea typeface="Symbol" panose="05050102010706020507" pitchFamily="18" charset="2"/>
-                <a:cs typeface="Symbol" panose="05050102010706020507" pitchFamily="18" charset="2"/>
-              </a:rPr>
-              <a:t> </a:t>
-            </a:r>
-            <a:r>
-              <a:rPr lang="en-US" sz="1800" b="1" dirty="0" err="1">
-                <a:effectLst/>
-                <a:latin typeface="Times New Roman" panose="02020603050405020304" pitchFamily="18" charset="0"/>
-                <a:ea typeface="Symbol" panose="05050102010706020507" pitchFamily="18" charset="2"/>
-                <a:cs typeface="Symbol" panose="05050102010706020507" pitchFamily="18" charset="2"/>
+              <a:rPr lang="en-US" sz="2000" b="1" dirty="0">
+                <a:effectLst/>
+                <a:latin typeface="Times New Roman" panose="02020603050405020304" pitchFamily="18" charset="0"/>
+                <a:ea typeface="Symbol" panose="05050102010706020507" pitchFamily="18" charset="2"/>
+                <a:cs typeface="Symbol" panose="05050102010706020507" pitchFamily="18" charset="2"/>
+                <a:sym typeface="+mn-ea"/>
+              </a:rPr>
+              <a:t> </a:t>
+            </a:r>
+            <a:r>
+              <a:rPr lang="en-US" sz="2000" b="1" dirty="0" err="1">
+                <a:effectLst/>
+                <a:latin typeface="Times New Roman" panose="02020603050405020304" pitchFamily="18" charset="0"/>
+                <a:ea typeface="Symbol" panose="05050102010706020507" pitchFamily="18" charset="2"/>
+                <a:cs typeface="Symbol" panose="05050102010706020507" pitchFamily="18" charset="2"/>
+                <a:sym typeface="+mn-ea"/>
               </a:rPr>
               <a:t>tại</a:t>
             </a:r>
             <a:r>
-              <a:rPr lang="en-US" sz="1800" b="1" dirty="0">
-                <a:effectLst/>
-                <a:latin typeface="Times New Roman" panose="02020603050405020304" pitchFamily="18" charset="0"/>
-                <a:ea typeface="Symbol" panose="05050102010706020507" pitchFamily="18" charset="2"/>
-                <a:cs typeface="Symbol" panose="05050102010706020507" pitchFamily="18" charset="2"/>
-              </a:rPr>
-              <a:t> </a:t>
-            </a:r>
-            <a:r>
-              <a:rPr lang="en-US" sz="1800" b="1" dirty="0" err="1">
-                <a:effectLst/>
-                <a:latin typeface="Times New Roman" panose="02020603050405020304" pitchFamily="18" charset="0"/>
-                <a:ea typeface="Symbol" panose="05050102010706020507" pitchFamily="18" charset="2"/>
-                <a:cs typeface="Symbol" panose="05050102010706020507" pitchFamily="18" charset="2"/>
+              <a:rPr lang="en-US" sz="2000" b="1" dirty="0">
+                <a:effectLst/>
+                <a:latin typeface="Times New Roman" panose="02020603050405020304" pitchFamily="18" charset="0"/>
+                <a:ea typeface="Symbol" panose="05050102010706020507" pitchFamily="18" charset="2"/>
+                <a:cs typeface="Symbol" panose="05050102010706020507" pitchFamily="18" charset="2"/>
+                <a:sym typeface="+mn-ea"/>
+              </a:rPr>
+              <a:t> </a:t>
+            </a:r>
+            <a:r>
+              <a:rPr lang="en-US" sz="2000" b="1" dirty="0" err="1">
+                <a:effectLst/>
+                <a:latin typeface="Times New Roman" panose="02020603050405020304" pitchFamily="18" charset="0"/>
+                <a:ea typeface="Symbol" panose="05050102010706020507" pitchFamily="18" charset="2"/>
+                <a:cs typeface="Symbol" panose="05050102010706020507" pitchFamily="18" charset="2"/>
+                <a:sym typeface="+mn-ea"/>
               </a:rPr>
               <a:t>các</a:t>
             </a:r>
             <a:r>
-              <a:rPr lang="en-US" sz="1800" b="1" dirty="0">
-                <a:effectLst/>
-                <a:latin typeface="Times New Roman" panose="02020603050405020304" pitchFamily="18" charset="0"/>
-                <a:ea typeface="Symbol" panose="05050102010706020507" pitchFamily="18" charset="2"/>
-                <a:cs typeface="Symbol" panose="05050102010706020507" pitchFamily="18" charset="2"/>
-              </a:rPr>
-              <a:t> </a:t>
-            </a:r>
-            <a:r>
-              <a:rPr lang="en-US" sz="1800" b="1" dirty="0" err="1">
-                <a:effectLst/>
-                <a:latin typeface="Times New Roman" panose="02020603050405020304" pitchFamily="18" charset="0"/>
-                <a:ea typeface="Symbol" panose="05050102010706020507" pitchFamily="18" charset="2"/>
-                <a:cs typeface="Symbol" panose="05050102010706020507" pitchFamily="18" charset="2"/>
+              <a:rPr lang="en-US" sz="2000" b="1" dirty="0">
+                <a:effectLst/>
+                <a:latin typeface="Times New Roman" panose="02020603050405020304" pitchFamily="18" charset="0"/>
+                <a:ea typeface="Symbol" panose="05050102010706020507" pitchFamily="18" charset="2"/>
+                <a:cs typeface="Symbol" panose="05050102010706020507" pitchFamily="18" charset="2"/>
+                <a:sym typeface="+mn-ea"/>
+              </a:rPr>
+              <a:t> </a:t>
+            </a:r>
+            <a:r>
+              <a:rPr lang="en-US" sz="2000" b="1" dirty="0" err="1">
+                <a:effectLst/>
+                <a:latin typeface="Times New Roman" panose="02020603050405020304" pitchFamily="18" charset="0"/>
+                <a:ea typeface="Symbol" panose="05050102010706020507" pitchFamily="18" charset="2"/>
+                <a:cs typeface="Symbol" panose="05050102010706020507" pitchFamily="18" charset="2"/>
+                <a:sym typeface="+mn-ea"/>
               </a:rPr>
               <a:t>trang</a:t>
             </a:r>
             <a:r>
-              <a:rPr lang="en-US" sz="1800" b="1" dirty="0">
-                <a:effectLst/>
-                <a:latin typeface="Times New Roman" panose="02020603050405020304" pitchFamily="18" charset="0"/>
-                <a:ea typeface="Symbol" panose="05050102010706020507" pitchFamily="18" charset="2"/>
-                <a:cs typeface="Symbol" panose="05050102010706020507" pitchFamily="18" charset="2"/>
-              </a:rPr>
-              <a:t> </a:t>
-            </a:r>
-            <a:r>
-              <a:rPr lang="en-US" sz="1800" b="1" dirty="0" err="1">
-                <a:effectLst/>
-                <a:latin typeface="Times New Roman" panose="02020603050405020304" pitchFamily="18" charset="0"/>
-                <a:ea typeface="Symbol" panose="05050102010706020507" pitchFamily="18" charset="2"/>
-                <a:cs typeface="Symbol" panose="05050102010706020507" pitchFamily="18" charset="2"/>
+              <a:rPr lang="en-US" sz="2000" b="1" dirty="0">
+                <a:effectLst/>
+                <a:latin typeface="Times New Roman" panose="02020603050405020304" pitchFamily="18" charset="0"/>
+                <a:ea typeface="Symbol" panose="05050102010706020507" pitchFamily="18" charset="2"/>
+                <a:cs typeface="Symbol" panose="05050102010706020507" pitchFamily="18" charset="2"/>
+                <a:sym typeface="+mn-ea"/>
+              </a:rPr>
+              <a:t> </a:t>
+            </a:r>
+            <a:r>
+              <a:rPr lang="en-US" sz="2000" b="1" dirty="0" err="1">
+                <a:effectLst/>
+                <a:latin typeface="Times New Roman" panose="02020603050405020304" pitchFamily="18" charset="0"/>
+                <a:ea typeface="Symbol" panose="05050102010706020507" pitchFamily="18" charset="2"/>
+                <a:cs typeface="Symbol" panose="05050102010706020507" pitchFamily="18" charset="2"/>
+                <a:sym typeface="+mn-ea"/>
               </a:rPr>
               <a:t>trại</a:t>
             </a:r>
             <a:r>
-              <a:rPr lang="en-US" sz="1800" b="1" dirty="0">
-                <a:effectLst/>
-                <a:latin typeface="Times New Roman" panose="02020603050405020304" pitchFamily="18" charset="0"/>
-                <a:ea typeface="Symbol" panose="05050102010706020507" pitchFamily="18" charset="2"/>
-                <a:cs typeface="Symbol" panose="05050102010706020507" pitchFamily="18" charset="2"/>
+              <a:rPr lang="en-US" sz="2000" b="1" dirty="0">
+                <a:effectLst/>
+                <a:latin typeface="Times New Roman" panose="02020603050405020304" pitchFamily="18" charset="0"/>
+                <a:ea typeface="Symbol" panose="05050102010706020507" pitchFamily="18" charset="2"/>
+                <a:cs typeface="Symbol" panose="05050102010706020507" pitchFamily="18" charset="2"/>
+                <a:sym typeface="+mn-ea"/>
               </a:rPr>
               <a:t>.</a:t>
             </a:r>
-            <a:endParaRPr lang="en-US" sz="1600" b="1" dirty="0">
+            <a:endParaRPr lang="en-US" sz="2000" b="1" dirty="0">
               <a:effectLst/>
               <a:latin typeface="Times New Roman" panose="02020603050405020304" pitchFamily="18" charset="0"/>
               <a:ea typeface="Symbol" panose="05050102010706020507" pitchFamily="18" charset="2"/>
@@ -6061,553 +6400,604 @@
               </a:tabLst>
             </a:pPr>
             <a:r>
-              <a:rPr lang="en-US" sz="1800" dirty="0" err="1">
-                <a:effectLst/>
-                <a:latin typeface="Times New Roman" panose="02020603050405020304" pitchFamily="18" charset="0"/>
-                <a:ea typeface="Times New Roman" panose="02020603050405020304" pitchFamily="18" charset="0"/>
+              <a:rPr lang="en-US" sz="2000" dirty="0" err="1">
+                <a:effectLst/>
+                <a:latin typeface="Times New Roman" panose="02020603050405020304" pitchFamily="18" charset="0"/>
+                <a:ea typeface="Times New Roman" panose="02020603050405020304" pitchFamily="18" charset="0"/>
+                <a:sym typeface="+mn-ea"/>
               </a:rPr>
               <a:t>Phần</a:t>
             </a:r>
             <a:r>
-              <a:rPr lang="en-US" sz="1800" dirty="0">
-                <a:effectLst/>
-                <a:latin typeface="Times New Roman" panose="02020603050405020304" pitchFamily="18" charset="0"/>
-                <a:ea typeface="Times New Roman" panose="02020603050405020304" pitchFamily="18" charset="0"/>
-              </a:rPr>
-              <a:t> </a:t>
-            </a:r>
-            <a:r>
-              <a:rPr lang="en-US" sz="1800" dirty="0" err="1">
-                <a:effectLst/>
-                <a:latin typeface="Times New Roman" panose="02020603050405020304" pitchFamily="18" charset="0"/>
-                <a:ea typeface="Times New Roman" panose="02020603050405020304" pitchFamily="18" charset="0"/>
+              <a:rPr lang="en-US" sz="2000" dirty="0">
+                <a:effectLst/>
+                <a:latin typeface="Times New Roman" panose="02020603050405020304" pitchFamily="18" charset="0"/>
+                <a:ea typeface="Times New Roman" panose="02020603050405020304" pitchFamily="18" charset="0"/>
+                <a:sym typeface="+mn-ea"/>
+              </a:rPr>
+              <a:t> </a:t>
+            </a:r>
+            <a:r>
+              <a:rPr lang="en-US" sz="2000" dirty="0" err="1">
+                <a:effectLst/>
+                <a:latin typeface="Times New Roman" panose="02020603050405020304" pitchFamily="18" charset="0"/>
+                <a:ea typeface="Times New Roman" panose="02020603050405020304" pitchFamily="18" charset="0"/>
+                <a:sym typeface="+mn-ea"/>
               </a:rPr>
               <a:t>mềm</a:t>
             </a:r>
             <a:r>
-              <a:rPr lang="en-US" sz="1800" dirty="0">
-                <a:effectLst/>
-                <a:latin typeface="Times New Roman" panose="02020603050405020304" pitchFamily="18" charset="0"/>
-                <a:ea typeface="Times New Roman" panose="02020603050405020304" pitchFamily="18" charset="0"/>
-              </a:rPr>
-              <a:t> </a:t>
-            </a:r>
-            <a:r>
-              <a:rPr lang="en-US" sz="1800" dirty="0" err="1">
-                <a:effectLst/>
-                <a:latin typeface="Times New Roman" panose="02020603050405020304" pitchFamily="18" charset="0"/>
-                <a:ea typeface="Times New Roman" panose="02020603050405020304" pitchFamily="18" charset="0"/>
+              <a:rPr lang="en-US" sz="2000" dirty="0">
+                <a:effectLst/>
+                <a:latin typeface="Times New Roman" panose="02020603050405020304" pitchFamily="18" charset="0"/>
+                <a:ea typeface="Times New Roman" panose="02020603050405020304" pitchFamily="18" charset="0"/>
+                <a:sym typeface="+mn-ea"/>
+              </a:rPr>
+              <a:t> </a:t>
+            </a:r>
+            <a:r>
+              <a:rPr lang="en-US" sz="2000" dirty="0" err="1">
+                <a:effectLst/>
+                <a:latin typeface="Times New Roman" panose="02020603050405020304" pitchFamily="18" charset="0"/>
+                <a:ea typeface="Times New Roman" panose="02020603050405020304" pitchFamily="18" charset="0"/>
+                <a:sym typeface="+mn-ea"/>
               </a:rPr>
               <a:t>phải</a:t>
             </a:r>
             <a:r>
-              <a:rPr lang="en-US" sz="1800" dirty="0">
-                <a:effectLst/>
-                <a:latin typeface="Times New Roman" panose="02020603050405020304" pitchFamily="18" charset="0"/>
-                <a:ea typeface="Times New Roman" panose="02020603050405020304" pitchFamily="18" charset="0"/>
-              </a:rPr>
-              <a:t> </a:t>
-            </a:r>
-            <a:r>
-              <a:rPr lang="en-US" sz="1800" dirty="0" err="1">
-                <a:effectLst/>
-                <a:latin typeface="Times New Roman" panose="02020603050405020304" pitchFamily="18" charset="0"/>
-                <a:ea typeface="Times New Roman" panose="02020603050405020304" pitchFamily="18" charset="0"/>
+              <a:rPr lang="en-US" sz="2000" dirty="0">
+                <a:effectLst/>
+                <a:latin typeface="Times New Roman" panose="02020603050405020304" pitchFamily="18" charset="0"/>
+                <a:ea typeface="Times New Roman" panose="02020603050405020304" pitchFamily="18" charset="0"/>
+                <a:sym typeface="+mn-ea"/>
+              </a:rPr>
+              <a:t> </a:t>
+            </a:r>
+            <a:r>
+              <a:rPr lang="en-US" sz="2000" dirty="0" err="1">
+                <a:effectLst/>
+                <a:latin typeface="Times New Roman" panose="02020603050405020304" pitchFamily="18" charset="0"/>
+                <a:ea typeface="Times New Roman" panose="02020603050405020304" pitchFamily="18" charset="0"/>
+                <a:sym typeface="+mn-ea"/>
               </a:rPr>
               <a:t>đáp</a:t>
             </a:r>
             <a:r>
-              <a:rPr lang="en-US" sz="1800" dirty="0">
-                <a:effectLst/>
-                <a:latin typeface="Times New Roman" panose="02020603050405020304" pitchFamily="18" charset="0"/>
-                <a:ea typeface="Times New Roman" panose="02020603050405020304" pitchFamily="18" charset="0"/>
-              </a:rPr>
-              <a:t> </a:t>
-            </a:r>
-            <a:r>
-              <a:rPr lang="en-US" sz="1800" dirty="0" err="1">
-                <a:effectLst/>
-                <a:latin typeface="Times New Roman" panose="02020603050405020304" pitchFamily="18" charset="0"/>
-                <a:ea typeface="Times New Roman" panose="02020603050405020304" pitchFamily="18" charset="0"/>
+              <a:rPr lang="en-US" sz="2000" dirty="0">
+                <a:effectLst/>
+                <a:latin typeface="Times New Roman" panose="02020603050405020304" pitchFamily="18" charset="0"/>
+                <a:ea typeface="Times New Roman" panose="02020603050405020304" pitchFamily="18" charset="0"/>
+                <a:sym typeface="+mn-ea"/>
+              </a:rPr>
+              <a:t> </a:t>
+            </a:r>
+            <a:r>
+              <a:rPr lang="en-US" sz="2000" dirty="0" err="1">
+                <a:effectLst/>
+                <a:latin typeface="Times New Roman" panose="02020603050405020304" pitchFamily="18" charset="0"/>
+                <a:ea typeface="Times New Roman" panose="02020603050405020304" pitchFamily="18" charset="0"/>
+                <a:sym typeface="+mn-ea"/>
               </a:rPr>
               <a:t>ứng</a:t>
             </a:r>
             <a:r>
-              <a:rPr lang="en-US" sz="1800" dirty="0">
-                <a:effectLst/>
-                <a:latin typeface="Times New Roman" panose="02020603050405020304" pitchFamily="18" charset="0"/>
-                <a:ea typeface="Times New Roman" panose="02020603050405020304" pitchFamily="18" charset="0"/>
-              </a:rPr>
-              <a:t> </a:t>
-            </a:r>
-            <a:r>
-              <a:rPr lang="en-US" sz="1800" dirty="0" err="1">
-                <a:effectLst/>
-                <a:latin typeface="Times New Roman" panose="02020603050405020304" pitchFamily="18" charset="0"/>
-                <a:ea typeface="Times New Roman" panose="02020603050405020304" pitchFamily="18" charset="0"/>
+              <a:rPr lang="en-US" sz="2000" dirty="0">
+                <a:effectLst/>
+                <a:latin typeface="Times New Roman" panose="02020603050405020304" pitchFamily="18" charset="0"/>
+                <a:ea typeface="Times New Roman" panose="02020603050405020304" pitchFamily="18" charset="0"/>
+                <a:sym typeface="+mn-ea"/>
+              </a:rPr>
+              <a:t> </a:t>
+            </a:r>
+            <a:r>
+              <a:rPr lang="en-US" sz="2000" dirty="0" err="1">
+                <a:effectLst/>
+                <a:latin typeface="Times New Roman" panose="02020603050405020304" pitchFamily="18" charset="0"/>
+                <a:ea typeface="Times New Roman" panose="02020603050405020304" pitchFamily="18" charset="0"/>
+                <a:sym typeface="+mn-ea"/>
               </a:rPr>
               <a:t>được</a:t>
             </a:r>
             <a:r>
-              <a:rPr lang="en-US" sz="1800" dirty="0">
-                <a:effectLst/>
-                <a:latin typeface="Times New Roman" panose="02020603050405020304" pitchFamily="18" charset="0"/>
-                <a:ea typeface="Times New Roman" panose="02020603050405020304" pitchFamily="18" charset="0"/>
-              </a:rPr>
-              <a:t> </a:t>
-            </a:r>
-            <a:r>
-              <a:rPr lang="en-US" sz="1800" dirty="0" err="1">
-                <a:effectLst/>
-                <a:latin typeface="Times New Roman" panose="02020603050405020304" pitchFamily="18" charset="0"/>
-                <a:ea typeface="Times New Roman" panose="02020603050405020304" pitchFamily="18" charset="0"/>
+              <a:rPr lang="en-US" sz="2000" dirty="0">
+                <a:effectLst/>
+                <a:latin typeface="Times New Roman" panose="02020603050405020304" pitchFamily="18" charset="0"/>
+                <a:ea typeface="Times New Roman" panose="02020603050405020304" pitchFamily="18" charset="0"/>
+                <a:sym typeface="+mn-ea"/>
+              </a:rPr>
+              <a:t> </a:t>
+            </a:r>
+            <a:r>
+              <a:rPr lang="en-US" sz="2000" dirty="0" err="1">
+                <a:effectLst/>
+                <a:latin typeface="Times New Roman" panose="02020603050405020304" pitchFamily="18" charset="0"/>
+                <a:ea typeface="Times New Roman" panose="02020603050405020304" pitchFamily="18" charset="0"/>
+                <a:sym typeface="+mn-ea"/>
               </a:rPr>
               <a:t>các</a:t>
             </a:r>
             <a:r>
-              <a:rPr lang="en-US" sz="1800" dirty="0">
-                <a:effectLst/>
-                <a:latin typeface="Times New Roman" panose="02020603050405020304" pitchFamily="18" charset="0"/>
-                <a:ea typeface="Times New Roman" panose="02020603050405020304" pitchFamily="18" charset="0"/>
-              </a:rPr>
-              <a:t> </a:t>
-            </a:r>
-            <a:r>
-              <a:rPr lang="en-US" sz="1800" dirty="0" err="1">
-                <a:effectLst/>
-                <a:latin typeface="Times New Roman" panose="02020603050405020304" pitchFamily="18" charset="0"/>
-                <a:ea typeface="Times New Roman" panose="02020603050405020304" pitchFamily="18" charset="0"/>
+              <a:rPr lang="en-US" sz="2000" dirty="0">
+                <a:effectLst/>
+                <a:latin typeface="Times New Roman" panose="02020603050405020304" pitchFamily="18" charset="0"/>
+                <a:ea typeface="Times New Roman" panose="02020603050405020304" pitchFamily="18" charset="0"/>
+                <a:sym typeface="+mn-ea"/>
+              </a:rPr>
+              <a:t> </a:t>
+            </a:r>
+            <a:r>
+              <a:rPr lang="en-US" sz="2000" dirty="0" err="1">
+                <a:effectLst/>
+                <a:latin typeface="Times New Roman" panose="02020603050405020304" pitchFamily="18" charset="0"/>
+                <a:ea typeface="Times New Roman" panose="02020603050405020304" pitchFamily="18" charset="0"/>
+                <a:sym typeface="+mn-ea"/>
               </a:rPr>
               <a:t>tác</a:t>
             </a:r>
             <a:r>
-              <a:rPr lang="en-US" sz="1800" dirty="0">
-                <a:effectLst/>
-                <a:latin typeface="Times New Roman" panose="02020603050405020304" pitchFamily="18" charset="0"/>
-                <a:ea typeface="Times New Roman" panose="02020603050405020304" pitchFamily="18" charset="0"/>
-              </a:rPr>
-              <a:t> </a:t>
-            </a:r>
-            <a:r>
-              <a:rPr lang="en-US" sz="1800" dirty="0" err="1">
-                <a:effectLst/>
-                <a:latin typeface="Times New Roman" panose="02020603050405020304" pitchFamily="18" charset="0"/>
-                <a:ea typeface="Times New Roman" panose="02020603050405020304" pitchFamily="18" charset="0"/>
+              <a:rPr lang="en-US" sz="2000" dirty="0">
+                <a:effectLst/>
+                <a:latin typeface="Times New Roman" panose="02020603050405020304" pitchFamily="18" charset="0"/>
+                <a:ea typeface="Times New Roman" panose="02020603050405020304" pitchFamily="18" charset="0"/>
+                <a:sym typeface="+mn-ea"/>
+              </a:rPr>
+              <a:t> </a:t>
+            </a:r>
+            <a:r>
+              <a:rPr lang="en-US" sz="2000" dirty="0" err="1">
+                <a:effectLst/>
+                <a:latin typeface="Times New Roman" panose="02020603050405020304" pitchFamily="18" charset="0"/>
+                <a:ea typeface="Times New Roman" panose="02020603050405020304" pitchFamily="18" charset="0"/>
+                <a:sym typeface="+mn-ea"/>
               </a:rPr>
               <a:t>vụ</a:t>
             </a:r>
             <a:r>
-              <a:rPr lang="en-US" sz="1800" dirty="0">
-                <a:effectLst/>
-                <a:latin typeface="Times New Roman" panose="02020603050405020304" pitchFamily="18" charset="0"/>
-                <a:ea typeface="Times New Roman" panose="02020603050405020304" pitchFamily="18" charset="0"/>
-              </a:rPr>
-              <a:t> </a:t>
-            </a:r>
-            <a:r>
-              <a:rPr lang="en-US" sz="1800" dirty="0" err="1">
-                <a:effectLst/>
-                <a:latin typeface="Times New Roman" panose="02020603050405020304" pitchFamily="18" charset="0"/>
-                <a:ea typeface="Times New Roman" panose="02020603050405020304" pitchFamily="18" charset="0"/>
+              <a:rPr lang="en-US" sz="2000" dirty="0">
+                <a:effectLst/>
+                <a:latin typeface="Times New Roman" panose="02020603050405020304" pitchFamily="18" charset="0"/>
+                <a:ea typeface="Times New Roman" panose="02020603050405020304" pitchFamily="18" charset="0"/>
+                <a:sym typeface="+mn-ea"/>
+              </a:rPr>
+              <a:t> </a:t>
+            </a:r>
+            <a:r>
+              <a:rPr lang="en-US" sz="2000" dirty="0" err="1">
+                <a:effectLst/>
+                <a:latin typeface="Times New Roman" panose="02020603050405020304" pitchFamily="18" charset="0"/>
+                <a:ea typeface="Times New Roman" panose="02020603050405020304" pitchFamily="18" charset="0"/>
+                <a:sym typeface="+mn-ea"/>
               </a:rPr>
               <a:t>cơ</a:t>
             </a:r>
             <a:r>
-              <a:rPr lang="en-US" sz="1800" dirty="0">
-                <a:effectLst/>
-                <a:latin typeface="Times New Roman" panose="02020603050405020304" pitchFamily="18" charset="0"/>
-                <a:ea typeface="Times New Roman" panose="02020603050405020304" pitchFamily="18" charset="0"/>
-              </a:rPr>
-              <a:t> </a:t>
-            </a:r>
-            <a:r>
-              <a:rPr lang="en-US" sz="1800" dirty="0" err="1">
-                <a:effectLst/>
-                <a:latin typeface="Times New Roman" panose="02020603050405020304" pitchFamily="18" charset="0"/>
-                <a:ea typeface="Times New Roman" panose="02020603050405020304" pitchFamily="18" charset="0"/>
+              <a:rPr lang="en-US" sz="2000" dirty="0">
+                <a:effectLst/>
+                <a:latin typeface="Times New Roman" panose="02020603050405020304" pitchFamily="18" charset="0"/>
+                <a:ea typeface="Times New Roman" panose="02020603050405020304" pitchFamily="18" charset="0"/>
+                <a:sym typeface="+mn-ea"/>
+              </a:rPr>
+              <a:t> </a:t>
+            </a:r>
+            <a:r>
+              <a:rPr lang="en-US" sz="2000" dirty="0" err="1">
+                <a:effectLst/>
+                <a:latin typeface="Times New Roman" panose="02020603050405020304" pitchFamily="18" charset="0"/>
+                <a:ea typeface="Times New Roman" panose="02020603050405020304" pitchFamily="18" charset="0"/>
+                <a:sym typeface="+mn-ea"/>
               </a:rPr>
               <a:t>bản</a:t>
             </a:r>
             <a:r>
-              <a:rPr lang="en-US" sz="1800" dirty="0">
-                <a:effectLst/>
-                <a:latin typeface="Times New Roman" panose="02020603050405020304" pitchFamily="18" charset="0"/>
-                <a:ea typeface="Times New Roman" panose="02020603050405020304" pitchFamily="18" charset="0"/>
+              <a:rPr lang="en-US" sz="2000" dirty="0">
+                <a:effectLst/>
+                <a:latin typeface="Times New Roman" panose="02020603050405020304" pitchFamily="18" charset="0"/>
+                <a:ea typeface="Times New Roman" panose="02020603050405020304" pitchFamily="18" charset="0"/>
+                <a:sym typeface="+mn-ea"/>
               </a:rPr>
               <a:t>, </a:t>
             </a:r>
             <a:r>
-              <a:rPr lang="en-US" sz="1800" dirty="0" err="1">
-                <a:effectLst/>
-                <a:latin typeface="Times New Roman" panose="02020603050405020304" pitchFamily="18" charset="0"/>
-                <a:ea typeface="Times New Roman" panose="02020603050405020304" pitchFamily="18" charset="0"/>
+              <a:rPr lang="en-US" sz="2000" dirty="0" err="1">
+                <a:effectLst/>
+                <a:latin typeface="Times New Roman" panose="02020603050405020304" pitchFamily="18" charset="0"/>
+                <a:ea typeface="Times New Roman" panose="02020603050405020304" pitchFamily="18" charset="0"/>
+                <a:sym typeface="+mn-ea"/>
               </a:rPr>
               <a:t>đồng</a:t>
             </a:r>
             <a:r>
-              <a:rPr lang="en-US" sz="1800" dirty="0">
-                <a:effectLst/>
-                <a:latin typeface="Times New Roman" panose="02020603050405020304" pitchFamily="18" charset="0"/>
-                <a:ea typeface="Times New Roman" panose="02020603050405020304" pitchFamily="18" charset="0"/>
-              </a:rPr>
-              <a:t> </a:t>
-            </a:r>
-            <a:r>
-              <a:rPr lang="en-US" sz="1800" dirty="0" err="1">
-                <a:effectLst/>
-                <a:latin typeface="Times New Roman" panose="02020603050405020304" pitchFamily="18" charset="0"/>
-                <a:ea typeface="Times New Roman" panose="02020603050405020304" pitchFamily="18" charset="0"/>
+              <a:rPr lang="en-US" sz="2000" dirty="0">
+                <a:effectLst/>
+                <a:latin typeface="Times New Roman" panose="02020603050405020304" pitchFamily="18" charset="0"/>
+                <a:ea typeface="Times New Roman" panose="02020603050405020304" pitchFamily="18" charset="0"/>
+                <a:sym typeface="+mn-ea"/>
+              </a:rPr>
+              <a:t> </a:t>
+            </a:r>
+            <a:r>
+              <a:rPr lang="en-US" sz="2000" dirty="0" err="1">
+                <a:effectLst/>
+                <a:latin typeface="Times New Roman" panose="02020603050405020304" pitchFamily="18" charset="0"/>
+                <a:ea typeface="Times New Roman" panose="02020603050405020304" pitchFamily="18" charset="0"/>
+                <a:sym typeface="+mn-ea"/>
               </a:rPr>
               <a:t>thời</a:t>
             </a:r>
             <a:r>
-              <a:rPr lang="en-US" sz="1800" dirty="0">
-                <a:effectLst/>
-                <a:latin typeface="Times New Roman" panose="02020603050405020304" pitchFamily="18" charset="0"/>
-                <a:ea typeface="Times New Roman" panose="02020603050405020304" pitchFamily="18" charset="0"/>
-              </a:rPr>
-              <a:t> </a:t>
-            </a:r>
-            <a:r>
-              <a:rPr lang="en-US" sz="1800" dirty="0" err="1">
-                <a:effectLst/>
-                <a:latin typeface="Times New Roman" panose="02020603050405020304" pitchFamily="18" charset="0"/>
-                <a:ea typeface="Times New Roman" panose="02020603050405020304" pitchFamily="18" charset="0"/>
+              <a:rPr lang="en-US" sz="2000" dirty="0">
+                <a:effectLst/>
+                <a:latin typeface="Times New Roman" panose="02020603050405020304" pitchFamily="18" charset="0"/>
+                <a:ea typeface="Times New Roman" panose="02020603050405020304" pitchFamily="18" charset="0"/>
+                <a:sym typeface="+mn-ea"/>
+              </a:rPr>
+              <a:t> </a:t>
+            </a:r>
+            <a:r>
+              <a:rPr lang="en-US" sz="2000" dirty="0" err="1">
+                <a:effectLst/>
+                <a:latin typeface="Times New Roman" panose="02020603050405020304" pitchFamily="18" charset="0"/>
+                <a:ea typeface="Times New Roman" panose="02020603050405020304" pitchFamily="18" charset="0"/>
+                <a:sym typeface="+mn-ea"/>
               </a:rPr>
               <a:t>phải</a:t>
             </a:r>
             <a:r>
-              <a:rPr lang="en-US" sz="1800" dirty="0">
-                <a:effectLst/>
-                <a:latin typeface="Times New Roman" panose="02020603050405020304" pitchFamily="18" charset="0"/>
-                <a:ea typeface="Times New Roman" panose="02020603050405020304" pitchFamily="18" charset="0"/>
-              </a:rPr>
-              <a:t> </a:t>
-            </a:r>
-            <a:r>
-              <a:rPr lang="en-US" sz="1800" dirty="0" err="1">
-                <a:effectLst/>
-                <a:latin typeface="Times New Roman" panose="02020603050405020304" pitchFamily="18" charset="0"/>
-                <a:ea typeface="Times New Roman" panose="02020603050405020304" pitchFamily="18" charset="0"/>
+              <a:rPr lang="en-US" sz="2000" dirty="0">
+                <a:effectLst/>
+                <a:latin typeface="Times New Roman" panose="02020603050405020304" pitchFamily="18" charset="0"/>
+                <a:ea typeface="Times New Roman" panose="02020603050405020304" pitchFamily="18" charset="0"/>
+                <a:sym typeface="+mn-ea"/>
+              </a:rPr>
+              <a:t> </a:t>
+            </a:r>
+            <a:r>
+              <a:rPr lang="en-US" sz="2000" dirty="0" err="1">
+                <a:effectLst/>
+                <a:latin typeface="Times New Roman" panose="02020603050405020304" pitchFamily="18" charset="0"/>
+                <a:ea typeface="Times New Roman" panose="02020603050405020304" pitchFamily="18" charset="0"/>
+                <a:sym typeface="+mn-ea"/>
               </a:rPr>
               <a:t>hoạt</a:t>
             </a:r>
             <a:r>
-              <a:rPr lang="en-US" sz="1800" dirty="0">
-                <a:effectLst/>
-                <a:latin typeface="Times New Roman" panose="02020603050405020304" pitchFamily="18" charset="0"/>
-                <a:ea typeface="Times New Roman" panose="02020603050405020304" pitchFamily="18" charset="0"/>
-              </a:rPr>
-              <a:t> </a:t>
-            </a:r>
-            <a:r>
-              <a:rPr lang="en-US" sz="1800" dirty="0" err="1">
-                <a:effectLst/>
-                <a:latin typeface="Times New Roman" panose="02020603050405020304" pitchFamily="18" charset="0"/>
-                <a:ea typeface="Times New Roman" panose="02020603050405020304" pitchFamily="18" charset="0"/>
+              <a:rPr lang="en-US" sz="2000" dirty="0">
+                <a:effectLst/>
+                <a:latin typeface="Times New Roman" panose="02020603050405020304" pitchFamily="18" charset="0"/>
+                <a:ea typeface="Times New Roman" panose="02020603050405020304" pitchFamily="18" charset="0"/>
+                <a:sym typeface="+mn-ea"/>
+              </a:rPr>
+              <a:t> </a:t>
+            </a:r>
+            <a:r>
+              <a:rPr lang="en-US" sz="2000" dirty="0" err="1">
+                <a:effectLst/>
+                <a:latin typeface="Times New Roman" panose="02020603050405020304" pitchFamily="18" charset="0"/>
+                <a:ea typeface="Times New Roman" panose="02020603050405020304" pitchFamily="18" charset="0"/>
+                <a:sym typeface="+mn-ea"/>
               </a:rPr>
               <a:t>động</a:t>
             </a:r>
             <a:r>
-              <a:rPr lang="en-US" sz="1800" dirty="0">
-                <a:effectLst/>
-                <a:latin typeface="Times New Roman" panose="02020603050405020304" pitchFamily="18" charset="0"/>
-                <a:ea typeface="Times New Roman" panose="02020603050405020304" pitchFamily="18" charset="0"/>
-              </a:rPr>
-              <a:t> </a:t>
-            </a:r>
-            <a:r>
-              <a:rPr lang="en-US" sz="1800" dirty="0" err="1">
-                <a:effectLst/>
-                <a:latin typeface="Times New Roman" panose="02020603050405020304" pitchFamily="18" charset="0"/>
-                <a:ea typeface="Times New Roman" panose="02020603050405020304" pitchFamily="18" charset="0"/>
+              <a:rPr lang="en-US" sz="2000" dirty="0">
+                <a:effectLst/>
+                <a:latin typeface="Times New Roman" panose="02020603050405020304" pitchFamily="18" charset="0"/>
+                <a:ea typeface="Times New Roman" panose="02020603050405020304" pitchFamily="18" charset="0"/>
+                <a:sym typeface="+mn-ea"/>
+              </a:rPr>
+              <a:t> </a:t>
+            </a:r>
+            <a:r>
+              <a:rPr lang="en-US" sz="2000" dirty="0" err="1">
+                <a:effectLst/>
+                <a:latin typeface="Times New Roman" panose="02020603050405020304" pitchFamily="18" charset="0"/>
+                <a:ea typeface="Times New Roman" panose="02020603050405020304" pitchFamily="18" charset="0"/>
+                <a:sym typeface="+mn-ea"/>
               </a:rPr>
               <a:t>ổn</a:t>
             </a:r>
             <a:r>
-              <a:rPr lang="en-US" sz="1800" dirty="0">
-                <a:effectLst/>
-                <a:latin typeface="Times New Roman" panose="02020603050405020304" pitchFamily="18" charset="0"/>
-                <a:ea typeface="Times New Roman" panose="02020603050405020304" pitchFamily="18" charset="0"/>
-              </a:rPr>
-              <a:t> </a:t>
-            </a:r>
-            <a:r>
-              <a:rPr lang="en-US" sz="1800" dirty="0" err="1">
-                <a:effectLst/>
-                <a:latin typeface="Times New Roman" panose="02020603050405020304" pitchFamily="18" charset="0"/>
-                <a:ea typeface="Times New Roman" panose="02020603050405020304" pitchFamily="18" charset="0"/>
+              <a:rPr lang="en-US" sz="2000" dirty="0">
+                <a:effectLst/>
+                <a:latin typeface="Times New Roman" panose="02020603050405020304" pitchFamily="18" charset="0"/>
+                <a:ea typeface="Times New Roman" panose="02020603050405020304" pitchFamily="18" charset="0"/>
+                <a:sym typeface="+mn-ea"/>
+              </a:rPr>
+              <a:t> </a:t>
+            </a:r>
+            <a:r>
+              <a:rPr lang="en-US" sz="2000" dirty="0" err="1">
+                <a:effectLst/>
+                <a:latin typeface="Times New Roman" panose="02020603050405020304" pitchFamily="18" charset="0"/>
+                <a:ea typeface="Times New Roman" panose="02020603050405020304" pitchFamily="18" charset="0"/>
+                <a:sym typeface="+mn-ea"/>
               </a:rPr>
               <a:t>định</a:t>
             </a:r>
             <a:r>
-              <a:rPr lang="en-US" sz="1800" dirty="0">
-                <a:effectLst/>
-                <a:latin typeface="Times New Roman" panose="02020603050405020304" pitchFamily="18" charset="0"/>
-                <a:ea typeface="Times New Roman" panose="02020603050405020304" pitchFamily="18" charset="0"/>
-              </a:rPr>
-              <a:t> </a:t>
-            </a:r>
-            <a:r>
-              <a:rPr lang="en-US" sz="1800" dirty="0" err="1">
-                <a:effectLst/>
-                <a:latin typeface="Times New Roman" panose="02020603050405020304" pitchFamily="18" charset="0"/>
-                <a:ea typeface="Times New Roman" panose="02020603050405020304" pitchFamily="18" charset="0"/>
+              <a:rPr lang="en-US" sz="2000" dirty="0">
+                <a:effectLst/>
+                <a:latin typeface="Times New Roman" panose="02020603050405020304" pitchFamily="18" charset="0"/>
+                <a:ea typeface="Times New Roman" panose="02020603050405020304" pitchFamily="18" charset="0"/>
+                <a:sym typeface="+mn-ea"/>
+              </a:rPr>
+              <a:t> </a:t>
+            </a:r>
+            <a:r>
+              <a:rPr lang="en-US" sz="2000" dirty="0" err="1">
+                <a:effectLst/>
+                <a:latin typeface="Times New Roman" panose="02020603050405020304" pitchFamily="18" charset="0"/>
+                <a:ea typeface="Times New Roman" panose="02020603050405020304" pitchFamily="18" charset="0"/>
+                <a:sym typeface="+mn-ea"/>
               </a:rPr>
               <a:t>và</a:t>
             </a:r>
             <a:r>
-              <a:rPr lang="en-US" sz="1800" dirty="0">
-                <a:effectLst/>
-                <a:latin typeface="Times New Roman" panose="02020603050405020304" pitchFamily="18" charset="0"/>
-                <a:ea typeface="Times New Roman" panose="02020603050405020304" pitchFamily="18" charset="0"/>
-              </a:rPr>
-              <a:t> </a:t>
-            </a:r>
-            <a:r>
-              <a:rPr lang="en-US" sz="1800" dirty="0" err="1">
-                <a:effectLst/>
-                <a:latin typeface="Times New Roman" panose="02020603050405020304" pitchFamily="18" charset="0"/>
-                <a:ea typeface="Times New Roman" panose="02020603050405020304" pitchFamily="18" charset="0"/>
+              <a:rPr lang="en-US" sz="2000" dirty="0">
+                <a:effectLst/>
+                <a:latin typeface="Times New Roman" panose="02020603050405020304" pitchFamily="18" charset="0"/>
+                <a:ea typeface="Times New Roman" panose="02020603050405020304" pitchFamily="18" charset="0"/>
+                <a:sym typeface="+mn-ea"/>
+              </a:rPr>
+              <a:t> </a:t>
+            </a:r>
+            <a:r>
+              <a:rPr lang="en-US" sz="2000" dirty="0" err="1">
+                <a:effectLst/>
+                <a:latin typeface="Times New Roman" panose="02020603050405020304" pitchFamily="18" charset="0"/>
+                <a:ea typeface="Times New Roman" panose="02020603050405020304" pitchFamily="18" charset="0"/>
+                <a:sym typeface="+mn-ea"/>
               </a:rPr>
               <a:t>có</a:t>
             </a:r>
             <a:r>
-              <a:rPr lang="en-US" sz="1800" dirty="0">
-                <a:effectLst/>
-                <a:latin typeface="Times New Roman" panose="02020603050405020304" pitchFamily="18" charset="0"/>
-                <a:ea typeface="Times New Roman" panose="02020603050405020304" pitchFamily="18" charset="0"/>
-              </a:rPr>
-              <a:t> </a:t>
-            </a:r>
-            <a:r>
-              <a:rPr lang="en-US" sz="1800" dirty="0" err="1">
-                <a:effectLst/>
-                <a:latin typeface="Times New Roman" panose="02020603050405020304" pitchFamily="18" charset="0"/>
-                <a:ea typeface="Times New Roman" panose="02020603050405020304" pitchFamily="18" charset="0"/>
+              <a:rPr lang="en-US" sz="2000" dirty="0">
+                <a:effectLst/>
+                <a:latin typeface="Times New Roman" panose="02020603050405020304" pitchFamily="18" charset="0"/>
+                <a:ea typeface="Times New Roman" panose="02020603050405020304" pitchFamily="18" charset="0"/>
+                <a:sym typeface="+mn-ea"/>
+              </a:rPr>
+              <a:t> </a:t>
+            </a:r>
+            <a:r>
+              <a:rPr lang="en-US" sz="2000" dirty="0" err="1">
+                <a:effectLst/>
+                <a:latin typeface="Times New Roman" panose="02020603050405020304" pitchFamily="18" charset="0"/>
+                <a:ea typeface="Times New Roman" panose="02020603050405020304" pitchFamily="18" charset="0"/>
+                <a:sym typeface="+mn-ea"/>
               </a:rPr>
               <a:t>hiệu</a:t>
             </a:r>
             <a:r>
-              <a:rPr lang="en-US" sz="1800" dirty="0">
-                <a:effectLst/>
-                <a:latin typeface="Times New Roman" panose="02020603050405020304" pitchFamily="18" charset="0"/>
-                <a:ea typeface="Times New Roman" panose="02020603050405020304" pitchFamily="18" charset="0"/>
-              </a:rPr>
-              <a:t> </a:t>
-            </a:r>
-            <a:r>
-              <a:rPr lang="en-US" sz="1800" dirty="0" err="1">
-                <a:effectLst/>
-                <a:latin typeface="Times New Roman" panose="02020603050405020304" pitchFamily="18" charset="0"/>
-                <a:ea typeface="Times New Roman" panose="02020603050405020304" pitchFamily="18" charset="0"/>
+              <a:rPr lang="en-US" sz="2000" dirty="0">
+                <a:effectLst/>
+                <a:latin typeface="Times New Roman" panose="02020603050405020304" pitchFamily="18" charset="0"/>
+                <a:ea typeface="Times New Roman" panose="02020603050405020304" pitchFamily="18" charset="0"/>
+                <a:sym typeface="+mn-ea"/>
+              </a:rPr>
+              <a:t> </a:t>
+            </a:r>
+            <a:r>
+              <a:rPr lang="en-US" sz="2000" dirty="0" err="1">
+                <a:effectLst/>
+                <a:latin typeface="Times New Roman" panose="02020603050405020304" pitchFamily="18" charset="0"/>
+                <a:ea typeface="Times New Roman" panose="02020603050405020304" pitchFamily="18" charset="0"/>
+                <a:sym typeface="+mn-ea"/>
               </a:rPr>
               <a:t>suất</a:t>
             </a:r>
             <a:r>
-              <a:rPr lang="en-US" sz="1800" dirty="0">
-                <a:effectLst/>
-                <a:latin typeface="Times New Roman" panose="02020603050405020304" pitchFamily="18" charset="0"/>
-                <a:ea typeface="Times New Roman" panose="02020603050405020304" pitchFamily="18" charset="0"/>
-              </a:rPr>
-              <a:t> </a:t>
-            </a:r>
-            <a:r>
-              <a:rPr lang="en-US" sz="1800" dirty="0" err="1">
-                <a:effectLst/>
-                <a:latin typeface="Times New Roman" panose="02020603050405020304" pitchFamily="18" charset="0"/>
-                <a:ea typeface="Times New Roman" panose="02020603050405020304" pitchFamily="18" charset="0"/>
+              <a:rPr lang="en-US" sz="2000" dirty="0">
+                <a:effectLst/>
+                <a:latin typeface="Times New Roman" panose="02020603050405020304" pitchFamily="18" charset="0"/>
+                <a:ea typeface="Times New Roman" panose="02020603050405020304" pitchFamily="18" charset="0"/>
+                <a:sym typeface="+mn-ea"/>
+              </a:rPr>
+              <a:t> </a:t>
+            </a:r>
+            <a:r>
+              <a:rPr lang="en-US" sz="2000" dirty="0" err="1">
+                <a:effectLst/>
+                <a:latin typeface="Times New Roman" panose="02020603050405020304" pitchFamily="18" charset="0"/>
+                <a:ea typeface="Times New Roman" panose="02020603050405020304" pitchFamily="18" charset="0"/>
+                <a:sym typeface="+mn-ea"/>
               </a:rPr>
               <a:t>cao</a:t>
             </a:r>
             <a:r>
-              <a:rPr lang="en-US" sz="1800" dirty="0">
-                <a:effectLst/>
-                <a:latin typeface="Times New Roman" panose="02020603050405020304" pitchFamily="18" charset="0"/>
-                <a:ea typeface="Times New Roman" panose="02020603050405020304" pitchFamily="18" charset="0"/>
+              <a:rPr lang="en-US" sz="2000" dirty="0">
+                <a:effectLst/>
+                <a:latin typeface="Times New Roman" panose="02020603050405020304" pitchFamily="18" charset="0"/>
+                <a:ea typeface="Times New Roman" panose="02020603050405020304" pitchFamily="18" charset="0"/>
+                <a:sym typeface="+mn-ea"/>
               </a:rPr>
               <a:t>, </a:t>
             </a:r>
             <a:r>
-              <a:rPr lang="en-US" sz="1800" dirty="0" err="1">
-                <a:effectLst/>
-                <a:latin typeface="Times New Roman" panose="02020603050405020304" pitchFamily="18" charset="0"/>
-                <a:ea typeface="Times New Roman" panose="02020603050405020304" pitchFamily="18" charset="0"/>
+              <a:rPr lang="en-US" sz="2000" dirty="0" err="1">
+                <a:effectLst/>
+                <a:latin typeface="Times New Roman" panose="02020603050405020304" pitchFamily="18" charset="0"/>
+                <a:ea typeface="Times New Roman" panose="02020603050405020304" pitchFamily="18" charset="0"/>
+                <a:sym typeface="+mn-ea"/>
               </a:rPr>
               <a:t>đảm</a:t>
             </a:r>
             <a:r>
-              <a:rPr lang="en-US" sz="1800" dirty="0">
-                <a:effectLst/>
-                <a:latin typeface="Times New Roman" panose="02020603050405020304" pitchFamily="18" charset="0"/>
-                <a:ea typeface="Times New Roman" panose="02020603050405020304" pitchFamily="18" charset="0"/>
-              </a:rPr>
-              <a:t> </a:t>
-            </a:r>
-            <a:r>
-              <a:rPr lang="en-US" sz="1800" dirty="0" err="1">
-                <a:effectLst/>
-                <a:latin typeface="Times New Roman" panose="02020603050405020304" pitchFamily="18" charset="0"/>
-                <a:ea typeface="Times New Roman" panose="02020603050405020304" pitchFamily="18" charset="0"/>
+              <a:rPr lang="en-US" sz="2000" dirty="0">
+                <a:effectLst/>
+                <a:latin typeface="Times New Roman" panose="02020603050405020304" pitchFamily="18" charset="0"/>
+                <a:ea typeface="Times New Roman" panose="02020603050405020304" pitchFamily="18" charset="0"/>
+                <a:sym typeface="+mn-ea"/>
+              </a:rPr>
+              <a:t> </a:t>
+            </a:r>
+            <a:r>
+              <a:rPr lang="en-US" sz="2000" dirty="0" err="1">
+                <a:effectLst/>
+                <a:latin typeface="Times New Roman" panose="02020603050405020304" pitchFamily="18" charset="0"/>
+                <a:ea typeface="Times New Roman" panose="02020603050405020304" pitchFamily="18" charset="0"/>
+                <a:sym typeface="+mn-ea"/>
               </a:rPr>
               <a:t>bảo</a:t>
             </a:r>
             <a:r>
-              <a:rPr lang="en-US" sz="1800" dirty="0">
-                <a:effectLst/>
-                <a:latin typeface="Times New Roman" panose="02020603050405020304" pitchFamily="18" charset="0"/>
-                <a:ea typeface="Times New Roman" panose="02020603050405020304" pitchFamily="18" charset="0"/>
-              </a:rPr>
-              <a:t> </a:t>
-            </a:r>
-            <a:r>
-              <a:rPr lang="en-US" sz="1800" dirty="0" err="1">
-                <a:effectLst/>
-                <a:latin typeface="Times New Roman" panose="02020603050405020304" pitchFamily="18" charset="0"/>
-                <a:ea typeface="Times New Roman" panose="02020603050405020304" pitchFamily="18" charset="0"/>
+              <a:rPr lang="en-US" sz="2000" dirty="0">
+                <a:effectLst/>
+                <a:latin typeface="Times New Roman" panose="02020603050405020304" pitchFamily="18" charset="0"/>
+                <a:ea typeface="Times New Roman" panose="02020603050405020304" pitchFamily="18" charset="0"/>
+                <a:sym typeface="+mn-ea"/>
+              </a:rPr>
+              <a:t> </a:t>
+            </a:r>
+            <a:r>
+              <a:rPr lang="en-US" sz="2000" dirty="0" err="1">
+                <a:effectLst/>
+                <a:latin typeface="Times New Roman" panose="02020603050405020304" pitchFamily="18" charset="0"/>
+                <a:ea typeface="Times New Roman" panose="02020603050405020304" pitchFamily="18" charset="0"/>
+                <a:sym typeface="+mn-ea"/>
               </a:rPr>
               <a:t>được</a:t>
             </a:r>
             <a:r>
-              <a:rPr lang="en-US" sz="1800" dirty="0">
-                <a:effectLst/>
-                <a:latin typeface="Times New Roman" panose="02020603050405020304" pitchFamily="18" charset="0"/>
-                <a:ea typeface="Times New Roman" panose="02020603050405020304" pitchFamily="18" charset="0"/>
-              </a:rPr>
-              <a:t> </a:t>
-            </a:r>
-            <a:r>
-              <a:rPr lang="en-US" sz="1800" dirty="0" err="1">
-                <a:effectLst/>
-                <a:latin typeface="Times New Roman" panose="02020603050405020304" pitchFamily="18" charset="0"/>
-                <a:ea typeface="Times New Roman" panose="02020603050405020304" pitchFamily="18" charset="0"/>
+              <a:rPr lang="en-US" sz="2000" dirty="0">
+                <a:effectLst/>
+                <a:latin typeface="Times New Roman" panose="02020603050405020304" pitchFamily="18" charset="0"/>
+                <a:ea typeface="Times New Roman" panose="02020603050405020304" pitchFamily="18" charset="0"/>
+                <a:sym typeface="+mn-ea"/>
+              </a:rPr>
+              <a:t> </a:t>
+            </a:r>
+            <a:r>
+              <a:rPr lang="en-US" sz="2000" dirty="0" err="1">
+                <a:effectLst/>
+                <a:latin typeface="Times New Roman" panose="02020603050405020304" pitchFamily="18" charset="0"/>
+                <a:ea typeface="Times New Roman" panose="02020603050405020304" pitchFamily="18" charset="0"/>
+                <a:sym typeface="+mn-ea"/>
               </a:rPr>
               <a:t>hiệu</a:t>
             </a:r>
             <a:r>
-              <a:rPr lang="en-US" sz="1800" dirty="0">
-                <a:effectLst/>
-                <a:latin typeface="Times New Roman" panose="02020603050405020304" pitchFamily="18" charset="0"/>
-                <a:ea typeface="Times New Roman" panose="02020603050405020304" pitchFamily="18" charset="0"/>
-              </a:rPr>
-              <a:t> </a:t>
-            </a:r>
-            <a:r>
-              <a:rPr lang="en-US" sz="1800" dirty="0" err="1">
-                <a:effectLst/>
-                <a:latin typeface="Times New Roman" panose="02020603050405020304" pitchFamily="18" charset="0"/>
-                <a:ea typeface="Times New Roman" panose="02020603050405020304" pitchFamily="18" charset="0"/>
+              <a:rPr lang="en-US" sz="2000" dirty="0">
+                <a:effectLst/>
+                <a:latin typeface="Times New Roman" panose="02020603050405020304" pitchFamily="18" charset="0"/>
+                <a:ea typeface="Times New Roman" panose="02020603050405020304" pitchFamily="18" charset="0"/>
+                <a:sym typeface="+mn-ea"/>
+              </a:rPr>
+              <a:t> </a:t>
+            </a:r>
+            <a:r>
+              <a:rPr lang="en-US" sz="2000" dirty="0" err="1">
+                <a:effectLst/>
+                <a:latin typeface="Times New Roman" panose="02020603050405020304" pitchFamily="18" charset="0"/>
+                <a:ea typeface="Times New Roman" panose="02020603050405020304" pitchFamily="18" charset="0"/>
+                <a:sym typeface="+mn-ea"/>
               </a:rPr>
               <a:t>quả</a:t>
             </a:r>
             <a:r>
-              <a:rPr lang="en-US" sz="1800" dirty="0">
-                <a:effectLst/>
-                <a:latin typeface="Times New Roman" panose="02020603050405020304" pitchFamily="18" charset="0"/>
-                <a:ea typeface="Times New Roman" panose="02020603050405020304" pitchFamily="18" charset="0"/>
-              </a:rPr>
-              <a:t> </a:t>
-            </a:r>
-            <a:r>
-              <a:rPr lang="en-US" sz="1800" dirty="0" err="1">
-                <a:effectLst/>
-                <a:latin typeface="Times New Roman" panose="02020603050405020304" pitchFamily="18" charset="0"/>
-                <a:ea typeface="Times New Roman" panose="02020603050405020304" pitchFamily="18" charset="0"/>
+              <a:rPr lang="en-US" sz="2000" dirty="0">
+                <a:effectLst/>
+                <a:latin typeface="Times New Roman" panose="02020603050405020304" pitchFamily="18" charset="0"/>
+                <a:ea typeface="Times New Roman" panose="02020603050405020304" pitchFamily="18" charset="0"/>
+                <a:sym typeface="+mn-ea"/>
+              </a:rPr>
+              <a:t> </a:t>
+            </a:r>
+            <a:r>
+              <a:rPr lang="en-US" sz="2000" dirty="0" err="1">
+                <a:effectLst/>
+                <a:latin typeface="Times New Roman" panose="02020603050405020304" pitchFamily="18" charset="0"/>
+                <a:ea typeface="Times New Roman" panose="02020603050405020304" pitchFamily="18" charset="0"/>
+                <a:sym typeface="+mn-ea"/>
               </a:rPr>
               <a:t>khi</a:t>
             </a:r>
             <a:r>
-              <a:rPr lang="en-US" sz="1800" dirty="0">
-                <a:effectLst/>
-                <a:latin typeface="Times New Roman" panose="02020603050405020304" pitchFamily="18" charset="0"/>
-                <a:ea typeface="Times New Roman" panose="02020603050405020304" pitchFamily="18" charset="0"/>
-              </a:rPr>
-              <a:t> </a:t>
-            </a:r>
-            <a:r>
-              <a:rPr lang="en-US" sz="1800" dirty="0" err="1">
-                <a:effectLst/>
-                <a:latin typeface="Times New Roman" panose="02020603050405020304" pitchFamily="18" charset="0"/>
-                <a:ea typeface="Times New Roman" panose="02020603050405020304" pitchFamily="18" charset="0"/>
+              <a:rPr lang="en-US" sz="2000" dirty="0">
+                <a:effectLst/>
+                <a:latin typeface="Times New Roman" panose="02020603050405020304" pitchFamily="18" charset="0"/>
+                <a:ea typeface="Times New Roman" panose="02020603050405020304" pitchFamily="18" charset="0"/>
+                <a:sym typeface="+mn-ea"/>
+              </a:rPr>
+              <a:t> </a:t>
+            </a:r>
+            <a:r>
+              <a:rPr lang="en-US" sz="2000" dirty="0" err="1">
+                <a:effectLst/>
+                <a:latin typeface="Times New Roman" panose="02020603050405020304" pitchFamily="18" charset="0"/>
+                <a:ea typeface="Times New Roman" panose="02020603050405020304" pitchFamily="18" charset="0"/>
+                <a:sym typeface="+mn-ea"/>
               </a:rPr>
               <a:t>lượng</a:t>
             </a:r>
             <a:r>
-              <a:rPr lang="en-US" sz="1800" dirty="0">
-                <a:effectLst/>
-                <a:latin typeface="Times New Roman" panose="02020603050405020304" pitchFamily="18" charset="0"/>
-                <a:ea typeface="Times New Roman" panose="02020603050405020304" pitchFamily="18" charset="0"/>
-              </a:rPr>
-              <a:t> </a:t>
-            </a:r>
-            <a:r>
-              <a:rPr lang="en-US" sz="1800" dirty="0" err="1">
-                <a:effectLst/>
-                <a:latin typeface="Times New Roman" panose="02020603050405020304" pitchFamily="18" charset="0"/>
-                <a:ea typeface="Times New Roman" panose="02020603050405020304" pitchFamily="18" charset="0"/>
+              <a:rPr lang="en-US" sz="2000" dirty="0">
+                <a:effectLst/>
+                <a:latin typeface="Times New Roman" panose="02020603050405020304" pitchFamily="18" charset="0"/>
+                <a:ea typeface="Times New Roman" panose="02020603050405020304" pitchFamily="18" charset="0"/>
+                <a:sym typeface="+mn-ea"/>
+              </a:rPr>
+              <a:t> </a:t>
+            </a:r>
+            <a:r>
+              <a:rPr lang="en-US" sz="2000" dirty="0" err="1">
+                <a:effectLst/>
+                <a:latin typeface="Times New Roman" panose="02020603050405020304" pitchFamily="18" charset="0"/>
+                <a:ea typeface="Times New Roman" panose="02020603050405020304" pitchFamily="18" charset="0"/>
+                <a:sym typeface="+mn-ea"/>
               </a:rPr>
               <a:t>dữ</a:t>
             </a:r>
             <a:r>
-              <a:rPr lang="en-US" sz="1800" dirty="0">
-                <a:effectLst/>
-                <a:latin typeface="Times New Roman" panose="02020603050405020304" pitchFamily="18" charset="0"/>
-                <a:ea typeface="Times New Roman" panose="02020603050405020304" pitchFamily="18" charset="0"/>
-              </a:rPr>
-              <a:t> </a:t>
-            </a:r>
-            <a:r>
-              <a:rPr lang="en-US" sz="1800" dirty="0" err="1">
-                <a:effectLst/>
-                <a:latin typeface="Times New Roman" panose="02020603050405020304" pitchFamily="18" charset="0"/>
-                <a:ea typeface="Times New Roman" panose="02020603050405020304" pitchFamily="18" charset="0"/>
+              <a:rPr lang="en-US" sz="2000" dirty="0">
+                <a:effectLst/>
+                <a:latin typeface="Times New Roman" panose="02020603050405020304" pitchFamily="18" charset="0"/>
+                <a:ea typeface="Times New Roman" panose="02020603050405020304" pitchFamily="18" charset="0"/>
+                <a:sym typeface="+mn-ea"/>
+              </a:rPr>
+              <a:t> </a:t>
+            </a:r>
+            <a:r>
+              <a:rPr lang="en-US" sz="2000" dirty="0" err="1">
+                <a:effectLst/>
+                <a:latin typeface="Times New Roman" panose="02020603050405020304" pitchFamily="18" charset="0"/>
+                <a:ea typeface="Times New Roman" panose="02020603050405020304" pitchFamily="18" charset="0"/>
+                <a:sym typeface="+mn-ea"/>
               </a:rPr>
               <a:t>liệu</a:t>
             </a:r>
             <a:r>
-              <a:rPr lang="en-US" sz="1800" spc="-35" dirty="0">
-                <a:effectLst/>
-                <a:latin typeface="Times New Roman" panose="02020603050405020304" pitchFamily="18" charset="0"/>
-                <a:ea typeface="Times New Roman" panose="02020603050405020304" pitchFamily="18" charset="0"/>
-              </a:rPr>
-              <a:t> </a:t>
-            </a:r>
-            <a:r>
-              <a:rPr lang="en-US" sz="1800" dirty="0" err="1">
-                <a:effectLst/>
-                <a:latin typeface="Times New Roman" panose="02020603050405020304" pitchFamily="18" charset="0"/>
-                <a:ea typeface="Times New Roman" panose="02020603050405020304" pitchFamily="18" charset="0"/>
+              <a:rPr lang="en-US" sz="2000" spc="-35" dirty="0">
+                <a:effectLst/>
+                <a:latin typeface="Times New Roman" panose="02020603050405020304" pitchFamily="18" charset="0"/>
+                <a:ea typeface="Times New Roman" panose="02020603050405020304" pitchFamily="18" charset="0"/>
+                <a:sym typeface="+mn-ea"/>
+              </a:rPr>
+              <a:t> </a:t>
+            </a:r>
+            <a:r>
+              <a:rPr lang="en-US" sz="2000" dirty="0" err="1">
+                <a:effectLst/>
+                <a:latin typeface="Times New Roman" panose="02020603050405020304" pitchFamily="18" charset="0"/>
+                <a:ea typeface="Times New Roman" panose="02020603050405020304" pitchFamily="18" charset="0"/>
+                <a:sym typeface="+mn-ea"/>
               </a:rPr>
               <a:t>lớn</a:t>
             </a:r>
             <a:r>
-              <a:rPr lang="en-US" sz="1800" dirty="0">
-                <a:effectLst/>
-                <a:latin typeface="Times New Roman" panose="02020603050405020304" pitchFamily="18" charset="0"/>
-                <a:ea typeface="Times New Roman" panose="02020603050405020304" pitchFamily="18" charset="0"/>
+              <a:rPr lang="en-US" sz="2000" dirty="0">
+                <a:effectLst/>
+                <a:latin typeface="Times New Roman" panose="02020603050405020304" pitchFamily="18" charset="0"/>
+                <a:ea typeface="Times New Roman" panose="02020603050405020304" pitchFamily="18" charset="0"/>
+                <a:sym typeface="+mn-ea"/>
               </a:rPr>
               <a:t>.</a:t>
             </a:r>
-            <a:endParaRPr lang="en-US" sz="1600" dirty="0">
-              <a:effectLst/>
-              <a:latin typeface="Times New Roman" panose="02020603050405020304" pitchFamily="18" charset="0"/>
-              <a:ea typeface="Times New Roman" panose="02020603050405020304" pitchFamily="18" charset="0"/>
-            </a:endParaRPr>
-          </a:p>
-          <a:p>
-            <a:pPr marL="0" indent="0">
-              <a:buNone/>
-            </a:pPr>
-            <a:endParaRPr lang="en-US" dirty="0"/>
+            <a:endParaRPr lang="en-US" sz="2000"/>
           </a:p>
         </p:txBody>
       </p:sp>
     </p:spTree>
-    <p:extLst>
-      <p:ext uri="{BB962C8B-B14F-4D97-AF65-F5344CB8AC3E}">
-        <p14:creationId xmlns:p14="http://schemas.microsoft.com/office/powerpoint/2010/main" val="4138404614"/>
-      </p:ext>
-    </p:extLst>
   </p:cSld>
   <p:clrMapOvr>
     <a:masterClrMapping/>
